--- a/Teoria/HTML.pptx
+++ b/Teoria/HTML.pptx
@@ -210,8 +210,48 @@
         </p14:section>
       </p14:sectionLst>
     </p:ext>
+    <p:ext uri="{EFAFB233-063F-42B5-8137-9DF3F51BA10A}">
+      <p15:sldGuideLst xmlns:p15="http://schemas.microsoft.com/office/powerpoint/2012/main"/>
+    </p:ext>
   </p:extLst>
 </p:presentation>
+</file>
+
+<file path=ppt/revisionInfo.xml><?xml version="1.0" encoding="utf-8"?>
+<p1510:revInfo xmlns:a="http://schemas.openxmlformats.org/drawingml/2006/main" xmlns:r="http://schemas.openxmlformats.org/officeDocument/2006/relationships" xmlns:p1510="http://schemas.microsoft.com/office/powerpoint/2015/10/main">
+  <p1510:revLst>
+    <p1510:client id="{76A71EE1-0E28-46C1-93EC-AA02E7255FE1}" v="1" dt="2022-03-21T09:06:06.579"/>
+  </p1510:revLst>
+</p1510:revInfo>
+</file>
+
+<file path=ppt/changesInfos/changesInfo1.xml><?xml version="1.0" encoding="utf-8"?>
+<pc:chgInfo xmlns:a="http://schemas.openxmlformats.org/drawingml/2006/main" xmlns:r="http://schemas.openxmlformats.org/officeDocument/2006/relationships" xmlns:ac="http://schemas.microsoft.com/office/drawing/2013/main/command" xmlns:pc="http://schemas.microsoft.com/office/powerpoint/2013/main/command">
+  <pc:docChgLst>
+    <pc:chgData name="Sergio Sacristan Santero" userId="955dd7f0-91eb-4aab-8e1c-7d6c143bf99a" providerId="ADAL" clId="{76A71EE1-0E28-46C1-93EC-AA02E7255FE1}"/>
+    <pc:docChg chg="modSld">
+      <pc:chgData name="Sergio Sacristan Santero" userId="955dd7f0-91eb-4aab-8e1c-7d6c143bf99a" providerId="ADAL" clId="{76A71EE1-0E28-46C1-93EC-AA02E7255FE1}" dt="2022-03-21T09:06:06.563" v="10" actId="20577"/>
+      <pc:docMkLst>
+        <pc:docMk/>
+      </pc:docMkLst>
+      <pc:sldChg chg="modSp mod">
+        <pc:chgData name="Sergio Sacristan Santero" userId="955dd7f0-91eb-4aab-8e1c-7d6c143bf99a" providerId="ADAL" clId="{76A71EE1-0E28-46C1-93EC-AA02E7255FE1}" dt="2022-03-21T09:06:06.563" v="10" actId="20577"/>
+        <pc:sldMkLst>
+          <pc:docMk/>
+          <pc:sldMk cId="3020618362" sldId="287"/>
+        </pc:sldMkLst>
+        <pc:spChg chg="mod">
+          <ac:chgData name="Sergio Sacristan Santero" userId="955dd7f0-91eb-4aab-8e1c-7d6c143bf99a" providerId="ADAL" clId="{76A71EE1-0E28-46C1-93EC-AA02E7255FE1}" dt="2022-03-21T09:06:06.563" v="10" actId="20577"/>
+          <ac:spMkLst>
+            <pc:docMk/>
+            <pc:sldMk cId="3020618362" sldId="287"/>
+            <ac:spMk id="6" creationId="{00000000-0000-0000-0000-000000000000}"/>
+          </ac:spMkLst>
+        </pc:spChg>
+      </pc:sldChg>
+    </pc:docChg>
+  </pc:docChgLst>
+</pc:chgInfo>
 </file>
 
 <file path=ppt/slideLayouts/slideLayout1.xml><?xml version="1.0" encoding="utf-8"?>
@@ -794,7 +834,7 @@
           </a:lstStyle>
           <a:p>
             <a:r>
-              <a:rPr lang="es-ES" smtClean="0"/>
+              <a:rPr lang="es-ES"/>
               <a:t>Haga clic para modificar el estilo de título del patrón</a:t>
             </a:r>
             <a:endParaRPr lang="en-US" dirty="0"/>
@@ -914,7 +954,7 @@
           </a:lstStyle>
           <a:p>
             <a:r>
-              <a:rPr lang="es-ES" smtClean="0"/>
+              <a:rPr lang="es-ES"/>
               <a:t>Haga clic para modificar el estilo de subtítulo del patrón</a:t>
             </a:r>
             <a:endParaRPr lang="en-US" dirty="0"/>
@@ -939,7 +979,7 @@
             <a:fld id="{B61BEF0D-F0BB-DE4B-95CE-6DB70DBA9567}" type="datetimeFigureOut">
               <a:rPr lang="en-US" dirty="0"/>
               <a:pPr/>
-              <a:t>3/16/2022</a:t>
+              <a:t>3/21/2022</a:t>
             </a:fld>
             <a:endParaRPr lang="en-US" dirty="0"/>
           </a:p>
@@ -1040,7 +1080,7 @@
           </a:lstStyle>
           <a:p>
             <a:r>
-              <a:rPr lang="es-ES" smtClean="0"/>
+              <a:rPr lang="es-ES"/>
               <a:t>Haga clic para modificar el estilo de título del patrón</a:t>
             </a:r>
             <a:endParaRPr lang="en-US" dirty="0"/>
@@ -1163,7 +1203,7 @@
           <a:p>
             <a:pPr lvl="0"/>
             <a:r>
-              <a:rPr lang="es-ES" smtClean="0"/>
+              <a:rPr lang="es-ES"/>
               <a:t>Haga clic para modificar el estilo de texto del patrón</a:t>
             </a:r>
           </a:p>
@@ -1187,7 +1227,7 @@
             <a:fld id="{B61BEF0D-F0BB-DE4B-95CE-6DB70DBA9567}" type="datetimeFigureOut">
               <a:rPr lang="en-US" dirty="0"/>
               <a:pPr/>
-              <a:t>3/16/2022</a:t>
+              <a:t>3/21/2022</a:t>
             </a:fld>
             <a:endParaRPr lang="en-US" dirty="0"/>
           </a:p>
@@ -1288,7 +1328,7 @@
           </a:lstStyle>
           <a:p>
             <a:r>
-              <a:rPr lang="es-ES" smtClean="0"/>
+              <a:rPr lang="es-ES"/>
               <a:t>Haga clic para modificar el estilo de título del patrón</a:t>
             </a:r>
             <a:endParaRPr lang="en-US" dirty="0"/>
@@ -1352,7 +1392,7 @@
           <a:p>
             <a:pPr lvl="0"/>
             <a:r>
-              <a:rPr lang="es-ES" smtClean="0"/>
+              <a:rPr lang="es-ES"/>
               <a:t>Haga clic para modificar el estilo de texto del patrón</a:t>
             </a:r>
           </a:p>
@@ -1474,7 +1514,7 @@
           <a:p>
             <a:pPr lvl="0"/>
             <a:r>
-              <a:rPr lang="es-ES" smtClean="0"/>
+              <a:rPr lang="es-ES"/>
               <a:t>Haga clic para modificar el estilo de texto del patrón</a:t>
             </a:r>
           </a:p>
@@ -1498,7 +1538,7 @@
             <a:fld id="{B61BEF0D-F0BB-DE4B-95CE-6DB70DBA9567}" type="datetimeFigureOut">
               <a:rPr lang="en-US" dirty="0"/>
               <a:pPr/>
-              <a:t>3/16/2022</a:t>
+              <a:t>3/21/2022</a:t>
             </a:fld>
             <a:endParaRPr lang="en-US" dirty="0"/>
           </a:p>
@@ -1675,7 +1715,7 @@
           </a:lstStyle>
           <a:p>
             <a:r>
-              <a:rPr lang="es-ES" smtClean="0"/>
+              <a:rPr lang="es-ES"/>
               <a:t>Haga clic para modificar el estilo de título del patrón</a:t>
             </a:r>
             <a:endParaRPr lang="en-US" dirty="0"/>
@@ -1798,7 +1838,7 @@
           <a:p>
             <a:pPr lvl="0"/>
             <a:r>
-              <a:rPr lang="es-ES" smtClean="0"/>
+              <a:rPr lang="es-ES"/>
               <a:t>Haga clic para modificar el estilo de texto del patrón</a:t>
             </a:r>
           </a:p>
@@ -1822,7 +1862,7 @@
             <a:fld id="{B61BEF0D-F0BB-DE4B-95CE-6DB70DBA9567}" type="datetimeFigureOut">
               <a:rPr lang="en-US" dirty="0"/>
               <a:pPr/>
-              <a:t>3/16/2022</a:t>
+              <a:t>3/21/2022</a:t>
             </a:fld>
             <a:endParaRPr lang="en-US" dirty="0"/>
           </a:p>
@@ -1923,7 +1963,7 @@
           </a:lstStyle>
           <a:p>
             <a:r>
-              <a:rPr lang="es-ES" smtClean="0"/>
+              <a:rPr lang="es-ES"/>
               <a:t>Haga clic para modificar el estilo de título del patrón</a:t>
             </a:r>
             <a:endParaRPr lang="en-US" dirty="0"/>
@@ -1987,7 +2027,7 @@
           <a:p>
             <a:pPr lvl="0"/>
             <a:r>
-              <a:rPr lang="es-ES" smtClean="0"/>
+              <a:rPr lang="es-ES"/>
               <a:t>Haga clic para modificar el estilo de texto del patrón</a:t>
             </a:r>
           </a:p>
@@ -2109,7 +2149,7 @@
           <a:p>
             <a:pPr lvl="0"/>
             <a:r>
-              <a:rPr lang="es-ES" smtClean="0"/>
+              <a:rPr lang="es-ES"/>
               <a:t>Haga clic para modificar el estilo de texto del patrón</a:t>
             </a:r>
           </a:p>
@@ -2133,7 +2173,7 @@
             <a:fld id="{B61BEF0D-F0BB-DE4B-95CE-6DB70DBA9567}" type="datetimeFigureOut">
               <a:rPr lang="en-US" dirty="0"/>
               <a:pPr/>
-              <a:t>3/16/2022</a:t>
+              <a:t>3/21/2022</a:t>
             </a:fld>
             <a:endParaRPr lang="en-US" dirty="0"/>
           </a:p>
@@ -2310,7 +2350,7 @@
           </a:lstStyle>
           <a:p>
             <a:r>
-              <a:rPr lang="es-ES" smtClean="0"/>
+              <a:rPr lang="es-ES"/>
               <a:t>Haga clic para modificar el estilo de título del patrón</a:t>
             </a:r>
             <a:endParaRPr lang="en-US" dirty="0"/>
@@ -2371,7 +2411,7 @@
           <a:p>
             <a:pPr lvl="0"/>
             <a:r>
-              <a:rPr lang="es-ES" smtClean="0"/>
+              <a:rPr lang="es-ES"/>
               <a:t>Haga clic para modificar el estilo de texto del patrón</a:t>
             </a:r>
           </a:p>
@@ -2493,7 +2533,7 @@
           <a:p>
             <a:pPr lvl="0"/>
             <a:r>
-              <a:rPr lang="es-ES" smtClean="0"/>
+              <a:rPr lang="es-ES"/>
               <a:t>Haga clic para modificar el estilo de texto del patrón</a:t>
             </a:r>
           </a:p>
@@ -2517,7 +2557,7 @@
             <a:fld id="{B61BEF0D-F0BB-DE4B-95CE-6DB70DBA9567}" type="datetimeFigureOut">
               <a:rPr lang="en-US" dirty="0"/>
               <a:pPr/>
-              <a:t>3/16/2022</a:t>
+              <a:t>3/21/2022</a:t>
             </a:fld>
             <a:endParaRPr lang="en-US" dirty="0"/>
           </a:p>
@@ -2607,7 +2647,7 @@
           <a:lstStyle/>
           <a:p>
             <a:r>
-              <a:rPr lang="es-ES" smtClean="0"/>
+              <a:rPr lang="es-ES"/>
               <a:t>Haga clic para modificar el estilo de título del patrón</a:t>
             </a:r>
             <a:endParaRPr lang="en-US" dirty="0"/>
@@ -2631,35 +2671,35 @@
           <a:p>
             <a:pPr lvl="0"/>
             <a:r>
-              <a:rPr lang="es-ES" smtClean="0"/>
+              <a:rPr lang="es-ES"/>
               <a:t>Haga clic para modificar el estilo de texto del patrón</a:t>
             </a:r>
           </a:p>
           <a:p>
             <a:pPr lvl="1"/>
             <a:r>
-              <a:rPr lang="es-ES" smtClean="0"/>
+              <a:rPr lang="es-ES"/>
               <a:t>Segundo nivel</a:t>
             </a:r>
           </a:p>
           <a:p>
             <a:pPr lvl="2"/>
             <a:r>
-              <a:rPr lang="es-ES" smtClean="0"/>
+              <a:rPr lang="es-ES"/>
               <a:t>Tercer nivel</a:t>
             </a:r>
           </a:p>
           <a:p>
             <a:pPr lvl="3"/>
             <a:r>
-              <a:rPr lang="es-ES" smtClean="0"/>
+              <a:rPr lang="es-ES"/>
               <a:t>Cuarto nivel</a:t>
             </a:r>
           </a:p>
           <a:p>
             <a:pPr lvl="4"/>
             <a:r>
-              <a:rPr lang="es-ES" smtClean="0"/>
+              <a:rPr lang="es-ES"/>
               <a:t>Quinto nivel</a:t>
             </a:r>
             <a:endParaRPr lang="en-US" dirty="0"/>
@@ -2683,7 +2723,7 @@
           <a:p>
             <a:fld id="{55C6B4A9-1611-4792-9094-5F34BCA07E0B}" type="datetimeFigureOut">
               <a:rPr lang="en-US" dirty="0"/>
-              <a:t>3/16/2022</a:t>
+              <a:t>3/21/2022</a:t>
             </a:fld>
             <a:endParaRPr lang="en-US" dirty="0"/>
           </a:p>
@@ -2777,7 +2817,7 @@
           <a:lstStyle/>
           <a:p>
             <a:r>
-              <a:rPr lang="es-ES" smtClean="0"/>
+              <a:rPr lang="es-ES"/>
               <a:t>Haga clic para modificar el estilo de título del patrón</a:t>
             </a:r>
             <a:endParaRPr lang="en-US" dirty="0"/>
@@ -2806,35 +2846,35 @@
           <a:p>
             <a:pPr lvl="0"/>
             <a:r>
-              <a:rPr lang="es-ES" smtClean="0"/>
+              <a:rPr lang="es-ES"/>
               <a:t>Haga clic para modificar el estilo de texto del patrón</a:t>
             </a:r>
           </a:p>
           <a:p>
             <a:pPr lvl="1"/>
             <a:r>
-              <a:rPr lang="es-ES" smtClean="0"/>
+              <a:rPr lang="es-ES"/>
               <a:t>Segundo nivel</a:t>
             </a:r>
           </a:p>
           <a:p>
             <a:pPr lvl="2"/>
             <a:r>
-              <a:rPr lang="es-ES" smtClean="0"/>
+              <a:rPr lang="es-ES"/>
               <a:t>Tercer nivel</a:t>
             </a:r>
           </a:p>
           <a:p>
             <a:pPr lvl="3"/>
             <a:r>
-              <a:rPr lang="es-ES" smtClean="0"/>
+              <a:rPr lang="es-ES"/>
               <a:t>Cuarto nivel</a:t>
             </a:r>
           </a:p>
           <a:p>
             <a:pPr lvl="4"/>
             <a:r>
-              <a:rPr lang="es-ES" smtClean="0"/>
+              <a:rPr lang="es-ES"/>
               <a:t>Quinto nivel</a:t>
             </a:r>
             <a:endParaRPr lang="en-US" dirty="0"/>
@@ -2859,7 +2899,7 @@
             <a:fld id="{B61BEF0D-F0BB-DE4B-95CE-6DB70DBA9567}" type="datetimeFigureOut">
               <a:rPr lang="en-US" dirty="0"/>
               <a:pPr/>
-              <a:t>3/16/2022</a:t>
+              <a:t>3/21/2022</a:t>
             </a:fld>
             <a:endParaRPr lang="en-US" dirty="0"/>
           </a:p>
@@ -2955,7 +2995,7 @@
           </a:lstStyle>
           <a:p>
             <a:r>
-              <a:rPr lang="es-ES" smtClean="0"/>
+              <a:rPr lang="es-ES"/>
               <a:t>Haga clic para modificar el estilo de título del patrón</a:t>
             </a:r>
             <a:endParaRPr lang="en-US" dirty="0"/>
@@ -2979,35 +3019,35 @@
           <a:p>
             <a:pPr lvl="0"/>
             <a:r>
-              <a:rPr lang="es-ES" smtClean="0"/>
+              <a:rPr lang="es-ES"/>
               <a:t>Haga clic para modificar el estilo de texto del patrón</a:t>
             </a:r>
           </a:p>
           <a:p>
             <a:pPr lvl="1"/>
             <a:r>
-              <a:rPr lang="es-ES" smtClean="0"/>
+              <a:rPr lang="es-ES"/>
               <a:t>Segundo nivel</a:t>
             </a:r>
           </a:p>
           <a:p>
             <a:pPr lvl="2"/>
             <a:r>
-              <a:rPr lang="es-ES" smtClean="0"/>
+              <a:rPr lang="es-ES"/>
               <a:t>Tercer nivel</a:t>
             </a:r>
           </a:p>
           <a:p>
             <a:pPr lvl="3"/>
             <a:r>
-              <a:rPr lang="es-ES" smtClean="0"/>
+              <a:rPr lang="es-ES"/>
               <a:t>Cuarto nivel</a:t>
             </a:r>
           </a:p>
           <a:p>
             <a:pPr lvl="4"/>
             <a:r>
-              <a:rPr lang="es-ES" smtClean="0"/>
+              <a:rPr lang="es-ES"/>
               <a:t>Quinto nivel</a:t>
             </a:r>
             <a:endParaRPr lang="en-US" dirty="0"/>
@@ -3032,7 +3072,7 @@
             <a:fld id="{B61BEF0D-F0BB-DE4B-95CE-6DB70DBA9567}" type="datetimeFigureOut">
               <a:rPr lang="en-US" dirty="0"/>
               <a:pPr/>
-              <a:t>3/16/2022</a:t>
+              <a:t>3/21/2022</a:t>
             </a:fld>
             <a:endParaRPr lang="en-US" dirty="0"/>
           </a:p>
@@ -3131,7 +3171,7 @@
           </a:lstStyle>
           <a:p>
             <a:r>
-              <a:rPr lang="es-ES" smtClean="0"/>
+              <a:rPr lang="es-ES"/>
               <a:t>Haga clic para modificar el estilo de título del patrón</a:t>
             </a:r>
             <a:endParaRPr lang="en-US" dirty="0"/>
@@ -3252,7 +3292,7 @@
           <a:p>
             <a:pPr lvl="0"/>
             <a:r>
-              <a:rPr lang="es-ES" smtClean="0"/>
+              <a:rPr lang="es-ES"/>
               <a:t>Haga clic para modificar el estilo de texto del patrón</a:t>
             </a:r>
           </a:p>
@@ -3276,7 +3316,7 @@
             <a:fld id="{B61BEF0D-F0BB-DE4B-95CE-6DB70DBA9567}" type="datetimeFigureOut">
               <a:rPr lang="en-US" dirty="0"/>
               <a:pPr/>
-              <a:t>3/16/2022</a:t>
+              <a:t>3/21/2022</a:t>
             </a:fld>
             <a:endParaRPr lang="en-US" dirty="0"/>
           </a:p>
@@ -3366,7 +3406,7 @@
           <a:lstStyle/>
           <a:p>
             <a:r>
-              <a:rPr lang="es-ES" smtClean="0"/>
+              <a:rPr lang="es-ES"/>
               <a:t>Haga clic para modificar el estilo de título del patrón</a:t>
             </a:r>
             <a:endParaRPr lang="en-US" dirty="0"/>
@@ -3395,35 +3435,35 @@
           <a:p>
             <a:pPr lvl="0"/>
             <a:r>
-              <a:rPr lang="es-ES" smtClean="0"/>
+              <a:rPr lang="es-ES"/>
               <a:t>Haga clic para modificar el estilo de texto del patrón</a:t>
             </a:r>
           </a:p>
           <a:p>
             <a:pPr lvl="1"/>
             <a:r>
-              <a:rPr lang="es-ES" smtClean="0"/>
+              <a:rPr lang="es-ES"/>
               <a:t>Segundo nivel</a:t>
             </a:r>
           </a:p>
           <a:p>
             <a:pPr lvl="2"/>
             <a:r>
-              <a:rPr lang="es-ES" smtClean="0"/>
+              <a:rPr lang="es-ES"/>
               <a:t>Tercer nivel</a:t>
             </a:r>
           </a:p>
           <a:p>
             <a:pPr lvl="3"/>
             <a:r>
-              <a:rPr lang="es-ES" smtClean="0"/>
+              <a:rPr lang="es-ES"/>
               <a:t>Cuarto nivel</a:t>
             </a:r>
           </a:p>
           <a:p>
             <a:pPr lvl="4"/>
             <a:r>
-              <a:rPr lang="es-ES" smtClean="0"/>
+              <a:rPr lang="es-ES"/>
               <a:t>Quinto nivel</a:t>
             </a:r>
             <a:endParaRPr lang="en-US" dirty="0"/>
@@ -3452,35 +3492,35 @@
           <a:p>
             <a:pPr lvl="0"/>
             <a:r>
-              <a:rPr lang="es-ES" smtClean="0"/>
+              <a:rPr lang="es-ES"/>
               <a:t>Haga clic para modificar el estilo de texto del patrón</a:t>
             </a:r>
           </a:p>
           <a:p>
             <a:pPr lvl="1"/>
             <a:r>
-              <a:rPr lang="es-ES" smtClean="0"/>
+              <a:rPr lang="es-ES"/>
               <a:t>Segundo nivel</a:t>
             </a:r>
           </a:p>
           <a:p>
             <a:pPr lvl="2"/>
             <a:r>
-              <a:rPr lang="es-ES" smtClean="0"/>
+              <a:rPr lang="es-ES"/>
               <a:t>Tercer nivel</a:t>
             </a:r>
           </a:p>
           <a:p>
             <a:pPr lvl="3"/>
             <a:r>
-              <a:rPr lang="es-ES" smtClean="0"/>
+              <a:rPr lang="es-ES"/>
               <a:t>Cuarto nivel</a:t>
             </a:r>
           </a:p>
           <a:p>
             <a:pPr lvl="4"/>
             <a:r>
-              <a:rPr lang="es-ES" smtClean="0"/>
+              <a:rPr lang="es-ES"/>
               <a:t>Quinto nivel</a:t>
             </a:r>
             <a:endParaRPr lang="en-US" dirty="0"/>
@@ -3504,7 +3544,7 @@
           <a:p>
             <a:fld id="{EB712588-04B1-427B-82EE-E8DB90309F08}" type="datetimeFigureOut">
               <a:rPr lang="en-US" dirty="0"/>
-              <a:t>3/16/2022</a:t>
+              <a:t>3/21/2022</a:t>
             </a:fld>
             <a:endParaRPr lang="en-US" dirty="0"/>
           </a:p>
@@ -3597,7 +3637,7 @@
           </a:lstStyle>
           <a:p>
             <a:r>
-              <a:rPr lang="es-ES" smtClean="0"/>
+              <a:rPr lang="es-ES"/>
               <a:t>Haga clic para modificar el estilo de título del patrón</a:t>
             </a:r>
             <a:endParaRPr lang="en-US" dirty="0"/>
@@ -3665,7 +3705,7 @@
           <a:p>
             <a:pPr lvl="0"/>
             <a:r>
-              <a:rPr lang="es-ES" smtClean="0"/>
+              <a:rPr lang="es-ES"/>
               <a:t>Haga clic para modificar el estilo de texto del patrón</a:t>
             </a:r>
           </a:p>
@@ -3695,35 +3735,35 @@
           <a:p>
             <a:pPr lvl="0"/>
             <a:r>
-              <a:rPr lang="es-ES" smtClean="0"/>
+              <a:rPr lang="es-ES"/>
               <a:t>Haga clic para modificar el estilo de texto del patrón</a:t>
             </a:r>
           </a:p>
           <a:p>
             <a:pPr lvl="1"/>
             <a:r>
-              <a:rPr lang="es-ES" smtClean="0"/>
+              <a:rPr lang="es-ES"/>
               <a:t>Segundo nivel</a:t>
             </a:r>
           </a:p>
           <a:p>
             <a:pPr lvl="2"/>
             <a:r>
-              <a:rPr lang="es-ES" smtClean="0"/>
+              <a:rPr lang="es-ES"/>
               <a:t>Tercer nivel</a:t>
             </a:r>
           </a:p>
           <a:p>
             <a:pPr lvl="3"/>
             <a:r>
-              <a:rPr lang="es-ES" smtClean="0"/>
+              <a:rPr lang="es-ES"/>
               <a:t>Cuarto nivel</a:t>
             </a:r>
           </a:p>
           <a:p>
             <a:pPr lvl="4"/>
             <a:r>
-              <a:rPr lang="es-ES" smtClean="0"/>
+              <a:rPr lang="es-ES"/>
               <a:t>Quinto nivel</a:t>
             </a:r>
             <a:endParaRPr lang="en-US" dirty="0"/>
@@ -3791,7 +3831,7 @@
           <a:p>
             <a:pPr lvl="0"/>
             <a:r>
-              <a:rPr lang="es-ES" smtClean="0"/>
+              <a:rPr lang="es-ES"/>
               <a:t>Haga clic para modificar el estilo de texto del patrón</a:t>
             </a:r>
           </a:p>
@@ -3821,35 +3861,35 @@
           <a:p>
             <a:pPr lvl="0"/>
             <a:r>
-              <a:rPr lang="es-ES" smtClean="0"/>
+              <a:rPr lang="es-ES"/>
               <a:t>Haga clic para modificar el estilo de texto del patrón</a:t>
             </a:r>
           </a:p>
           <a:p>
             <a:pPr lvl="1"/>
             <a:r>
-              <a:rPr lang="es-ES" smtClean="0"/>
+              <a:rPr lang="es-ES"/>
               <a:t>Segundo nivel</a:t>
             </a:r>
           </a:p>
           <a:p>
             <a:pPr lvl="2"/>
             <a:r>
-              <a:rPr lang="es-ES" smtClean="0"/>
+              <a:rPr lang="es-ES"/>
               <a:t>Tercer nivel</a:t>
             </a:r>
           </a:p>
           <a:p>
             <a:pPr lvl="3"/>
             <a:r>
-              <a:rPr lang="es-ES" smtClean="0"/>
+              <a:rPr lang="es-ES"/>
               <a:t>Cuarto nivel</a:t>
             </a:r>
           </a:p>
           <a:p>
             <a:pPr lvl="4"/>
             <a:r>
-              <a:rPr lang="es-ES" smtClean="0"/>
+              <a:rPr lang="es-ES"/>
               <a:t>Quinto nivel</a:t>
             </a:r>
             <a:endParaRPr lang="en-US" dirty="0"/>
@@ -3874,7 +3914,7 @@
             <a:fld id="{B61BEF0D-F0BB-DE4B-95CE-6DB70DBA9567}" type="datetimeFigureOut">
               <a:rPr lang="en-US" dirty="0"/>
               <a:pPr/>
-              <a:t>3/16/2022</a:t>
+              <a:t>3/21/2022</a:t>
             </a:fld>
             <a:endParaRPr lang="en-US" dirty="0"/>
           </a:p>
@@ -3969,7 +4009,7 @@
           <a:lstStyle/>
           <a:p>
             <a:r>
-              <a:rPr lang="es-ES" smtClean="0"/>
+              <a:rPr lang="es-ES"/>
               <a:t>Haga clic para modificar el estilo de título del patrón</a:t>
             </a:r>
             <a:endParaRPr lang="en-US" dirty="0"/>
@@ -3994,7 +4034,7 @@
             <a:fld id="{B61BEF0D-F0BB-DE4B-95CE-6DB70DBA9567}" type="datetimeFigureOut">
               <a:rPr lang="en-US" dirty="0"/>
               <a:pPr/>
-              <a:t>3/16/2022</a:t>
+              <a:t>3/21/2022</a:t>
             </a:fld>
             <a:endParaRPr lang="en-US" dirty="0"/>
           </a:p>
@@ -4086,7 +4126,7 @@
             <a:fld id="{B61BEF0D-F0BB-DE4B-95CE-6DB70DBA9567}" type="datetimeFigureOut">
               <a:rPr lang="en-US" dirty="0"/>
               <a:pPr/>
-              <a:t>3/16/2022</a:t>
+              <a:t>3/21/2022</a:t>
             </a:fld>
             <a:endParaRPr lang="en-US" dirty="0"/>
           </a:p>
@@ -4187,7 +4227,7 @@
           </a:lstStyle>
           <a:p>
             <a:r>
-              <a:rPr lang="es-ES" smtClean="0"/>
+              <a:rPr lang="es-ES"/>
               <a:t>Haga clic para modificar el estilo de título del patrón</a:t>
             </a:r>
             <a:endParaRPr lang="en-US" dirty="0"/>
@@ -4218,35 +4258,35 @@
           <a:p>
             <a:pPr lvl="0"/>
             <a:r>
-              <a:rPr lang="es-ES" smtClean="0"/>
+              <a:rPr lang="es-ES"/>
               <a:t>Haga clic para modificar el estilo de texto del patrón</a:t>
             </a:r>
           </a:p>
           <a:p>
             <a:pPr lvl="1"/>
             <a:r>
-              <a:rPr lang="es-ES" smtClean="0"/>
+              <a:rPr lang="es-ES"/>
               <a:t>Segundo nivel</a:t>
             </a:r>
           </a:p>
           <a:p>
             <a:pPr lvl="2"/>
             <a:r>
-              <a:rPr lang="es-ES" smtClean="0"/>
+              <a:rPr lang="es-ES"/>
               <a:t>Tercer nivel</a:t>
             </a:r>
           </a:p>
           <a:p>
             <a:pPr lvl="3"/>
             <a:r>
-              <a:rPr lang="es-ES" smtClean="0"/>
+              <a:rPr lang="es-ES"/>
               <a:t>Cuarto nivel</a:t>
             </a:r>
           </a:p>
           <a:p>
             <a:pPr lvl="4"/>
             <a:r>
-              <a:rPr lang="es-ES" smtClean="0"/>
+              <a:rPr lang="es-ES"/>
               <a:t>Quinto nivel</a:t>
             </a:r>
             <a:endParaRPr lang="en-US" dirty="0"/>
@@ -4314,7 +4354,7 @@
           <a:p>
             <a:pPr lvl="0"/>
             <a:r>
-              <a:rPr lang="es-ES" smtClean="0"/>
+              <a:rPr lang="es-ES"/>
               <a:t>Haga clic para modificar el estilo de texto del patrón</a:t>
             </a:r>
           </a:p>
@@ -4337,7 +4377,7 @@
           <a:p>
             <a:fld id="{42A54C80-263E-416B-A8E0-580EDEADCBDC}" type="datetimeFigureOut">
               <a:rPr lang="en-US" dirty="0"/>
-              <a:t>3/16/2022</a:t>
+              <a:t>3/21/2022</a:t>
             </a:fld>
             <a:endParaRPr lang="en-US" dirty="0"/>
           </a:p>
@@ -4437,7 +4477,7 @@
           </a:lstStyle>
           <a:p>
             <a:r>
-              <a:rPr lang="es-ES" smtClean="0"/>
+              <a:rPr lang="es-ES"/>
               <a:t>Haga clic para modificar el estilo de título del patrón</a:t>
             </a:r>
             <a:endParaRPr lang="en-US" dirty="0"/>
@@ -4504,7 +4544,7 @@
           </a:lstStyle>
           <a:p>
             <a:r>
-              <a:rPr lang="es-ES" smtClean="0"/>
+              <a:rPr lang="es-ES"/>
               <a:t>Haga clic en el icono para agregar una imagen</a:t>
             </a:r>
             <a:endParaRPr lang="en-US" dirty="0"/>
@@ -4572,7 +4612,7 @@
           <a:p>
             <a:pPr lvl="0"/>
             <a:r>
-              <a:rPr lang="es-ES" smtClean="0"/>
+              <a:rPr lang="es-ES"/>
               <a:t>Haga clic para modificar el estilo de texto del patrón</a:t>
             </a:r>
           </a:p>
@@ -4596,7 +4636,7 @@
             <a:fld id="{B61BEF0D-F0BB-DE4B-95CE-6DB70DBA9567}" type="datetimeFigureOut">
               <a:rPr lang="en-US" dirty="0"/>
               <a:pPr/>
-              <a:t>3/16/2022</a:t>
+              <a:t>3/21/2022</a:t>
             </a:fld>
             <a:endParaRPr lang="en-US" dirty="0"/>
           </a:p>
@@ -5233,7 +5273,7 @@
           <a:lstStyle/>
           <a:p>
             <a:r>
-              <a:rPr lang="es-ES" smtClean="0"/>
+              <a:rPr lang="es-ES"/>
               <a:t>Haga clic para modificar el estilo de título del patrón</a:t>
             </a:r>
             <a:endParaRPr lang="en-US" dirty="0"/>
@@ -5267,35 +5307,35 @@
           <a:p>
             <a:pPr lvl="0"/>
             <a:r>
-              <a:rPr lang="es-ES" smtClean="0"/>
+              <a:rPr lang="es-ES"/>
               <a:t>Haga clic para modificar el estilo de texto del patrón</a:t>
             </a:r>
           </a:p>
           <a:p>
             <a:pPr lvl="1"/>
             <a:r>
-              <a:rPr lang="es-ES" smtClean="0"/>
+              <a:rPr lang="es-ES"/>
               <a:t>Segundo nivel</a:t>
             </a:r>
           </a:p>
           <a:p>
             <a:pPr lvl="2"/>
             <a:r>
-              <a:rPr lang="es-ES" smtClean="0"/>
+              <a:rPr lang="es-ES"/>
               <a:t>Tercer nivel</a:t>
             </a:r>
           </a:p>
           <a:p>
             <a:pPr lvl="3"/>
             <a:r>
-              <a:rPr lang="es-ES" smtClean="0"/>
+              <a:rPr lang="es-ES"/>
               <a:t>Cuarto nivel</a:t>
             </a:r>
           </a:p>
           <a:p>
             <a:pPr lvl="4"/>
             <a:r>
-              <a:rPr lang="es-ES" smtClean="0"/>
+              <a:rPr lang="es-ES"/>
               <a:t>Quinto nivel</a:t>
             </a:r>
             <a:endParaRPr lang="en-US" dirty="0"/>
@@ -5338,7 +5378,7 @@
             <a:fld id="{B61BEF0D-F0BB-DE4B-95CE-6DB70DBA9567}" type="datetimeFigureOut">
               <a:rPr lang="en-US" dirty="0"/>
               <a:pPr/>
-              <a:t>3/16/2022</a:t>
+              <a:t>3/21/2022</a:t>
             </a:fld>
             <a:endParaRPr lang="en-US" dirty="0"/>
           </a:p>
@@ -5874,10 +5914,9 @@
           <a:lstStyle/>
           <a:p>
             <a:r>
-              <a:rPr lang="es-ES" dirty="0" smtClean="0"/>
+              <a:rPr lang="es-ES" dirty="0"/>
               <a:t>Maquetación HTML, CSS y JS</a:t>
             </a:r>
-            <a:endParaRPr lang="es-ES" dirty="0"/>
           </a:p>
         </p:txBody>
       </p:sp>
@@ -5897,10 +5936,9 @@
           <a:lstStyle/>
           <a:p>
             <a:r>
-              <a:rPr lang="es-ES" dirty="0" smtClean="0"/>
+              <a:rPr lang="es-ES" dirty="0"/>
               <a:t>Web Comercial</a:t>
             </a:r>
-            <a:endParaRPr lang="es-ES" dirty="0"/>
           </a:p>
         </p:txBody>
       </p:sp>
@@ -5914,13 +5952,6 @@
   <p:clrMapOvr>
     <a:masterClrMapping/>
   </p:clrMapOvr>
-  <p:timing>
-    <p:tnLst>
-      <p:par>
-        <p:cTn id="1" dur="indefinite" restart="never" nodeType="tmRoot"/>
-      </p:par>
-    </p:tnLst>
-  </p:timing>
 </p:sld>
 </file>
 
@@ -5962,25 +5993,25 @@
           <a:lstStyle/>
           <a:p>
             <a:r>
-              <a:rPr lang="es-ES" u="sng" dirty="0" err="1" smtClean="0"/>
+              <a:rPr lang="es-ES" u="sng" dirty="0" err="1"/>
               <a:t>decURL</a:t>
             </a:r>
             <a:r>
-              <a:rPr lang="es-ES" dirty="0" smtClean="0"/>
+              <a:rPr lang="es-ES" dirty="0"/>
               <a:t>: rompe con la idea de decorador como un molde, es peculiar, lo utilizamos para hacer redirecciones ORIGEN-DESTINO.</a:t>
             </a:r>
           </a:p>
           <a:p>
             <a:r>
-              <a:rPr lang="es-ES" dirty="0" smtClean="0"/>
+              <a:rPr lang="es-ES" dirty="0"/>
               <a:t>Si el cliente solicitase que una página ha de </a:t>
             </a:r>
             <a:r>
-              <a:rPr lang="es-ES" dirty="0" err="1" smtClean="0"/>
+              <a:rPr lang="es-ES" dirty="0" err="1"/>
               <a:t>redireccionar</a:t>
             </a:r>
             <a:r>
-              <a:rPr lang="es-ES" dirty="0" smtClean="0"/>
+              <a:rPr lang="es-ES" dirty="0"/>
               <a:t> a otra bastaría con hacer lo siguiente en su entrada de GWB:</a:t>
             </a:r>
           </a:p>
@@ -6129,7 +6160,7 @@
           <a:p>
             <a:pPr algn="ctr"/>
             <a:r>
-              <a:rPr lang="es-ES" sz="2000" dirty="0" smtClean="0">
+              <a:rPr lang="es-ES" sz="2000" dirty="0">
                 <a:ln w="0"/>
                 <a:solidFill>
                   <a:srgbClr val="FF0000"/>
@@ -6144,19 +6175,6 @@
               </a:rPr>
               <a:t>destino</a:t>
             </a:r>
-            <a:endParaRPr lang="es-ES" sz="2000" dirty="0">
-              <a:ln w="0"/>
-              <a:solidFill>
-                <a:srgbClr val="FF0000"/>
-              </a:solidFill>
-              <a:effectLst>
-                <a:outerShdw blurRad="38100" dist="25400" dir="5400000" algn="ctr" rotWithShape="0">
-                  <a:srgbClr val="6E747A">
-                    <a:alpha val="43000"/>
-                  </a:srgbClr>
-                </a:outerShdw>
-              </a:effectLst>
-            </a:endParaRPr>
           </a:p>
         </p:txBody>
       </p:sp>
@@ -6170,13 +6188,6 @@
   <p:clrMapOvr>
     <a:masterClrMapping/>
   </p:clrMapOvr>
-  <p:timing>
-    <p:tnLst>
-      <p:par>
-        <p:cTn id="1" dur="indefinite" restart="never" nodeType="tmRoot"/>
-      </p:par>
-    </p:tnLst>
-  </p:timing>
 </p:sld>
 </file>
 
@@ -6218,10 +6229,9 @@
           <a:lstStyle/>
           <a:p>
             <a:r>
-              <a:rPr lang="es-ES" dirty="0" smtClean="0"/>
+              <a:rPr lang="es-ES" dirty="0"/>
               <a:t>Módulos</a:t>
             </a:r>
-            <a:endParaRPr lang="es-ES" dirty="0"/>
           </a:p>
         </p:txBody>
       </p:sp>
@@ -6246,15 +6256,15 @@
           <a:lstStyle/>
           <a:p>
             <a:r>
-              <a:rPr lang="es-ES" dirty="0" smtClean="0"/>
+              <a:rPr lang="es-ES" dirty="0"/>
               <a:t>Seccionamos cada una de las páginas en módulos, un módulo sería una sección manejable de una página con </a:t>
             </a:r>
             <a:r>
-              <a:rPr lang="es-ES" dirty="0" err="1" smtClean="0"/>
+              <a:rPr lang="es-ES" dirty="0" err="1"/>
               <a:t>incio</a:t>
             </a:r>
             <a:r>
-              <a:rPr lang="es-ES" dirty="0" smtClean="0"/>
+              <a:rPr lang="es-ES" dirty="0"/>
               <a:t> y fin. Ejemplo:</a:t>
             </a:r>
           </a:p>
@@ -6389,13 +6399,6 @@
   <p:clrMapOvr>
     <a:masterClrMapping/>
   </p:clrMapOvr>
-  <p:timing>
-    <p:tnLst>
-      <p:par>
-        <p:cTn id="1" dur="indefinite" restart="never" nodeType="tmRoot"/>
-      </p:par>
-    </p:tnLst>
-  </p:timing>
 </p:sld>
 </file>
 
@@ -6437,10 +6440,9 @@
           <a:lstStyle/>
           <a:p>
             <a:r>
-              <a:rPr lang="es-ES" dirty="0" smtClean="0"/>
+              <a:rPr lang="es-ES" dirty="0"/>
               <a:t>Rejillas</a:t>
             </a:r>
-            <a:endParaRPr lang="es-ES" dirty="0"/>
           </a:p>
         </p:txBody>
       </p:sp>
@@ -6479,11 +6481,7 @@
             </a:r>
             <a:r>
               <a:rPr lang="es-ES" dirty="0"/>
-              <a:t> 4 y para ello tenemos que entender que tenemos filas y columnas</a:t>
-            </a:r>
-            <a:r>
-              <a:rPr lang="es-ES" dirty="0" smtClean="0"/>
-              <a:t>.</a:t>
+              <a:t> 4 y para ello tenemos que entender que tenemos filas y columnas.</a:t>
             </a:r>
           </a:p>
           <a:p>
@@ -6491,26 +6489,17 @@
               <a:buNone/>
             </a:pPr>
             <a:r>
-              <a:rPr lang="es-ES" dirty="0" smtClean="0"/>
-              <a:t>Por </a:t>
-            </a:r>
-            <a:r>
               <a:rPr lang="es-ES" dirty="0"/>
-              <a:t>defecto las filas se marcan como </a:t>
-            </a:r>
-            <a:endParaRPr lang="es-ES" dirty="0" smtClean="0"/>
+              <a:t>Por defecto las filas se marcan como </a:t>
+            </a:r>
           </a:p>
           <a:p>
             <a:pPr marL="0" indent="0" algn="ctr">
               <a:buNone/>
             </a:pPr>
             <a:r>
-              <a:rPr lang="es-ES" b="1" dirty="0" smtClean="0"/>
-              <a:t>&lt;</a:t>
-            </a:r>
-            <a:r>
               <a:rPr lang="es-ES" b="1" dirty="0"/>
-              <a:t>div </a:t>
+              <a:t>&lt;div </a:t>
             </a:r>
             <a:r>
               <a:rPr lang="es-ES" b="1" dirty="0" err="1"/>
@@ -6532,48 +6521,30 @@
               <a:rPr lang="es-ES" dirty="0"/>
               <a:t> </a:t>
             </a:r>
-            <a:endParaRPr lang="es-ES" dirty="0" smtClean="0"/>
           </a:p>
           <a:p>
             <a:pPr marL="0" indent="0">
               <a:buNone/>
             </a:pPr>
             <a:r>
-              <a:rPr lang="es-ES" dirty="0" smtClean="0"/>
-              <a:t>y </a:t>
-            </a:r>
-            <a:r>
               <a:rPr lang="es-ES" dirty="0"/>
-              <a:t>dentro de las filas se van insertando las columnas. Por defecto cada fila tiene 12 columnas de ese modo podemos hacer una fila con una columna de 6 espacios y 2 de 3, una fila con una columna que ocupa todo el espacio</a:t>
-            </a:r>
-            <a:r>
-              <a:rPr lang="es-ES" dirty="0" smtClean="0"/>
-              <a:t>…</a:t>
+              <a:t>y dentro de las filas se van insertando las columnas. Por defecto cada fila tiene 12 columnas de ese modo podemos hacer una fila con una columna de 6 espacios y 2 de 3, una fila con una columna que ocupa todo el espacio…</a:t>
             </a:r>
           </a:p>
           <a:p>
             <a:pPr marL="0" indent="0">
               <a:buNone/>
             </a:pPr>
-            <a:endParaRPr lang="es-ES" dirty="0" smtClean="0"/>
+            <a:endParaRPr lang="es-ES" dirty="0"/>
           </a:p>
           <a:p>
             <a:pPr marL="0" indent="0" fontAlgn="base">
               <a:buNone/>
             </a:pPr>
             <a:r>
-              <a:rPr lang="es-ES" dirty="0" smtClean="0"/>
-              <a:t>Las filas </a:t>
-            </a:r>
-            <a:r>
               <a:rPr lang="es-ES" dirty="0"/>
-              <a:t>y las columnas se pueden anidar, creando casi cualquier estructura que </a:t>
-            </a:r>
-            <a:r>
-              <a:rPr lang="es-ES" dirty="0" smtClean="0"/>
-              <a:t>necesitemos.</a:t>
-            </a:r>
-            <a:endParaRPr lang="es-ES" dirty="0"/>
+              <a:t>Las filas y las columnas se pueden anidar, creando casi cualquier estructura que necesitemos.</a:t>
+            </a:r>
           </a:p>
           <a:p>
             <a:pPr marL="0" indent="0" fontAlgn="base">
@@ -6626,13 +6597,6 @@
   <p:clrMapOvr>
     <a:masterClrMapping/>
   </p:clrMapOvr>
-  <p:timing>
-    <p:tnLst>
-      <p:par>
-        <p:cTn id="1" dur="indefinite" restart="never" nodeType="tmRoot"/>
-      </p:par>
-    </p:tnLst>
-  </p:timing>
 </p:sld>
 </file>
 
@@ -6750,7 +6714,7 @@
           <a:lstStyle/>
           <a:p>
             <a:r>
-              <a:rPr lang="es-ES" sz="1400" i="1" dirty="0" smtClean="0"/>
+              <a:rPr lang="es-ES" sz="1400" i="1" dirty="0"/>
               <a:t>Móvil</a:t>
             </a:r>
             <a:endParaRPr lang="es-ES" i="1" dirty="0"/>
@@ -6780,7 +6744,7 @@
           <a:lstStyle/>
           <a:p>
             <a:r>
-              <a:rPr lang="es-ES" sz="1400" i="1" dirty="0" smtClean="0"/>
+              <a:rPr lang="es-ES" sz="1400" i="1" dirty="0"/>
               <a:t>Tablet</a:t>
             </a:r>
             <a:endParaRPr lang="es-ES" i="1" dirty="0"/>
@@ -6810,7 +6774,7 @@
           <a:lstStyle/>
           <a:p>
             <a:r>
-              <a:rPr lang="es-ES" sz="1400" i="1" dirty="0" smtClean="0"/>
+              <a:rPr lang="es-ES" sz="1400" i="1" dirty="0"/>
               <a:t>Escritorio</a:t>
             </a:r>
             <a:endParaRPr lang="es-ES" i="1" dirty="0"/>
@@ -6827,13 +6791,6 @@
   <p:clrMapOvr>
     <a:masterClrMapping/>
   </p:clrMapOvr>
-  <p:timing>
-    <p:tnLst>
-      <p:par>
-        <p:cTn id="1" dur="indefinite" restart="never" nodeType="tmRoot"/>
-      </p:par>
-    </p:tnLst>
-  </p:timing>
 </p:sld>
 </file>
 
@@ -6875,15 +6832,15 @@
           <a:lstStyle/>
           <a:p>
             <a:r>
-              <a:rPr lang="es-ES" dirty="0" smtClean="0"/>
+              <a:rPr lang="es-ES" dirty="0"/>
               <a:t>Flex </a:t>
             </a:r>
             <a:r>
-              <a:rPr lang="es-ES" dirty="0" err="1" smtClean="0"/>
+              <a:rPr lang="es-ES" dirty="0" err="1"/>
               <a:t>boostrap</a:t>
             </a:r>
             <a:r>
-              <a:rPr lang="es-ES" dirty="0" smtClean="0"/>
+              <a:rPr lang="es-ES" dirty="0"/>
               <a:t>:</a:t>
             </a:r>
           </a:p>
@@ -6892,44 +6849,20 @@
               <a:buNone/>
             </a:pPr>
             <a:r>
-              <a:rPr lang="es-ES" dirty="0" smtClean="0"/>
-              <a:t>Propiedad de gran potencia de maquetación, permite administrar </a:t>
-            </a:r>
-            <a:r>
               <a:rPr lang="es-ES" dirty="0"/>
-              <a:t>rápidamente el diseño, la alineación y el tamaño de las columnas de la </a:t>
-            </a:r>
-            <a:r>
-              <a:rPr lang="es-ES" dirty="0" smtClean="0"/>
-              <a:t>cuadrícula. Para </a:t>
+              <a:t>Propiedad de gran potencia de maquetación, permite administrar rápidamente el diseño, la alineación y el tamaño de las columnas de la cuadrícula. Para implementaciones complejas, puede ser necesario un CSS personalizado. Ejemplos:</a:t>
+            </a:r>
+          </a:p>
+          <a:p>
+            <a:pPr marL="0" indent="0" algn="just">
+              <a:buNone/>
+            </a:pPr>
+            <a:r>
+              <a:rPr lang="es-ES" sz="1400" i="1" dirty="0"/>
+              <a:t>Código</a:t>
             </a:r>
             <a:r>
               <a:rPr lang="es-ES" dirty="0"/>
-              <a:t>implementaciones </a:t>
-            </a:r>
-            <a:r>
-              <a:rPr lang="es-ES" dirty="0" smtClean="0"/>
-              <a:t>complejas</a:t>
-            </a:r>
-            <a:r>
-              <a:rPr lang="es-ES" dirty="0"/>
-              <a:t>, puede ser necesario un CSS personalizado</a:t>
-            </a:r>
-            <a:r>
-              <a:rPr lang="es-ES" dirty="0" smtClean="0"/>
-              <a:t>. Ejemplos:</a:t>
-            </a:r>
-          </a:p>
-          <a:p>
-            <a:pPr marL="0" indent="0" algn="just">
-              <a:buNone/>
-            </a:pPr>
-            <a:r>
-              <a:rPr lang="es-ES" sz="1400" i="1" dirty="0" smtClean="0"/>
-              <a:t>Código</a:t>
-            </a:r>
-            <a:r>
-              <a:rPr lang="es-ES" dirty="0" smtClean="0"/>
               <a:t>:</a:t>
             </a:r>
           </a:p>
@@ -6943,7 +6876,7 @@
             <a:pPr marL="0" indent="0" algn="just">
               <a:buNone/>
             </a:pPr>
-            <a:endParaRPr lang="es-ES" dirty="0" smtClean="0"/>
+            <a:endParaRPr lang="es-ES" dirty="0"/>
           </a:p>
           <a:p>
             <a:pPr marL="0" indent="0" algn="just">
@@ -6955,18 +6888,18 @@
             <a:pPr marL="0" indent="0" algn="just">
               <a:buNone/>
             </a:pPr>
-            <a:endParaRPr lang="es-ES" dirty="0" smtClean="0"/>
+            <a:endParaRPr lang="es-ES" dirty="0"/>
           </a:p>
           <a:p>
             <a:pPr marL="0" indent="0" algn="just">
               <a:buNone/>
             </a:pPr>
             <a:r>
-              <a:rPr lang="es-ES" sz="1400" i="1" dirty="0" smtClean="0"/>
+              <a:rPr lang="es-ES" sz="1400" i="1" dirty="0"/>
               <a:t>Resultado</a:t>
             </a:r>
             <a:r>
-              <a:rPr lang="es-ES" dirty="0" smtClean="0"/>
+              <a:rPr lang="es-ES" dirty="0"/>
               <a:t>:</a:t>
             </a:r>
           </a:p>
@@ -7030,13 +6963,6 @@
   <p:clrMapOvr>
     <a:masterClrMapping/>
   </p:clrMapOvr>
-  <p:timing>
-    <p:tnLst>
-      <p:par>
-        <p:cTn id="1" dur="indefinite" restart="never" nodeType="tmRoot"/>
-      </p:par>
-    </p:tnLst>
-  </p:timing>
 </p:sld>
 </file>
 
@@ -7082,7 +7008,7 @@
             <a:pPr marL="0" indent="0">
               <a:buNone/>
             </a:pPr>
-            <a:endParaRPr lang="es-ES" dirty="0" smtClean="0"/>
+            <a:endParaRPr lang="es-ES" dirty="0"/>
           </a:p>
           <a:p>
             <a:pPr marL="0" indent="0">
@@ -7094,7 +7020,7 @@
             <a:pPr marL="0" indent="0">
               <a:buNone/>
             </a:pPr>
-            <a:endParaRPr lang="es-ES" dirty="0" smtClean="0"/>
+            <a:endParaRPr lang="es-ES" dirty="0"/>
           </a:p>
           <a:p>
             <a:pPr marL="0" indent="0">
@@ -7106,13 +7032,7 @@
             <a:pPr marL="0" indent="0">
               <a:buNone/>
             </a:pPr>
-            <a:endParaRPr lang="es-ES" dirty="0" smtClean="0"/>
-          </a:p>
-          <a:p>
-            <a:pPr marL="0" indent="0">
-              <a:buNone/>
-            </a:pPr>
-            <a:endParaRPr lang="es-ES" dirty="0" smtClean="0"/>
+            <a:endParaRPr lang="es-ES" dirty="0"/>
           </a:p>
           <a:p>
             <a:pPr marL="0" indent="0">
@@ -7124,7 +7044,7 @@
             <a:pPr marL="0" indent="0">
               <a:buNone/>
             </a:pPr>
-            <a:endParaRPr lang="es-ES" dirty="0" smtClean="0"/>
+            <a:endParaRPr lang="es-ES" dirty="0"/>
           </a:p>
           <a:p>
             <a:pPr marL="0" indent="0">
@@ -7136,7 +7056,13 @@
             <a:pPr marL="0" indent="0">
               <a:buNone/>
             </a:pPr>
-            <a:endParaRPr lang="es-ES" dirty="0" smtClean="0"/>
+            <a:endParaRPr lang="es-ES" dirty="0"/>
+          </a:p>
+          <a:p>
+            <a:pPr marL="0" indent="0">
+              <a:buNone/>
+            </a:pPr>
+            <a:endParaRPr lang="es-ES" dirty="0"/>
           </a:p>
         </p:txBody>
       </p:sp>
@@ -7165,13 +7091,8 @@
             <a:pPr algn="just"/>
             <a:r>
               <a:rPr lang="es-ES" dirty="0"/>
-              <a:t>Resto de propiedades </a:t>
-            </a:r>
-            <a:r>
-              <a:rPr lang="es-ES" dirty="0" smtClean="0"/>
-              <a:t>Flex:</a:t>
-            </a:r>
-            <a:endParaRPr lang="es-ES" dirty="0"/>
+              <a:t>Resto de propiedades Flex:</a:t>
+            </a:r>
           </a:p>
           <a:p>
             <a:pPr algn="just"/>
@@ -7187,17 +7108,12 @@
               <a:rPr lang="es-ES" dirty="0"/>
               <a:t> en casi la totalidad de los casos para incluir propiedades Flex entre sus utilidades sería el de propiedad-valor. </a:t>
             </a:r>
-            <a:endParaRPr lang="es-ES" dirty="0" smtClean="0"/>
           </a:p>
           <a:p>
             <a:pPr algn="just"/>
             <a:r>
-              <a:rPr lang="es-ES" dirty="0" smtClean="0"/>
-              <a:t>Veamos</a:t>
-            </a:r>
-            <a:r>
               <a:rPr lang="es-ES" dirty="0"/>
-              <a:t>, a continuación, algunos ejemplos:</a:t>
+              <a:t>Veamos, a continuación, algunos ejemplos:</a:t>
             </a:r>
           </a:p>
           <a:p>
@@ -7207,15 +7123,15 @@
           <a:p>
             <a:pPr algn="just"/>
             <a:r>
-              <a:rPr lang="es-ES" dirty="0" smtClean="0"/>
+              <a:rPr lang="es-ES" dirty="0"/>
               <a:t>-</a:t>
             </a:r>
             <a:r>
-              <a:rPr lang="es-ES" b="1" dirty="0" smtClean="0"/>
+              <a:rPr lang="es-ES" b="1" dirty="0"/>
               <a:t>Flex-</a:t>
             </a:r>
             <a:r>
-              <a:rPr lang="es-ES" b="1" dirty="0" err="1" smtClean="0"/>
+              <a:rPr lang="es-ES" b="1" dirty="0" err="1"/>
               <a:t>direction</a:t>
             </a:r>
             <a:r>
@@ -7239,7 +7155,7 @@
               <a:t>flex-column</a:t>
             </a:r>
             <a:r>
-              <a:rPr lang="es-ES" dirty="0" smtClean="0"/>
+              <a:rPr lang="es-ES" dirty="0"/>
               <a:t>.</a:t>
             </a:r>
           </a:p>
@@ -7250,11 +7166,11 @@
           <a:p>
             <a:pPr algn="just"/>
             <a:r>
-              <a:rPr lang="es-ES" dirty="0" smtClean="0"/>
+              <a:rPr lang="es-ES" dirty="0"/>
               <a:t>-</a:t>
             </a:r>
             <a:r>
-              <a:rPr lang="es-ES" b="1" dirty="0" err="1" smtClean="0"/>
+              <a:rPr lang="es-ES" b="1" dirty="0" err="1"/>
               <a:t>Justify-content</a:t>
             </a:r>
             <a:r>
@@ -7274,7 +7190,7 @@
               <a:t>justify-content-between</a:t>
             </a:r>
             <a:r>
-              <a:rPr lang="es-ES" dirty="0" smtClean="0"/>
+              <a:rPr lang="es-ES" dirty="0"/>
               <a:t>...</a:t>
             </a:r>
           </a:p>
@@ -7285,11 +7201,11 @@
           <a:p>
             <a:pPr algn="just"/>
             <a:r>
-              <a:rPr lang="es-ES" dirty="0" smtClean="0"/>
+              <a:rPr lang="es-ES" dirty="0"/>
               <a:t>-</a:t>
             </a:r>
             <a:r>
-              <a:rPr lang="es-ES" b="1" dirty="0" err="1" smtClean="0"/>
+              <a:rPr lang="es-ES" b="1" dirty="0" err="1"/>
               <a:t>Align-items</a:t>
             </a:r>
             <a:r>
@@ -7317,7 +7233,7 @@
               <a:t>align-items-end</a:t>
             </a:r>
             <a:r>
-              <a:rPr lang="es-ES" dirty="0" smtClean="0"/>
+              <a:rPr lang="es-ES" dirty="0"/>
               <a:t>...</a:t>
             </a:r>
           </a:p>
@@ -7327,19 +7243,18 @@
           </a:p>
           <a:p>
             <a:pPr algn="just"/>
-            <a:endParaRPr lang="es-ES" dirty="0" smtClean="0"/>
+            <a:endParaRPr lang="es-ES" dirty="0"/>
           </a:p>
           <a:p>
             <a:pPr algn="just"/>
             <a:r>
-              <a:rPr lang="es-ES" sz="1400" i="1" dirty="0" smtClean="0"/>
+              <a:rPr lang="es-ES" sz="1400" i="1" dirty="0"/>
               <a:t>Ejemplo</a:t>
             </a:r>
             <a:r>
-              <a:rPr lang="es-ES" dirty="0" smtClean="0"/>
+              <a:rPr lang="es-ES" dirty="0"/>
               <a:t>: Démosle un poco de aire a nuestras cajitas:</a:t>
             </a:r>
-            <a:endParaRPr lang="es-ES" dirty="0"/>
           </a:p>
         </p:txBody>
       </p:sp>
@@ -7377,13 +7292,6 @@
   <p:clrMapOvr>
     <a:masterClrMapping/>
   </p:clrMapOvr>
-  <p:timing>
-    <p:tnLst>
-      <p:par>
-        <p:cTn id="1" dur="indefinite" restart="never" nodeType="tmRoot"/>
-      </p:par>
-    </p:tnLst>
-  </p:timing>
 </p:sld>
 </file>
 
@@ -7424,13 +7332,13 @@
           <a:bodyPr/>
           <a:lstStyle/>
           <a:p>
-            <a:endParaRPr lang="es-ES" dirty="0" smtClean="0"/>
-          </a:p>
-          <a:p>
             <a:endParaRPr lang="es-ES" dirty="0"/>
           </a:p>
           <a:p>
-            <a:endParaRPr lang="es-ES" dirty="0" smtClean="0"/>
+            <a:endParaRPr lang="es-ES" dirty="0"/>
+          </a:p>
+          <a:p>
+            <a:endParaRPr lang="es-ES" dirty="0"/>
           </a:p>
           <a:p>
             <a:endParaRPr lang="es-ES" dirty="0"/>
@@ -7449,7 +7357,7 @@
         <p:spPr>
           <a:xfrm>
             <a:off x="858741" y="548641"/>
-            <a:ext cx="7227735" cy="4247317"/>
+            <a:ext cx="7227735" cy="5016758"/>
           </a:xfrm>
           <a:prstGeom prst="rect">
             <a:avLst/>
@@ -7463,62 +7371,84 @@
           <a:lstStyle/>
           <a:p>
             <a:r>
-              <a:rPr lang="es-ES" sz="1400" i="1" dirty="0" smtClean="0"/>
+              <a:rPr lang="es-ES" sz="1400" i="1" dirty="0"/>
               <a:t>Resultado:</a:t>
             </a:r>
           </a:p>
           <a:p>
-            <a:endParaRPr lang="es-ES" dirty="0" smtClean="0"/>
-          </a:p>
-          <a:p>
             <a:endParaRPr lang="es-ES" dirty="0"/>
           </a:p>
           <a:p>
-            <a:endParaRPr lang="es-ES" dirty="0" smtClean="0"/>
-          </a:p>
-          <a:p>
             <a:endParaRPr lang="es-ES" dirty="0"/>
           </a:p>
           <a:p>
-            <a:endParaRPr lang="es-ES" dirty="0" smtClean="0"/>
-          </a:p>
-          <a:p>
             <a:endParaRPr lang="es-ES" dirty="0"/>
           </a:p>
           <a:p>
-            <a:endParaRPr lang="es-ES" dirty="0" smtClean="0"/>
-          </a:p>
-          <a:p>
             <a:endParaRPr lang="es-ES" dirty="0"/>
           </a:p>
           <a:p>
-            <a:r>
-              <a:rPr lang="es-ES" dirty="0" err="1" smtClean="0"/>
+            <a:endParaRPr lang="es-ES" dirty="0"/>
+          </a:p>
+          <a:p>
+            <a:endParaRPr lang="es-ES" dirty="0"/>
+          </a:p>
+          <a:p>
+            <a:endParaRPr lang="es-ES" dirty="0"/>
+          </a:p>
+          <a:p>
+            <a:endParaRPr lang="es-ES" dirty="0"/>
+          </a:p>
+          <a:p>
+            <a:r>
+              <a:rPr lang="es-ES" dirty="0" err="1"/>
               <a:t>Order</a:t>
             </a:r>
             <a:r>
-              <a:rPr lang="es-ES" dirty="0" smtClean="0"/>
+              <a:rPr lang="es-ES" dirty="0"/>
               <a:t>:</a:t>
             </a:r>
+          </a:p>
+          <a:p>
+            <a:r>
+              <a:rPr lang="es-ES" dirty="0"/>
+              <a:t>Nos permite alterar el orden en el que se posicionan varios elementos hermanos. En el caso de Bootstrap 4, contamos con utilidades para establecer el orden de un determinado elemento desde el 0 (posición inicial) hasta el 12, con las siguientes clases: order-0, order-1, etc.</a:t>
+            </a:r>
+          </a:p>
+          <a:p>
             <a:endParaRPr lang="es-ES" dirty="0"/>
           </a:p>
           <a:p>
-            <a:r>
-              <a:rPr lang="es-ES" dirty="0" smtClean="0"/>
-              <a:t>Nos permite </a:t>
-            </a:r>
-            <a:r>
-              <a:rPr lang="es-ES" dirty="0"/>
-              <a:t>alterar el orden en el que se posicionan varios elementos hermanos. En el caso de </a:t>
-            </a:r>
-            <a:r>
-              <a:rPr lang="es-ES" dirty="0" err="1"/>
-              <a:t>Bootstrap</a:t>
-            </a:r>
-            <a:r>
-              <a:rPr lang="es-ES" dirty="0"/>
-              <a:t> 4, contamos con utilidades para establecer el orden de un determinado elemento desde el 0 (posición inicial) hasta el 12, con las siguientes clases: order-0, order-1, etc.</a:t>
-            </a:r>
+            <a:endParaRPr lang="es-ES" dirty="0"/>
+          </a:p>
+          <a:p>
+            <a:r>
+              <a:rPr lang="es-ES"/>
+              <a:t>- </a:t>
+            </a:r>
+            <a:r>
+              <a:rPr lang="es-ES">
+                <a:hlinkClick r:id="rId2"/>
+              </a:rPr>
+              <a:t>https</a:t>
+            </a:r>
+            <a:r>
+              <a:rPr lang="es-ES" dirty="0">
+                <a:hlinkClick r:id="rId2"/>
+              </a:rPr>
+              <a:t>://flexbox.</a:t>
+            </a:r>
+            <a:r>
+              <a:rPr lang="es-ES">
+                <a:hlinkClick r:id="rId2"/>
+              </a:rPr>
+              <a:t>help/</a:t>
+            </a:r>
+            <a:r>
+              <a:rPr lang="es-ES"/>
+              <a:t>  </a:t>
+            </a:r>
+            <a:endParaRPr lang="es-ES" dirty="0"/>
           </a:p>
         </p:txBody>
       </p:sp>
@@ -7531,7 +7461,7 @@
           <p:nvPr/>
         </p:nvPicPr>
         <p:blipFill>
-          <a:blip r:embed="rId2"/>
+          <a:blip r:embed="rId3"/>
           <a:stretch>
             <a:fillRect/>
           </a:stretch>
@@ -7556,13 +7486,6 @@
   <p:clrMapOvr>
     <a:masterClrMapping/>
   </p:clrMapOvr>
-  <p:timing>
-    <p:tnLst>
-      <p:par>
-        <p:cTn id="1" dur="indefinite" restart="never" nodeType="tmRoot"/>
-      </p:par>
-    </p:tnLst>
-  </p:timing>
 </p:sld>
 </file>
 
@@ -7607,7 +7530,7 @@
               <a:buNone/>
             </a:pPr>
             <a:r>
-              <a:rPr lang="es-ES" sz="3600" dirty="0" smtClean="0">
+              <a:rPr lang="es-ES" sz="3600" dirty="0">
                 <a:solidFill>
                   <a:schemeClr val="accent1"/>
                 </a:solidFill>
@@ -7618,7 +7541,7 @@
               <a:t>SEO</a:t>
             </a:r>
             <a:r>
-              <a:rPr lang="es-ES" dirty="0" smtClean="0"/>
+              <a:rPr lang="es-ES" dirty="0"/>
               <a:t>: </a:t>
             </a:r>
           </a:p>
@@ -7627,26 +7550,9 @@
               <a:buNone/>
             </a:pPr>
             <a:r>
-              <a:rPr lang="es-ES" dirty="0" smtClean="0"/>
-              <a:t>Encabezados: &lt;h1&gt;&lt;/h1&gt;</a:t>
-            </a:r>
-            <a:r>
               <a:rPr lang="es-ES" dirty="0"/>
-              <a:t> </a:t>
-            </a:r>
-            <a:r>
-              <a:rPr lang="es-ES" dirty="0" smtClean="0"/>
-              <a:t>   &lt;h2&gt;&lt;/h2&gt;    </a:t>
-            </a:r>
-            <a:r>
-              <a:rPr lang="es-ES" dirty="0"/>
-              <a:t>&lt;</a:t>
-            </a:r>
-            <a:r>
-              <a:rPr lang="es-ES" dirty="0" smtClean="0"/>
-              <a:t>h3&gt;&lt;/h3&gt;</a:t>
-            </a:r>
-            <a:endParaRPr lang="es-ES" dirty="0"/>
+              <a:t>Encabezados: &lt;h1&gt;&lt;/h1&gt;    &lt;h2&gt;&lt;/h2&gt;    &lt;h3&gt;&lt;/h3&gt;</a:t>
+            </a:r>
           </a:p>
           <a:p>
             <a:pPr marL="0" indent="0">
@@ -7658,10 +7564,10 @@
             <a:pPr marL="0" indent="0">
               <a:buNone/>
             </a:pPr>
-            <a:endParaRPr lang="es-ES" dirty="0" smtClean="0"/>
-          </a:p>
-          <a:p>
-            <a:endParaRPr lang="es-ES" dirty="0" smtClean="0"/>
+            <a:endParaRPr lang="es-ES" dirty="0"/>
+          </a:p>
+          <a:p>
+            <a:endParaRPr lang="es-ES" dirty="0"/>
           </a:p>
           <a:p>
             <a:endParaRPr lang="es-ES" dirty="0"/>
@@ -7739,7 +7645,7 @@
               <a:tabLst/>
             </a:pPr>
             <a:r>
-              <a:rPr kumimoji="0" lang="es-ES" altLang="es-ES" sz="3600" b="0" i="0" u="none" strike="noStrike" cap="none" normalizeH="0" baseline="0" dirty="0" smtClean="0">
+              <a:rPr kumimoji="0" lang="es-ES" altLang="es-ES" sz="3600" b="0" i="0" u="none" strike="noStrike" cap="none" normalizeH="0" baseline="0" dirty="0">
                 <a:ln>
                   <a:noFill/>
                 </a:ln>
@@ -7770,7 +7676,7 @@
               <a:tabLst/>
             </a:pPr>
             <a:r>
-              <a:rPr kumimoji="0" lang="es-ES" altLang="es-ES" sz="1200" b="0" i="0" u="none" strike="noStrike" cap="none" normalizeH="0" baseline="0" dirty="0" smtClean="0">
+              <a:rPr kumimoji="0" lang="es-ES" altLang="es-ES" sz="1200" b="0" i="0" u="none" strike="noStrike" cap="none" normalizeH="0" baseline="0" dirty="0">
                 <a:ln>
                   <a:noFill/>
                 </a:ln>
@@ -7783,7 +7689,7 @@
               <a:t>&lt;h1 </a:t>
             </a:r>
             <a:r>
-              <a:rPr kumimoji="0" lang="es-ES" altLang="es-ES" sz="1200" b="0" i="0" u="none" strike="noStrike" cap="none" normalizeH="0" baseline="0" dirty="0" err="1" smtClean="0">
+              <a:rPr kumimoji="0" lang="es-ES" altLang="es-ES" sz="1200" b="0" i="0" u="none" strike="noStrike" cap="none" normalizeH="0" baseline="0" dirty="0" err="1">
                 <a:ln>
                   <a:noFill/>
                 </a:ln>
@@ -7796,7 +7702,7 @@
               <a:t>class</a:t>
             </a:r>
             <a:r>
-              <a:rPr kumimoji="0" lang="es-ES" altLang="es-ES" sz="1200" b="0" i="0" u="none" strike="noStrike" cap="none" normalizeH="0" baseline="0" dirty="0" smtClean="0">
+              <a:rPr kumimoji="0" lang="es-ES" altLang="es-ES" sz="1200" b="0" i="0" u="none" strike="noStrike" cap="none" normalizeH="0" baseline="0" dirty="0">
                 <a:ln>
                   <a:noFill/>
                 </a:ln>
@@ -7809,7 +7715,7 @@
               <a:t>="titular-h1-generic-verde"&gt;Titulo H1 verde de prueba para plantillas&lt;/h1&gt;</a:t>
             </a:r>
             <a:r>
-              <a:rPr kumimoji="0" lang="es-ES" altLang="es-ES" sz="1100" b="0" i="0" u="none" strike="noStrike" cap="none" normalizeH="0" baseline="0" dirty="0" smtClean="0">
+              <a:rPr kumimoji="0" lang="es-ES" altLang="es-ES" sz="1100" b="0" i="0" u="none" strike="noStrike" cap="none" normalizeH="0" baseline="0" dirty="0">
                 <a:ln>
                   <a:noFill/>
                 </a:ln>
@@ -7820,7 +7726,7 @@
               </a:rPr>
               <a:t> </a:t>
             </a:r>
-            <a:endParaRPr kumimoji="0" lang="es-ES" altLang="es-ES" sz="1800" b="0" i="0" u="none" strike="noStrike" cap="none" normalizeH="0" baseline="0" dirty="0" smtClean="0">
+            <a:endParaRPr kumimoji="0" lang="es-ES" altLang="es-ES" sz="1800" b="0" i="0" u="none" strike="noStrike" cap="none" normalizeH="0" baseline="0" dirty="0">
               <a:ln>
                 <a:noFill/>
               </a:ln>
@@ -7904,7 +7810,7 @@
               <a:tabLst/>
             </a:pPr>
             <a:r>
-              <a:rPr kumimoji="0" lang="es-ES" altLang="es-ES" sz="3600" b="0" i="0" u="none" strike="noStrike" cap="none" normalizeH="0" baseline="0" dirty="0" smtClean="0">
+              <a:rPr kumimoji="0" lang="es-ES" altLang="es-ES" sz="3600" b="0" i="0" u="none" strike="noStrike" cap="none" normalizeH="0" baseline="0" dirty="0">
                 <a:ln>
                   <a:noFill/>
                 </a:ln>
@@ -7935,7 +7841,7 @@
               <a:tabLst/>
             </a:pPr>
             <a:r>
-              <a:rPr kumimoji="0" lang="es-ES" altLang="es-ES" sz="1200" b="0" i="0" u="none" strike="noStrike" cap="none" normalizeH="0" baseline="0" dirty="0" smtClean="0">
+              <a:rPr kumimoji="0" lang="es-ES" altLang="es-ES" sz="1200" b="0" i="0" u="none" strike="noStrike" cap="none" normalizeH="0" baseline="0" dirty="0">
                 <a:ln>
                   <a:noFill/>
                 </a:ln>
@@ -7948,7 +7854,7 @@
               <a:t>&lt;h2 </a:t>
             </a:r>
             <a:r>
-              <a:rPr kumimoji="0" lang="es-ES" altLang="es-ES" sz="1200" b="0" i="0" u="none" strike="noStrike" cap="none" normalizeH="0" baseline="0" dirty="0" err="1" smtClean="0">
+              <a:rPr kumimoji="0" lang="es-ES" altLang="es-ES" sz="1200" b="0" i="0" u="none" strike="noStrike" cap="none" normalizeH="0" baseline="0" dirty="0" err="1">
                 <a:ln>
                   <a:noFill/>
                 </a:ln>
@@ -7961,7 +7867,7 @@
               <a:t>class</a:t>
             </a:r>
             <a:r>
-              <a:rPr kumimoji="0" lang="es-ES" altLang="es-ES" sz="1200" b="0" i="0" u="none" strike="noStrike" cap="none" normalizeH="0" baseline="0" dirty="0" smtClean="0">
+              <a:rPr kumimoji="0" lang="es-ES" altLang="es-ES" sz="1200" b="0" i="0" u="none" strike="noStrike" cap="none" normalizeH="0" baseline="0" dirty="0">
                 <a:ln>
                   <a:noFill/>
                 </a:ln>
@@ -7974,7 +7880,7 @@
               <a:t>="titular-h2-generic"&gt;Titulo H2 de prueba para plantillas&lt;/h2&gt;</a:t>
             </a:r>
             <a:r>
-              <a:rPr kumimoji="0" lang="es-ES" altLang="es-ES" sz="1100" b="0" i="0" u="none" strike="noStrike" cap="none" normalizeH="0" baseline="0" dirty="0" smtClean="0">
+              <a:rPr kumimoji="0" lang="es-ES" altLang="es-ES" sz="1100" b="0" i="0" u="none" strike="noStrike" cap="none" normalizeH="0" baseline="0" dirty="0">
                 <a:ln>
                   <a:noFill/>
                 </a:ln>
@@ -7985,7 +7891,7 @@
               </a:rPr>
               <a:t> </a:t>
             </a:r>
-            <a:endParaRPr kumimoji="0" lang="es-ES" altLang="es-ES" sz="1800" b="0" i="0" u="none" strike="noStrike" cap="none" normalizeH="0" baseline="0" dirty="0" smtClean="0">
+            <a:endParaRPr kumimoji="0" lang="es-ES" altLang="es-ES" sz="1800" b="0" i="0" u="none" strike="noStrike" cap="none" normalizeH="0" baseline="0" dirty="0">
               <a:ln>
                 <a:noFill/>
               </a:ln>
@@ -8069,7 +7975,7 @@
               <a:tabLst/>
             </a:pPr>
             <a:r>
-              <a:rPr kumimoji="0" lang="es-ES" altLang="es-ES" sz="1300" b="0" i="0" u="none" strike="noStrike" cap="none" normalizeH="0" baseline="0" dirty="0" smtClean="0">
+              <a:rPr kumimoji="0" lang="es-ES" altLang="es-ES" sz="1300" b="0" i="0" u="none" strike="noStrike" cap="none" normalizeH="0" baseline="0" dirty="0">
                 <a:ln>
                   <a:noFill/>
                 </a:ln>
@@ -8100,7 +8006,7 @@
               <a:tabLst/>
             </a:pPr>
             <a:r>
-              <a:rPr kumimoji="0" lang="es-ES" altLang="es-ES" sz="1200" b="0" i="0" u="none" strike="noStrike" cap="none" normalizeH="0" baseline="0" dirty="0" smtClean="0">
+              <a:rPr kumimoji="0" lang="es-ES" altLang="es-ES" sz="1200" b="0" i="0" u="none" strike="noStrike" cap="none" normalizeH="0" baseline="0" dirty="0">
                 <a:ln>
                   <a:noFill/>
                 </a:ln>
@@ -8113,7 +8019,7 @@
               <a:t>&lt;h3 </a:t>
             </a:r>
             <a:r>
-              <a:rPr kumimoji="0" lang="es-ES" altLang="es-ES" sz="1200" b="0" i="0" u="none" strike="noStrike" cap="none" normalizeH="0" baseline="0" dirty="0" err="1" smtClean="0">
+              <a:rPr kumimoji="0" lang="es-ES" altLang="es-ES" sz="1200" b="0" i="0" u="none" strike="noStrike" cap="none" normalizeH="0" baseline="0" dirty="0" err="1">
                 <a:ln>
                   <a:noFill/>
                 </a:ln>
@@ -8126,7 +8032,7 @@
               <a:t>class</a:t>
             </a:r>
             <a:r>
-              <a:rPr kumimoji="0" lang="es-ES" altLang="es-ES" sz="1200" b="0" i="0" u="none" strike="noStrike" cap="none" normalizeH="0" baseline="0" dirty="0" smtClean="0">
+              <a:rPr kumimoji="0" lang="es-ES" altLang="es-ES" sz="1200" b="0" i="0" u="none" strike="noStrike" cap="none" normalizeH="0" baseline="0" dirty="0">
                 <a:ln>
                   <a:noFill/>
                 </a:ln>
@@ -8139,7 +8045,7 @@
               <a:t>="titulo-h3-generic"&gt;Titulo H3 de prueba para plantillas&lt;/h3&gt;</a:t>
             </a:r>
             <a:r>
-              <a:rPr kumimoji="0" lang="es-ES" altLang="es-ES" sz="1100" b="0" i="0" u="none" strike="noStrike" cap="none" normalizeH="0" baseline="0" dirty="0" smtClean="0">
+              <a:rPr kumimoji="0" lang="es-ES" altLang="es-ES" sz="1100" b="0" i="0" u="none" strike="noStrike" cap="none" normalizeH="0" baseline="0" dirty="0">
                 <a:ln>
                   <a:noFill/>
                 </a:ln>
@@ -8150,7 +8056,7 @@
               </a:rPr>
               <a:t> </a:t>
             </a:r>
-            <a:endParaRPr kumimoji="0" lang="es-ES" altLang="es-ES" sz="1800" b="0" i="0" u="none" strike="noStrike" cap="none" normalizeH="0" baseline="0" dirty="0" smtClean="0">
+            <a:endParaRPr kumimoji="0" lang="es-ES" altLang="es-ES" sz="1800" b="0" i="0" u="none" strike="noStrike" cap="none" normalizeH="0" baseline="0" dirty="0">
               <a:ln>
                 <a:noFill/>
               </a:ln>
@@ -8234,7 +8140,7 @@
               <a:tabLst/>
             </a:pPr>
             <a:r>
-              <a:rPr kumimoji="0" lang="es-ES" altLang="es-ES" sz="2400" b="0" i="0" u="none" strike="noStrike" cap="none" normalizeH="0" baseline="0" dirty="0" smtClean="0">
+              <a:rPr kumimoji="0" lang="es-ES" altLang="es-ES" sz="2400" b="0" i="0" u="none" strike="noStrike" cap="none" normalizeH="0" baseline="0" dirty="0">
                 <a:ln>
                   <a:noFill/>
                 </a:ln>
@@ -8265,7 +8171,7 @@
               <a:tabLst/>
             </a:pPr>
             <a:r>
-              <a:rPr kumimoji="0" lang="es-ES" altLang="es-ES" sz="1200" b="0" i="0" u="none" strike="noStrike" cap="none" normalizeH="0" baseline="0" dirty="0" smtClean="0">
+              <a:rPr kumimoji="0" lang="es-ES" altLang="es-ES" sz="1200" b="0" i="0" u="none" strike="noStrike" cap="none" normalizeH="0" baseline="0" dirty="0">
                 <a:ln>
                   <a:noFill/>
                 </a:ln>
@@ -8278,7 +8184,7 @@
               <a:t>&lt;h3 </a:t>
             </a:r>
             <a:r>
-              <a:rPr kumimoji="0" lang="es-ES" altLang="es-ES" sz="1200" b="0" i="0" u="none" strike="noStrike" cap="none" normalizeH="0" baseline="0" dirty="0" err="1" smtClean="0">
+              <a:rPr kumimoji="0" lang="es-ES" altLang="es-ES" sz="1200" b="0" i="0" u="none" strike="noStrike" cap="none" normalizeH="0" baseline="0" dirty="0" err="1">
                 <a:ln>
                   <a:noFill/>
                 </a:ln>
@@ -8291,7 +8197,7 @@
               <a:t>class</a:t>
             </a:r>
             <a:r>
-              <a:rPr kumimoji="0" lang="es-ES" altLang="es-ES" sz="1200" b="0" i="0" u="none" strike="noStrike" cap="none" normalizeH="0" baseline="0" dirty="0" smtClean="0">
+              <a:rPr kumimoji="0" lang="es-ES" altLang="es-ES" sz="1200" b="0" i="0" u="none" strike="noStrike" cap="none" normalizeH="0" baseline="0" dirty="0">
                 <a:ln>
                   <a:noFill/>
                 </a:ln>
@@ -8304,7 +8210,7 @@
               <a:t>="titulo-h3-verde-generic"&gt;Titulo H3 verde de prueba para plantillas&lt;/h3&gt;</a:t>
             </a:r>
             <a:r>
-              <a:rPr kumimoji="0" lang="es-ES" altLang="es-ES" sz="1100" b="0" i="0" u="none" strike="noStrike" cap="none" normalizeH="0" baseline="0" dirty="0" smtClean="0">
+              <a:rPr kumimoji="0" lang="es-ES" altLang="es-ES" sz="1100" b="0" i="0" u="none" strike="noStrike" cap="none" normalizeH="0" baseline="0" dirty="0">
                 <a:ln>
                   <a:noFill/>
                 </a:ln>
@@ -8315,7 +8221,7 @@
               </a:rPr>
               <a:t> </a:t>
             </a:r>
-            <a:endParaRPr kumimoji="0" lang="es-ES" altLang="es-ES" sz="1800" b="0" i="0" u="none" strike="noStrike" cap="none" normalizeH="0" baseline="0" dirty="0" smtClean="0">
+            <a:endParaRPr kumimoji="0" lang="es-ES" altLang="es-ES" sz="1800" b="0" i="0" u="none" strike="noStrike" cap="none" normalizeH="0" baseline="0" dirty="0">
               <a:ln>
                 <a:noFill/>
               </a:ln>
@@ -8338,13 +8244,6 @@
   <p:clrMapOvr>
     <a:masterClrMapping/>
   </p:clrMapOvr>
-  <p:timing>
-    <p:tnLst>
-      <p:par>
-        <p:cTn id="1" dur="indefinite" restart="never" nodeType="tmRoot"/>
-      </p:par>
-    </p:tnLst>
-  </p:timing>
 </p:sld>
 </file>
 
@@ -8387,7 +8286,7 @@
           </a:bodyPr>
           <a:lstStyle/>
           <a:p>
-            <a:endParaRPr lang="es-ES" dirty="0" smtClean="0"/>
+            <a:endParaRPr lang="es-ES" dirty="0"/>
           </a:p>
           <a:p>
             <a:endParaRPr lang="es-ES" dirty="0">
@@ -8423,27 +8322,23 @@
           <a:p>
             <a:pPr algn="just"/>
             <a:r>
-              <a:rPr lang="es-ES" dirty="0" err="1" smtClean="0"/>
+              <a:rPr lang="es-ES" dirty="0" err="1"/>
               <a:t>alt</a:t>
             </a:r>
             <a:r>
-              <a:rPr lang="es-ES" dirty="0" smtClean="0"/>
+              <a:rPr lang="es-ES" dirty="0"/>
               <a:t>:</a:t>
             </a:r>
           </a:p>
           <a:p>
             <a:pPr algn="just"/>
-            <a:endParaRPr lang="es-ES" dirty="0" smtClean="0"/>
+            <a:endParaRPr lang="es-ES" dirty="0"/>
           </a:p>
           <a:p>
             <a:pPr algn="just"/>
             <a:r>
-              <a:rPr lang="es-ES" dirty="0" smtClean="0"/>
-              <a:t>El </a:t>
-            </a:r>
-            <a:r>
               <a:rPr lang="es-ES" dirty="0"/>
-              <a:t>atributo </a:t>
+              <a:t>El atributo </a:t>
             </a:r>
             <a:r>
               <a:rPr lang="es-ES" b="1" dirty="0"/>
@@ -8451,15 +8346,7 @@
             </a:r>
             <a:r>
               <a:rPr lang="es-ES" dirty="0"/>
-              <a:t> </a:t>
-            </a:r>
-            <a:r>
-              <a:rPr lang="es-ES" dirty="0" smtClean="0"/>
-              <a:t>es </a:t>
-            </a:r>
-            <a:r>
-              <a:rPr lang="es-ES" dirty="0"/>
-              <a:t>un atributo </a:t>
+              <a:t> es un atributo </a:t>
             </a:r>
             <a:r>
               <a:rPr lang="es-ES" b="1" dirty="0"/>
@@ -8467,22 +8354,14 @@
             </a:r>
             <a:r>
               <a:rPr lang="es-ES" dirty="0"/>
-              <a:t> para un texto que describe una </a:t>
-            </a:r>
-            <a:r>
-              <a:rPr lang="es-ES" dirty="0" smtClean="0"/>
-              <a:t>imagen para mejorar su posicionamiento y su legibilidad para usuarios invidentes. </a:t>
+              <a:t> para un texto que describe una imagen para mejorar su posicionamiento y su legibilidad para usuarios invidentes. </a:t>
             </a:r>
           </a:p>
           <a:p>
             <a:pPr algn="just"/>
             <a:r>
-              <a:rPr lang="es-ES" dirty="0" smtClean="0"/>
-              <a:t>El </a:t>
-            </a:r>
-            <a:r>
               <a:rPr lang="es-ES" dirty="0"/>
-              <a:t>atributo </a:t>
+              <a:t>El atributo </a:t>
             </a:r>
             <a:r>
               <a:rPr lang="es-ES" b="1" dirty="0"/>
@@ -8506,17 +8385,13 @@
             </a:r>
             <a:r>
               <a:rPr lang="es-ES" dirty="0"/>
-              <a:t> proporciona texto alternativo para mostrar en su lugar</a:t>
-            </a:r>
-            <a:r>
-              <a:rPr lang="es-ES" dirty="0" smtClean="0"/>
-              <a:t>.</a:t>
+              <a:t> proporciona texto alternativo para mostrar en su lugar.</a:t>
             </a:r>
           </a:p>
           <a:p>
             <a:pPr algn="just"/>
             <a:r>
-              <a:rPr lang="es-ES" dirty="0" smtClean="0"/>
+              <a:rPr lang="es-ES" dirty="0"/>
               <a:t>Ejemplo:</a:t>
             </a:r>
           </a:p>
@@ -8526,7 +8401,7 @@
           </a:p>
           <a:p>
             <a:pPr algn="just"/>
-            <a:endParaRPr lang="es-ES" dirty="0" smtClean="0"/>
+            <a:endParaRPr lang="es-ES" dirty="0"/>
           </a:p>
           <a:p>
             <a:pPr algn="just"/>
@@ -8571,34 +8446,25 @@
               <a:t>src</a:t>
             </a:r>
             <a:r>
-              <a:rPr lang="es-ES" dirty="0" smtClean="0">
+              <a:rPr lang="es-ES" dirty="0">
                 <a:solidFill>
                   <a:srgbClr val="FFC000"/>
                 </a:solidFill>
                 <a:latin typeface="Bell MT" panose="02020503060305020303" pitchFamily="18" charset="0"/>
               </a:rPr>
-              <a:t>=“planestable.jpg</a:t>
+              <a:t>=“planestable.jpg” </a:t>
+            </a:r>
+            <a:r>
+              <a:rPr lang="es-ES" dirty="0" err="1">
+                <a:solidFill>
+                  <a:srgbClr val="FFC000"/>
+                </a:solidFill>
+                <a:latin typeface="Bell MT" panose="02020503060305020303" pitchFamily="18" charset="0"/>
+              </a:rPr>
+              <a:t>alt</a:t>
             </a:r>
             <a:r>
               <a:rPr lang="es-ES" dirty="0">
-                <a:solidFill>
-                  <a:srgbClr val="FFC000"/>
-                </a:solidFill>
-                <a:latin typeface="Bell MT" panose="02020503060305020303" pitchFamily="18" charset="0"/>
-              </a:rPr>
-              <a:t>” </a:t>
-            </a:r>
-            <a:r>
-              <a:rPr lang="es-ES" dirty="0" err="1">
-                <a:solidFill>
-                  <a:srgbClr val="FFC000"/>
-                </a:solidFill>
-                <a:latin typeface="Bell MT" panose="02020503060305020303" pitchFamily="18" charset="0"/>
-              </a:rPr>
-              <a:t>alt</a:t>
-            </a:r>
-            <a:r>
-              <a:rPr lang="es-ES" dirty="0" smtClean="0">
                 <a:solidFill>
                   <a:srgbClr val="FFC000"/>
                 </a:solidFill>
@@ -8627,13 +8493,6 @@
   <p:clrMapOvr>
     <a:masterClrMapping/>
   </p:clrMapOvr>
-  <p:timing>
-    <p:tnLst>
-      <p:par>
-        <p:cTn id="1" dur="indefinite" restart="never" nodeType="tmRoot"/>
-      </p:par>
-    </p:tnLst>
-  </p:timing>
 </p:sld>
 </file>
 
@@ -8676,7 +8535,7 @@
           </a:bodyPr>
           <a:lstStyle/>
           <a:p>
-            <a:endParaRPr lang="es-ES" dirty="0" smtClean="0"/>
+            <a:endParaRPr lang="es-ES" dirty="0"/>
           </a:p>
           <a:p>
             <a:endParaRPr lang="es-ES" dirty="0">
@@ -8712,46 +8571,12 @@
           <a:p>
             <a:pPr algn="just"/>
             <a:r>
-              <a:rPr lang="es-ES" dirty="0" err="1" smtClean="0"/>
+              <a:rPr lang="es-ES" dirty="0" err="1"/>
               <a:t>title</a:t>
             </a:r>
             <a:r>
-              <a:rPr lang="es-ES" dirty="0" smtClean="0"/>
+              <a:rPr lang="es-ES" dirty="0"/>
               <a:t>:</a:t>
-            </a:r>
-          </a:p>
-          <a:p>
-            <a:pPr algn="just"/>
-            <a:endParaRPr lang="es-ES" dirty="0" smtClean="0"/>
-          </a:p>
-          <a:p>
-            <a:pPr algn="just"/>
-            <a:r>
-              <a:rPr lang="es-ES" dirty="0" smtClean="0"/>
-              <a:t>La etiqueta </a:t>
-            </a:r>
-            <a:r>
-              <a:rPr lang="es-ES" dirty="0" err="1" smtClean="0"/>
-              <a:t>title</a:t>
-            </a:r>
-            <a:r>
-              <a:rPr lang="es-ES" dirty="0" smtClean="0"/>
-              <a:t> es una de las mas importantes a la hora de posicionamiento SEO, cualquier motor de búsqueda necesita saber de qué se trata tu contenido, la etiqueta </a:t>
-            </a:r>
-            <a:r>
-              <a:rPr lang="es-ES" dirty="0" err="1" smtClean="0"/>
-              <a:t>title</a:t>
-            </a:r>
-            <a:r>
-              <a:rPr lang="es-ES" dirty="0" smtClean="0"/>
-              <a:t> describe el tema de cada página. </a:t>
-            </a:r>
-          </a:p>
-          <a:p>
-            <a:pPr algn="just"/>
-            <a:r>
-              <a:rPr lang="es-ES" dirty="0" smtClean="0"/>
-              <a:t>Ejemplo:</a:t>
             </a:r>
           </a:p>
           <a:p>
@@ -8760,16 +8585,50 @@
           </a:p>
           <a:p>
             <a:pPr algn="just"/>
-            <a:endParaRPr lang="es-ES" dirty="0" smtClean="0"/>
+            <a:r>
+              <a:rPr lang="es-ES" dirty="0"/>
+              <a:t>La etiqueta </a:t>
+            </a:r>
+            <a:r>
+              <a:rPr lang="es-ES" dirty="0" err="1"/>
+              <a:t>title</a:t>
+            </a:r>
+            <a:r>
+              <a:rPr lang="es-ES" dirty="0"/>
+              <a:t> es una de las mas importantes a la hora de posicionamiento SEO, cualquier motor de búsqueda necesita saber de qué se trata tu contenido, la etiqueta </a:t>
+            </a:r>
+            <a:r>
+              <a:rPr lang="es-ES" dirty="0" err="1"/>
+              <a:t>title</a:t>
+            </a:r>
+            <a:r>
+              <a:rPr lang="es-ES" dirty="0"/>
+              <a:t> describe el tema de cada página. </a:t>
+            </a:r>
+          </a:p>
+          <a:p>
+            <a:pPr algn="just"/>
+            <a:r>
+              <a:rPr lang="es-ES" dirty="0"/>
+              <a:t>Ejemplo:</a:t>
+            </a:r>
           </a:p>
           <a:p>
             <a:pPr algn="just"/>
             <a:endParaRPr lang="es-ES" dirty="0"/>
           </a:p>
           <a:p>
+            <a:pPr algn="just"/>
+            <a:endParaRPr lang="es-ES" dirty="0"/>
+          </a:p>
+          <a:p>
+            <a:pPr algn="just"/>
+            <a:endParaRPr lang="es-ES" dirty="0"/>
+          </a:p>
+          <a:p>
             <a:pPr algn="ctr"/>
             <a:r>
-              <a:rPr lang="es-ES" dirty="0" smtClean="0">
+              <a:rPr lang="es-ES" dirty="0">
                 <a:solidFill>
                   <a:srgbClr val="FFC000"/>
                 </a:solidFill>
@@ -8778,7 +8637,7 @@
               <a:t>&lt;</a:t>
             </a:r>
             <a:r>
-              <a:rPr lang="es-ES" dirty="0" err="1" smtClean="0">
+              <a:rPr lang="es-ES" dirty="0" err="1">
                 <a:solidFill>
                   <a:srgbClr val="FFC000"/>
                 </a:solidFill>
@@ -8787,7 +8646,7 @@
               <a:t>title</a:t>
             </a:r>
             <a:r>
-              <a:rPr lang="es-ES" dirty="0" smtClean="0">
+              <a:rPr lang="es-ES" dirty="0">
                 <a:solidFill>
                   <a:srgbClr val="FFC000"/>
                 </a:solidFill>
@@ -8796,7 +8655,7 @@
               <a:t>&gt;Plan Estable Iberdrola&lt;/</a:t>
             </a:r>
             <a:r>
-              <a:rPr lang="es-ES" dirty="0" err="1" smtClean="0">
+              <a:rPr lang="es-ES" dirty="0" err="1">
                 <a:solidFill>
                   <a:srgbClr val="FFC000"/>
                 </a:solidFill>
@@ -8805,7 +8664,7 @@
               <a:t>title</a:t>
             </a:r>
             <a:r>
-              <a:rPr lang="es-ES" dirty="0" smtClean="0">
+              <a:rPr lang="es-ES" dirty="0">
                 <a:solidFill>
                   <a:srgbClr val="FFC000"/>
                 </a:solidFill>
@@ -8834,13 +8693,6 @@
   <p:clrMapOvr>
     <a:masterClrMapping/>
   </p:clrMapOvr>
-  <p:timing>
-    <p:tnLst>
-      <p:par>
-        <p:cTn id="1" dur="indefinite" restart="never" nodeType="tmRoot"/>
-      </p:par>
-    </p:tnLst>
-  </p:timing>
 </p:sld>
 </file>
 
@@ -8877,10 +8729,9 @@
           <a:lstStyle/>
           <a:p>
             <a:r>
-              <a:rPr lang="es-ES" dirty="0" smtClean="0"/>
+              <a:rPr lang="es-ES" dirty="0"/>
               <a:t>Índice</a:t>
             </a:r>
-            <a:endParaRPr lang="es-ES" dirty="0"/>
           </a:p>
         </p:txBody>
       </p:sp>
@@ -8909,7 +8760,7 @@
               <a:buAutoNum type="arabicPeriod"/>
             </a:pPr>
             <a:r>
-              <a:rPr lang="es-ES" dirty="0" smtClean="0"/>
+              <a:rPr lang="es-ES" dirty="0"/>
               <a:t>Introducción</a:t>
             </a:r>
           </a:p>
@@ -8919,7 +8770,7 @@
               <a:buAutoNum type="arabicPeriod"/>
             </a:pPr>
             <a:r>
-              <a:rPr lang="es-ES" dirty="0" smtClean="0"/>
+              <a:rPr lang="es-ES" dirty="0"/>
               <a:t>Estándares</a:t>
             </a:r>
           </a:p>
@@ -8929,7 +8780,7 @@
               <a:buAutoNum type="arabicPeriod"/>
             </a:pPr>
             <a:r>
-              <a:rPr lang="es-ES" dirty="0" smtClean="0"/>
+              <a:rPr lang="es-ES" dirty="0"/>
               <a:t>Decoradores</a:t>
             </a:r>
           </a:p>
@@ -8939,7 +8790,7 @@
               <a:buAutoNum type="arabicPeriod"/>
             </a:pPr>
             <a:r>
-              <a:rPr lang="es-ES" dirty="0" smtClean="0"/>
+              <a:rPr lang="es-ES" dirty="0"/>
               <a:t>Módulos</a:t>
             </a:r>
           </a:p>
@@ -8949,7 +8800,7 @@
               <a:buAutoNum type="arabicPeriod"/>
             </a:pPr>
             <a:r>
-              <a:rPr lang="es-ES" dirty="0" smtClean="0"/>
+              <a:rPr lang="es-ES" dirty="0"/>
               <a:t>Rejillas</a:t>
             </a:r>
           </a:p>
@@ -8959,7 +8810,7 @@
               <a:buAutoNum type="arabicPeriod"/>
             </a:pPr>
             <a:r>
-              <a:rPr lang="es-ES" dirty="0" smtClean="0"/>
+              <a:rPr lang="es-ES" dirty="0"/>
               <a:t>SEO</a:t>
             </a:r>
           </a:p>
@@ -8969,7 +8820,7 @@
               <a:buAutoNum type="arabicPeriod"/>
             </a:pPr>
             <a:r>
-              <a:rPr lang="es-ES" dirty="0" smtClean="0"/>
+              <a:rPr lang="es-ES" dirty="0"/>
               <a:t>Formularios</a:t>
             </a:r>
           </a:p>
@@ -8979,7 +8830,7 @@
               <a:buAutoNum type="arabicPeriod"/>
             </a:pPr>
             <a:r>
-              <a:rPr lang="es-ES" dirty="0" smtClean="0"/>
+              <a:rPr lang="es-ES" dirty="0"/>
               <a:t>Modales</a:t>
             </a:r>
           </a:p>
@@ -8989,7 +8840,7 @@
               <a:buAutoNum type="arabicPeriod"/>
             </a:pPr>
             <a:r>
-              <a:rPr lang="es-ES" dirty="0" smtClean="0"/>
+              <a:rPr lang="es-ES" dirty="0"/>
               <a:t>Botones</a:t>
             </a:r>
           </a:p>
@@ -8998,7 +8849,7 @@
               <a:buFont typeface="+mj-lt"/>
               <a:buAutoNum type="arabicPeriod"/>
             </a:pPr>
-            <a:endParaRPr lang="es-ES" dirty="0" smtClean="0"/>
+            <a:endParaRPr lang="es-ES" dirty="0"/>
           </a:p>
         </p:txBody>
       </p:sp>
@@ -9012,13 +8863,6 @@
   <p:clrMapOvr>
     <a:masterClrMapping/>
   </p:clrMapOvr>
-  <p:timing>
-    <p:tnLst>
-      <p:par>
-        <p:cTn id="1" dur="indefinite" restart="never" nodeType="tmRoot"/>
-      </p:par>
-    </p:tnLst>
-  </p:timing>
 </p:sld>
 </file>
 
@@ -9061,7 +8905,7 @@
           </a:bodyPr>
           <a:lstStyle/>
           <a:p>
-            <a:endParaRPr lang="es-ES" dirty="0" smtClean="0"/>
+            <a:endParaRPr lang="es-ES" dirty="0"/>
           </a:p>
           <a:p>
             <a:endParaRPr lang="es-ES" dirty="0">
@@ -9097,28 +8941,19 @@
           <a:p>
             <a:pPr algn="just"/>
             <a:r>
-              <a:rPr lang="es-ES" dirty="0" smtClean="0"/>
-              <a:t>Meta </a:t>
-            </a:r>
-            <a:r>
               <a:rPr lang="es-ES" dirty="0"/>
-              <a:t>Descripción: </a:t>
-            </a:r>
-            <a:endParaRPr lang="es-ES" dirty="0" smtClean="0"/>
+              <a:t>Meta Descripción: </a:t>
+            </a:r>
           </a:p>
           <a:p>
             <a:pPr algn="just"/>
-            <a:endParaRPr lang="es-ES" b="1" dirty="0" smtClean="0"/>
+            <a:endParaRPr lang="es-ES" b="1" dirty="0"/>
           </a:p>
           <a:p>
             <a:pPr algn="just"/>
             <a:r>
-              <a:rPr lang="es-ES" dirty="0" smtClean="0"/>
-              <a:t>se </a:t>
-            </a:r>
-            <a:r>
               <a:rPr lang="es-ES" dirty="0"/>
-              <a:t>utiliza para describir de forma resumida el contenido de la página. Se puede utilizar para </a:t>
+              <a:t>se utiliza para describir de forma resumida el contenido de la página. Se puede utilizar para </a:t>
             </a:r>
             <a:r>
               <a:rPr lang="es-ES" b="1" dirty="0"/>
@@ -9128,25 +8963,12 @@
               <a:rPr lang="es-ES" dirty="0"/>
               <a:t>. </a:t>
             </a:r>
-            <a:endParaRPr lang="es-ES" dirty="0" smtClean="0"/>
           </a:p>
           <a:p>
             <a:pPr algn="just"/>
             <a:r>
-              <a:rPr lang="es-ES" dirty="0" smtClean="0"/>
-              <a:t>Esta </a:t>
-            </a:r>
-            <a:r>
               <a:rPr lang="es-ES" dirty="0"/>
-              <a:t>etiqueta le dará más información a los motores sobre tu página. Debe mantenerse por debajo de los 155 caracteres y </a:t>
-            </a:r>
-            <a:r>
-              <a:rPr lang="es-ES" dirty="0" smtClean="0"/>
-              <a:t>se recomienda que </a:t>
-            </a:r>
-            <a:r>
-              <a:rPr lang="es-ES" dirty="0"/>
-              <a:t>la </a:t>
+              <a:t>Esta etiqueta le dará más información a los motores sobre tu página. Debe mantenerse por debajo de los 155 caracteres y se recomienda que la </a:t>
             </a:r>
             <a:r>
               <a:rPr lang="es-ES" i="1" dirty="0" err="1"/>
@@ -9158,17 +8980,13 @@
             </a:r>
             <a:r>
               <a:rPr lang="es-ES" dirty="0"/>
-              <a:t>principal aparezca </a:t>
-            </a:r>
-            <a:r>
-              <a:rPr lang="es-ES" dirty="0" smtClean="0"/>
-              <a:t>aquí.</a:t>
+              <a:t>principal aparezca aquí.</a:t>
             </a:r>
           </a:p>
           <a:p>
             <a:pPr algn="just"/>
             <a:r>
-              <a:rPr lang="es-ES" dirty="0" smtClean="0"/>
+              <a:rPr lang="es-ES" dirty="0"/>
               <a:t>Ejemplo:</a:t>
             </a:r>
           </a:p>
@@ -9178,7 +8996,7 @@
           </a:p>
           <a:p>
             <a:pPr algn="just"/>
-            <a:endParaRPr lang="es-ES" dirty="0" smtClean="0"/>
+            <a:endParaRPr lang="es-ES" dirty="0"/>
           </a:p>
           <a:p>
             <a:pPr algn="just"/>
@@ -9267,13 +9085,6 @@
   <p:clrMapOvr>
     <a:masterClrMapping/>
   </p:clrMapOvr>
-  <p:timing>
-    <p:tnLst>
-      <p:par>
-        <p:cTn id="1" dur="indefinite" restart="never" nodeType="tmRoot"/>
-      </p:par>
-    </p:tnLst>
-  </p:timing>
 </p:sld>
 </file>
 
@@ -9316,7 +9127,7 @@
           </a:bodyPr>
           <a:lstStyle/>
           <a:p>
-            <a:endParaRPr lang="es-ES" dirty="0" smtClean="0"/>
+            <a:endParaRPr lang="es-ES" dirty="0"/>
           </a:p>
           <a:p>
             <a:endParaRPr lang="es-ES" dirty="0">
@@ -9352,47 +9163,19 @@
           <a:p>
             <a:pPr algn="just"/>
             <a:r>
-              <a:rPr lang="es-ES" dirty="0" smtClean="0"/>
-              <a:t>robots:</a:t>
-            </a:r>
-            <a:r>
               <a:rPr lang="es-ES" dirty="0"/>
-              <a:t> </a:t>
-            </a:r>
-            <a:endParaRPr lang="es-ES" dirty="0" smtClean="0"/>
+              <a:t>robots: </a:t>
+            </a:r>
           </a:p>
           <a:p>
             <a:pPr algn="just"/>
-            <a:endParaRPr lang="es-ES" b="1" dirty="0" smtClean="0"/>
+            <a:endParaRPr lang="es-ES" b="1" dirty="0"/>
           </a:p>
           <a:p>
             <a:pPr algn="just"/>
             <a:r>
               <a:rPr lang="es-ES" dirty="0"/>
-              <a:t>E</a:t>
-            </a:r>
-            <a:r>
-              <a:rPr lang="es-ES" dirty="0" smtClean="0"/>
-              <a:t>sta </a:t>
-            </a:r>
-            <a:r>
-              <a:rPr lang="es-ES" dirty="0"/>
-              <a:t>etiqueta se utiliza para contarle a los motores de búsqueda cómo debe tratar la página a la hora de indexar sus resultados</a:t>
-            </a:r>
-            <a:r>
-              <a:rPr lang="es-ES" dirty="0" smtClean="0"/>
-              <a:t>.</a:t>
-            </a:r>
-          </a:p>
-          <a:p>
-            <a:pPr algn="just"/>
-            <a:endParaRPr lang="es-ES" dirty="0" smtClean="0"/>
-          </a:p>
-          <a:p>
-            <a:pPr algn="just"/>
-            <a:r>
-              <a:rPr lang="es-ES" dirty="0" smtClean="0"/>
-              <a:t>Ejemplo:</a:t>
+              <a:t>Esta etiqueta se utiliza para contarle a los motores de búsqueda cómo debe tratar la página a la hora de indexar sus resultados.</a:t>
             </a:r>
           </a:p>
           <a:p>
@@ -9401,7 +9184,18 @@
           </a:p>
           <a:p>
             <a:pPr algn="just"/>
-            <a:endParaRPr lang="es-ES" dirty="0" smtClean="0"/>
+            <a:r>
+              <a:rPr lang="es-ES" dirty="0"/>
+              <a:t>Ejemplo:</a:t>
+            </a:r>
+          </a:p>
+          <a:p>
+            <a:pPr algn="just"/>
+            <a:endParaRPr lang="es-ES" dirty="0"/>
+          </a:p>
+          <a:p>
+            <a:pPr algn="just"/>
+            <a:endParaRPr lang="es-ES" dirty="0"/>
           </a:p>
           <a:p>
             <a:pPr algn="just"/>
@@ -9450,13 +9244,6 @@
   <p:clrMapOvr>
     <a:masterClrMapping/>
   </p:clrMapOvr>
-  <p:timing>
-    <p:tnLst>
-      <p:par>
-        <p:cTn id="1" dur="indefinite" restart="never" nodeType="tmRoot"/>
-      </p:par>
-    </p:tnLst>
-  </p:timing>
 </p:sld>
 </file>
 
@@ -9499,7 +9286,7 @@
           </a:bodyPr>
           <a:lstStyle/>
           <a:p>
-            <a:endParaRPr lang="es-ES" dirty="0" smtClean="0"/>
+            <a:endParaRPr lang="es-ES" dirty="0"/>
           </a:p>
           <a:p>
             <a:endParaRPr lang="es-ES" dirty="0">
@@ -9535,18 +9322,13 @@
           <a:p>
             <a:pPr algn="just"/>
             <a:r>
-              <a:rPr lang="es-ES" dirty="0" smtClean="0"/>
-              <a:t>canonical:</a:t>
-            </a:r>
-            <a:r>
               <a:rPr lang="es-ES" dirty="0"/>
-              <a:t> </a:t>
-            </a:r>
-            <a:endParaRPr lang="es-ES" dirty="0" smtClean="0"/>
+              <a:t>canonical: </a:t>
+            </a:r>
           </a:p>
           <a:p>
             <a:pPr algn="just"/>
-            <a:endParaRPr lang="es-ES" b="1" dirty="0" smtClean="0"/>
+            <a:endParaRPr lang="es-ES" b="1" dirty="0"/>
           </a:p>
           <a:p>
             <a:pPr algn="just"/>
@@ -9562,27 +9344,18 @@
               <a:rPr lang="es-ES" dirty="0"/>
               <a:t>. </a:t>
             </a:r>
-            <a:endParaRPr lang="es-ES" dirty="0" smtClean="0"/>
           </a:p>
           <a:p>
             <a:pPr algn="just"/>
             <a:r>
-              <a:rPr lang="es-ES" dirty="0" smtClean="0"/>
-              <a:t>Esto </a:t>
-            </a:r>
-            <a:r>
               <a:rPr lang="es-ES" dirty="0"/>
-              <a:t>es muy útil cuando tienes dos páginas con contenido parecido y quieres evitar que se canibalicen, es decir, que compitan mutuamente entre sí</a:t>
-            </a:r>
-            <a:r>
-              <a:rPr lang="es-ES" dirty="0" smtClean="0"/>
-              <a:t>.</a:t>
+              <a:t>Esto es muy útil cuando tienes dos páginas con contenido parecido y quieres evitar que se canibalicen, es decir, que compitan mutuamente entre sí.</a:t>
             </a:r>
           </a:p>
           <a:p>
             <a:pPr algn="just"/>
             <a:r>
-              <a:rPr lang="es-ES" dirty="0" smtClean="0"/>
+              <a:rPr lang="es-ES" dirty="0"/>
               <a:t>Ejemplo:</a:t>
             </a:r>
           </a:p>
@@ -9592,7 +9365,7 @@
           </a:p>
           <a:p>
             <a:pPr algn="just"/>
-            <a:endParaRPr lang="es-ES" dirty="0" smtClean="0"/>
+            <a:endParaRPr lang="es-ES" dirty="0"/>
           </a:p>
           <a:p>
             <a:pPr algn="just"/>
@@ -9659,13 +9432,6 @@
   <p:clrMapOvr>
     <a:masterClrMapping/>
   </p:clrMapOvr>
-  <p:timing>
-    <p:tnLst>
-      <p:par>
-        <p:cTn id="1" dur="indefinite" restart="never" nodeType="tmRoot"/>
-      </p:par>
-    </p:tnLst>
-  </p:timing>
 </p:sld>
 </file>
 
@@ -9712,7 +9478,7 @@
               <a:buNone/>
             </a:pPr>
             <a:r>
-              <a:rPr lang="es-ES" sz="3900" dirty="0" smtClean="0">
+              <a:rPr lang="es-ES" sz="3900" dirty="0">
                 <a:solidFill>
                   <a:schemeClr val="accent1"/>
                 </a:solidFill>
@@ -9722,7 +9488,7 @@
               </a:rPr>
               <a:t>Formularios</a:t>
             </a:r>
-            <a:endParaRPr lang="es-ES" dirty="0" smtClean="0"/>
+            <a:endParaRPr lang="es-ES" dirty="0"/>
           </a:p>
           <a:p>
             <a:pPr marL="0" indent="0" algn="just">
@@ -9740,73 +9506,56 @@
               <a:rPr lang="es-ES" dirty="0"/>
               <a:t> son uno de los principales puntos de interacción entre un usuario y un sitio web o aplicación. </a:t>
             </a:r>
-            <a:endParaRPr lang="es-ES" dirty="0" smtClean="0"/>
           </a:p>
           <a:p>
             <a:pPr marL="0" indent="0" algn="just">
               <a:buNone/>
             </a:pPr>
             <a:r>
-              <a:rPr lang="es-ES" dirty="0" smtClean="0"/>
-              <a:t>Los </a:t>
-            </a:r>
-            <a:r>
               <a:rPr lang="es-ES" dirty="0"/>
-              <a:t>formularios permiten a los usuarios la introducción de datos, que generalmente se envían a un servidor web para su procesamiento y </a:t>
-            </a:r>
-            <a:r>
-              <a:rPr lang="es-ES" dirty="0" smtClean="0"/>
-              <a:t>almacenamiento o </a:t>
-            </a:r>
-            <a:r>
-              <a:rPr lang="es-ES" dirty="0"/>
-              <a:t>se usan en el lado del cliente para provocar de alguna manera una actualización inmediata de la </a:t>
-            </a:r>
-            <a:r>
-              <a:rPr lang="es-ES" dirty="0" smtClean="0"/>
-              <a:t>interfaz.</a:t>
+              <a:t>Los formularios permiten a los usuarios la introducción de datos, que generalmente se envían a un servidor web para su procesamiento y almacenamiento o se usan en el lado del cliente para provocar de alguna manera una actualización inmediata de la interfaz.</a:t>
             </a:r>
           </a:p>
           <a:p>
             <a:pPr marL="0" indent="0" algn="just">
-              <a:buNone/>
-            </a:pPr>
-            <a:endParaRPr lang="es-ES" dirty="0" smtClean="0"/>
-          </a:p>
-          <a:p>
-            <a:pPr marL="0" indent="0" algn="just">
-              <a:buNone/>
-            </a:pPr>
-            <a:r>
-              <a:rPr lang="es-ES" dirty="0" smtClean="0"/>
-              <a:t>Elementos de formulario típicos:</a:t>
-            </a:r>
-          </a:p>
-          <a:p>
-            <a:pPr algn="just"/>
-            <a:r>
-              <a:rPr lang="es-ES" dirty="0" smtClean="0"/>
-              <a:t>Input:</a:t>
-            </a:r>
-          </a:p>
-          <a:p>
-            <a:pPr marL="0" indent="0">
               <a:buNone/>
             </a:pPr>
             <a:endParaRPr lang="es-ES" dirty="0"/>
           </a:p>
           <a:p>
+            <a:pPr marL="0" indent="0" algn="just">
+              <a:buNone/>
+            </a:pPr>
+            <a:r>
+              <a:rPr lang="es-ES" dirty="0"/>
+              <a:t>Elementos de formulario típicos:</a:t>
+            </a:r>
+          </a:p>
+          <a:p>
+            <a:pPr algn="just"/>
+            <a:r>
+              <a:rPr lang="es-ES" dirty="0"/>
+              <a:t>Input:</a:t>
+            </a:r>
+          </a:p>
+          <a:p>
+            <a:pPr marL="0" indent="0">
+              <a:buNone/>
+            </a:pPr>
             <a:endParaRPr lang="es-ES" dirty="0"/>
           </a:p>
           <a:p>
-            <a:endParaRPr lang="es-ES" dirty="0" smtClean="0"/>
+            <a:endParaRPr lang="es-ES" dirty="0"/>
+          </a:p>
+          <a:p>
+            <a:endParaRPr lang="es-ES" dirty="0"/>
           </a:p>
           <a:p>
             <a:pPr marL="400050" lvl="1" indent="0">
               <a:buNone/>
             </a:pPr>
             <a:r>
-              <a:rPr lang="es-ES" sz="900" dirty="0" smtClean="0">
+              <a:rPr lang="es-ES" sz="900" dirty="0">
                 <a:solidFill>
                   <a:srgbClr val="FFC000"/>
                 </a:solidFill>
@@ -10164,50 +9913,37 @@
                   <a:srgbClr val="FFC000"/>
                 </a:solidFill>
               </a:rPr>
-              <a:t>        &lt;/div</a:t>
-            </a:r>
-            <a:r>
-              <a:rPr lang="es-ES" sz="900" dirty="0" smtClean="0">
+              <a:t>        &lt;/div&gt;</a:t>
+            </a:r>
+          </a:p>
+          <a:p>
+            <a:pPr marL="400050" lvl="1" indent="0">
+              <a:buNone/>
+            </a:pPr>
+            <a:r>
+              <a:rPr lang="es-ES" sz="900" dirty="0">
+                <a:solidFill>
+                  <a:srgbClr val="FFC000"/>
+                </a:solidFill>
+              </a:rPr>
+              <a:t>&lt;/</a:t>
+            </a:r>
+            <a:r>
+              <a:rPr lang="es-ES" sz="900" dirty="0" err="1">
+                <a:solidFill>
+                  <a:srgbClr val="FFC000"/>
+                </a:solidFill>
+              </a:rPr>
+              <a:t>form</a:t>
+            </a:r>
+            <a:r>
+              <a:rPr lang="es-ES" sz="900" dirty="0">
                 <a:solidFill>
                   <a:srgbClr val="FFC000"/>
                 </a:solidFill>
               </a:rPr>
               <a:t>&gt;</a:t>
             </a:r>
-          </a:p>
-          <a:p>
-            <a:pPr marL="400050" lvl="1" indent="0">
-              <a:buNone/>
-            </a:pPr>
-            <a:r>
-              <a:rPr lang="es-ES" sz="900" dirty="0" smtClean="0">
-                <a:solidFill>
-                  <a:srgbClr val="FFC000"/>
-                </a:solidFill>
-              </a:rPr>
-              <a:t>&lt;/</a:t>
-            </a:r>
-            <a:r>
-              <a:rPr lang="es-ES" sz="900" dirty="0" err="1" smtClean="0">
-                <a:solidFill>
-                  <a:srgbClr val="FFC000"/>
-                </a:solidFill>
-              </a:rPr>
-              <a:t>form</a:t>
-            </a:r>
-            <a:r>
-              <a:rPr lang="es-ES" sz="900" dirty="0" smtClean="0">
-                <a:solidFill>
-                  <a:srgbClr val="FFC000"/>
-                </a:solidFill>
-              </a:rPr>
-              <a:t>&gt;</a:t>
-            </a:r>
-            <a:endParaRPr lang="es-ES" sz="900" dirty="0">
-              <a:solidFill>
-                <a:srgbClr val="FFC000"/>
-              </a:solidFill>
-            </a:endParaRPr>
           </a:p>
         </p:txBody>
       </p:sp>
@@ -10245,13 +9981,6 @@
   <p:clrMapOvr>
     <a:masterClrMapping/>
   </p:clrMapOvr>
-  <p:timing>
-    <p:tnLst>
-      <p:par>
-        <p:cTn id="1" dur="indefinite" restart="never" nodeType="tmRoot"/>
-      </p:par>
-    </p:tnLst>
-  </p:timing>
 </p:sld>
 </file>
 
@@ -10299,30 +10028,19 @@
           </a:p>
           <a:p>
             <a:r>
-              <a:rPr lang="es-ES" dirty="0" err="1" smtClean="0"/>
+              <a:rPr lang="es-ES" dirty="0" err="1"/>
               <a:t>Textarea</a:t>
             </a:r>
             <a:r>
-              <a:rPr lang="es-ES" dirty="0" smtClean="0"/>
+              <a:rPr lang="es-ES" dirty="0"/>
               <a:t>:</a:t>
             </a:r>
+          </a:p>
+          <a:p>
             <a:endParaRPr lang="es-ES" dirty="0"/>
           </a:p>
           <a:p>
-            <a:endParaRPr lang="es-ES" dirty="0" smtClean="0"/>
-          </a:p>
-          <a:p>
             <a:endParaRPr lang="es-ES" dirty="0"/>
-          </a:p>
-          <a:p>
-            <a:pPr marL="400050" lvl="1" indent="0">
-              <a:buNone/>
-            </a:pPr>
-            <a:endParaRPr lang="es-ES" sz="900" dirty="0" smtClean="0">
-              <a:solidFill>
-                <a:srgbClr val="FFC000"/>
-              </a:solidFill>
-            </a:endParaRPr>
           </a:p>
           <a:p>
             <a:pPr marL="400050" lvl="1" indent="0">
@@ -10338,531 +10056,528 @@
             <a:pPr marL="400050" lvl="1" indent="0">
               <a:buNone/>
             </a:pPr>
-            <a:endParaRPr lang="es-ES" sz="900" dirty="0" smtClean="0">
-              <a:solidFill>
-                <a:srgbClr val="FFC000"/>
-              </a:solidFill>
-            </a:endParaRPr>
-          </a:p>
-          <a:p>
-            <a:pPr marL="400050" lvl="1" indent="0">
-              <a:buNone/>
-            </a:pPr>
-            <a:r>
-              <a:rPr lang="es-ES" sz="900" dirty="0" smtClean="0">
-                <a:solidFill>
-                  <a:srgbClr val="FFC000"/>
-                </a:solidFill>
-              </a:rPr>
-              <a:t>&lt;</a:t>
-            </a:r>
-            <a:r>
-              <a:rPr lang="es-ES" sz="900" dirty="0" err="1">
-                <a:solidFill>
-                  <a:srgbClr val="FFC000"/>
-                </a:solidFill>
-              </a:rPr>
-              <a:t>form</a:t>
-            </a:r>
-            <a:r>
-              <a:rPr lang="es-ES" sz="900" dirty="0">
-                <a:solidFill>
-                  <a:srgbClr val="FFC000"/>
-                </a:solidFill>
-              </a:rPr>
-              <a:t> </a:t>
-            </a:r>
-            <a:r>
-              <a:rPr lang="es-ES" sz="900" dirty="0" err="1">
-                <a:solidFill>
-                  <a:srgbClr val="FFC000"/>
-                </a:solidFill>
-              </a:rPr>
-              <a:t>action</a:t>
-            </a:r>
-            <a:r>
-              <a:rPr lang="es-ES" sz="900" dirty="0">
-                <a:solidFill>
-                  <a:srgbClr val="FFC000"/>
-                </a:solidFill>
-              </a:rPr>
-              <a:t>="" </a:t>
-            </a:r>
-            <a:r>
-              <a:rPr lang="es-ES" sz="900" dirty="0" err="1">
-                <a:solidFill>
-                  <a:srgbClr val="FFC000"/>
-                </a:solidFill>
-              </a:rPr>
-              <a:t>class</a:t>
-            </a:r>
-            <a:r>
-              <a:rPr lang="es-ES" sz="900" dirty="0">
-                <a:solidFill>
-                  <a:srgbClr val="FFC000"/>
-                </a:solidFill>
-              </a:rPr>
-              <a:t>="wcom-form-b4"&gt;</a:t>
-            </a:r>
-          </a:p>
-          <a:p>
-            <a:pPr marL="400050" lvl="1" indent="0">
-              <a:buNone/>
-            </a:pPr>
-            <a:r>
-              <a:rPr lang="es-ES" sz="900" dirty="0">
-                <a:solidFill>
-                  <a:srgbClr val="FFC000"/>
-                </a:solidFill>
-              </a:rPr>
-              <a:t>        &lt;div </a:t>
-            </a:r>
-            <a:r>
-              <a:rPr lang="es-ES" sz="900" dirty="0" err="1">
-                <a:solidFill>
-                  <a:srgbClr val="FFC000"/>
-                </a:solidFill>
-              </a:rPr>
-              <a:t>class</a:t>
-            </a:r>
-            <a:r>
-              <a:rPr lang="es-ES" sz="900" dirty="0">
-                <a:solidFill>
-                  <a:srgbClr val="FFC000"/>
-                </a:solidFill>
-              </a:rPr>
-              <a:t>="</a:t>
-            </a:r>
-            <a:r>
-              <a:rPr lang="es-ES" sz="900" dirty="0" err="1">
-                <a:solidFill>
-                  <a:srgbClr val="FFC000"/>
-                </a:solidFill>
-              </a:rPr>
-              <a:t>form-group</a:t>
-            </a:r>
-            <a:r>
-              <a:rPr lang="es-ES" sz="900" dirty="0">
-                <a:solidFill>
-                  <a:srgbClr val="FFC000"/>
-                </a:solidFill>
-              </a:rPr>
-              <a:t> col-12 col-sm-6"&gt;</a:t>
-            </a:r>
-          </a:p>
-          <a:p>
-            <a:pPr marL="400050" lvl="1" indent="0">
-              <a:buNone/>
-            </a:pPr>
-            <a:r>
-              <a:rPr lang="es-ES" sz="900" dirty="0">
-                <a:solidFill>
-                  <a:srgbClr val="FFC000"/>
-                </a:solidFill>
-              </a:rPr>
-              <a:t>            &lt;</a:t>
-            </a:r>
-            <a:r>
-              <a:rPr lang="es-ES" sz="900" dirty="0" err="1">
-                <a:solidFill>
-                  <a:srgbClr val="FFC000"/>
-                </a:solidFill>
-              </a:rPr>
-              <a:t>label</a:t>
-            </a:r>
-            <a:r>
-              <a:rPr lang="es-ES" sz="900" dirty="0">
-                <a:solidFill>
-                  <a:srgbClr val="FFC000"/>
-                </a:solidFill>
-              </a:rPr>
-              <a:t> </a:t>
-            </a:r>
-            <a:r>
-              <a:rPr lang="es-ES" sz="900" dirty="0" err="1">
-                <a:solidFill>
-                  <a:srgbClr val="FFC000"/>
-                </a:solidFill>
-              </a:rPr>
-              <a:t>for</a:t>
-            </a:r>
-            <a:r>
-              <a:rPr lang="es-ES" sz="900" dirty="0">
-                <a:solidFill>
-                  <a:srgbClr val="FFC000"/>
-                </a:solidFill>
-              </a:rPr>
-              <a:t>="ejemplo-</a:t>
-            </a:r>
-            <a:r>
-              <a:rPr lang="es-ES" sz="900" dirty="0" err="1">
-                <a:solidFill>
-                  <a:srgbClr val="FFC000"/>
-                </a:solidFill>
-              </a:rPr>
-              <a:t>text</a:t>
-            </a:r>
-            <a:r>
-              <a:rPr lang="es-ES" sz="900" dirty="0">
-                <a:solidFill>
-                  <a:srgbClr val="FFC000"/>
-                </a:solidFill>
-              </a:rPr>
-              <a:t>-</a:t>
-            </a:r>
-            <a:r>
-              <a:rPr lang="es-ES" sz="900" dirty="0" err="1">
-                <a:solidFill>
-                  <a:srgbClr val="FFC000"/>
-                </a:solidFill>
-              </a:rPr>
-              <a:t>area</a:t>
-            </a:r>
-            <a:r>
-              <a:rPr lang="es-ES" sz="900" dirty="0">
-                <a:solidFill>
-                  <a:srgbClr val="FFC000"/>
-                </a:solidFill>
-              </a:rPr>
-              <a:t>"&gt;Campo </a:t>
-            </a:r>
-            <a:r>
-              <a:rPr lang="es-ES" sz="900" dirty="0" err="1">
-                <a:solidFill>
-                  <a:srgbClr val="FFC000"/>
-                </a:solidFill>
-              </a:rPr>
-              <a:t>textarea</a:t>
-            </a:r>
-            <a:r>
-              <a:rPr lang="es-ES" sz="900" dirty="0">
-                <a:solidFill>
-                  <a:srgbClr val="FFC000"/>
-                </a:solidFill>
-              </a:rPr>
-              <a:t>*&lt;/</a:t>
-            </a:r>
-            <a:r>
-              <a:rPr lang="es-ES" sz="900" dirty="0" err="1">
-                <a:solidFill>
-                  <a:srgbClr val="FFC000"/>
-                </a:solidFill>
-              </a:rPr>
-              <a:t>label</a:t>
-            </a:r>
-            <a:r>
-              <a:rPr lang="es-ES" sz="900" dirty="0">
-                <a:solidFill>
-                  <a:srgbClr val="FFC000"/>
-                </a:solidFill>
-              </a:rPr>
-              <a:t>&gt;</a:t>
-            </a:r>
-          </a:p>
-          <a:p>
-            <a:pPr marL="400050" lvl="1" indent="0">
-              <a:buNone/>
-            </a:pPr>
-            <a:r>
-              <a:rPr lang="es-ES" sz="900" dirty="0">
-                <a:solidFill>
-                  <a:srgbClr val="FFC000"/>
-                </a:solidFill>
-              </a:rPr>
-              <a:t>            &lt;</a:t>
-            </a:r>
-            <a:r>
-              <a:rPr lang="es-ES" sz="900" dirty="0" err="1">
-                <a:solidFill>
-                  <a:srgbClr val="FFC000"/>
-                </a:solidFill>
-              </a:rPr>
-              <a:t>textarea</a:t>
-            </a:r>
-            <a:r>
-              <a:rPr lang="es-ES" sz="900" dirty="0">
-                <a:solidFill>
-                  <a:srgbClr val="FFC000"/>
-                </a:solidFill>
-              </a:rPr>
-              <a:t> id="ejemplo-</a:t>
-            </a:r>
-            <a:r>
-              <a:rPr lang="es-ES" sz="900" dirty="0" err="1">
-                <a:solidFill>
-                  <a:srgbClr val="FFC000"/>
-                </a:solidFill>
-              </a:rPr>
-              <a:t>text</a:t>
-            </a:r>
-            <a:r>
-              <a:rPr lang="es-ES" sz="900" dirty="0">
-                <a:solidFill>
-                  <a:srgbClr val="FFC000"/>
-                </a:solidFill>
-              </a:rPr>
-              <a:t>-</a:t>
-            </a:r>
-            <a:r>
-              <a:rPr lang="es-ES" sz="900" dirty="0" err="1">
-                <a:solidFill>
-                  <a:srgbClr val="FFC000"/>
-                </a:solidFill>
-              </a:rPr>
-              <a:t>area</a:t>
-            </a:r>
-            <a:r>
-              <a:rPr lang="es-ES" sz="900" dirty="0">
-                <a:solidFill>
-                  <a:srgbClr val="FFC000"/>
-                </a:solidFill>
-              </a:rPr>
-              <a:t>" </a:t>
-            </a:r>
-            <a:r>
-              <a:rPr lang="es-ES" sz="900" dirty="0" err="1">
-                <a:solidFill>
-                  <a:srgbClr val="FFC000"/>
-                </a:solidFill>
-              </a:rPr>
-              <a:t>class</a:t>
-            </a:r>
-            <a:r>
-              <a:rPr lang="es-ES" sz="900" dirty="0">
-                <a:solidFill>
-                  <a:srgbClr val="FFC000"/>
-                </a:solidFill>
-              </a:rPr>
-              <a:t>="</a:t>
-            </a:r>
-            <a:r>
-              <a:rPr lang="es-ES" sz="900" dirty="0" err="1">
-                <a:solidFill>
-                  <a:srgbClr val="FFC000"/>
-                </a:solidFill>
-              </a:rPr>
-              <a:t>form</a:t>
-            </a:r>
-            <a:r>
-              <a:rPr lang="es-ES" sz="900" dirty="0">
-                <a:solidFill>
-                  <a:srgbClr val="FFC000"/>
-                </a:solidFill>
-              </a:rPr>
-              <a:t>-control inputs-</a:t>
-            </a:r>
-            <a:r>
-              <a:rPr lang="es-ES" sz="900" dirty="0" err="1">
-                <a:solidFill>
-                  <a:srgbClr val="FFC000"/>
-                </a:solidFill>
-              </a:rPr>
-              <a:t>form</a:t>
-            </a:r>
-            <a:r>
-              <a:rPr lang="es-ES" sz="900" dirty="0">
-                <a:solidFill>
-                  <a:srgbClr val="FFC000"/>
-                </a:solidFill>
-              </a:rPr>
-              <a:t>" </a:t>
-            </a:r>
-            <a:r>
-              <a:rPr lang="es-ES" sz="900" dirty="0" err="1">
-                <a:solidFill>
-                  <a:srgbClr val="FFC000"/>
-                </a:solidFill>
-              </a:rPr>
-              <a:t>name</a:t>
-            </a:r>
-            <a:r>
-              <a:rPr lang="es-ES" sz="900" dirty="0">
-                <a:solidFill>
-                  <a:srgbClr val="FFC000"/>
-                </a:solidFill>
-              </a:rPr>
-              <a:t>="ejemplo-</a:t>
-            </a:r>
-            <a:r>
-              <a:rPr lang="es-ES" sz="900" dirty="0" err="1">
-                <a:solidFill>
-                  <a:srgbClr val="FFC000"/>
-                </a:solidFill>
-              </a:rPr>
-              <a:t>text</a:t>
-            </a:r>
-            <a:r>
-              <a:rPr lang="es-ES" sz="900" dirty="0">
-                <a:solidFill>
-                  <a:srgbClr val="FFC000"/>
-                </a:solidFill>
-              </a:rPr>
-              <a:t>-</a:t>
-            </a:r>
-            <a:r>
-              <a:rPr lang="es-ES" sz="900" dirty="0" err="1">
-                <a:solidFill>
-                  <a:srgbClr val="FFC000"/>
-                </a:solidFill>
-              </a:rPr>
-              <a:t>area</a:t>
-            </a:r>
-            <a:r>
-              <a:rPr lang="es-ES" sz="900" dirty="0">
-                <a:solidFill>
-                  <a:srgbClr val="FFC000"/>
-                </a:solidFill>
-              </a:rPr>
-              <a:t>"&gt;&lt;/</a:t>
-            </a:r>
-            <a:r>
-              <a:rPr lang="es-ES" sz="900" dirty="0" err="1">
-                <a:solidFill>
-                  <a:srgbClr val="FFC000"/>
-                </a:solidFill>
-              </a:rPr>
-              <a:t>textarea</a:t>
-            </a:r>
-            <a:r>
-              <a:rPr lang="es-ES" sz="900" dirty="0">
-                <a:solidFill>
-                  <a:srgbClr val="FFC000"/>
-                </a:solidFill>
-              </a:rPr>
-              <a:t>&gt;</a:t>
-            </a:r>
-          </a:p>
-          <a:p>
-            <a:pPr marL="400050" lvl="1" indent="0">
-              <a:buNone/>
-            </a:pPr>
-            <a:r>
-              <a:rPr lang="es-ES" sz="900" dirty="0">
-                <a:solidFill>
-                  <a:srgbClr val="FFC000"/>
-                </a:solidFill>
-              </a:rPr>
-              <a:t>            &lt;</a:t>
-            </a:r>
-            <a:r>
-              <a:rPr lang="es-ES" sz="900" dirty="0" err="1">
-                <a:solidFill>
-                  <a:srgbClr val="FFC000"/>
-                </a:solidFill>
-              </a:rPr>
-              <a:t>span</a:t>
-            </a:r>
-            <a:r>
-              <a:rPr lang="es-ES" sz="900" dirty="0">
-                <a:solidFill>
-                  <a:srgbClr val="FFC000"/>
-                </a:solidFill>
-              </a:rPr>
-              <a:t> </a:t>
-            </a:r>
-            <a:r>
-              <a:rPr lang="es-ES" sz="900" dirty="0" err="1">
-                <a:solidFill>
-                  <a:srgbClr val="FFC000"/>
-                </a:solidFill>
-              </a:rPr>
-              <a:t>class</a:t>
-            </a:r>
-            <a:r>
-              <a:rPr lang="es-ES" sz="900" dirty="0">
-                <a:solidFill>
-                  <a:srgbClr val="FFC000"/>
-                </a:solidFill>
-              </a:rPr>
-              <a:t>="</a:t>
-            </a:r>
-            <a:r>
-              <a:rPr lang="es-ES" sz="900" dirty="0" err="1">
-                <a:solidFill>
-                  <a:srgbClr val="FFC000"/>
-                </a:solidFill>
-              </a:rPr>
-              <a:t>help</a:t>
-            </a:r>
-            <a:r>
-              <a:rPr lang="es-ES" sz="900" dirty="0">
-                <a:solidFill>
-                  <a:srgbClr val="FFC000"/>
-                </a:solidFill>
-              </a:rPr>
-              <a:t>-block"&gt;&lt;/</a:t>
-            </a:r>
-            <a:r>
-              <a:rPr lang="es-ES" sz="900" dirty="0" err="1">
-                <a:solidFill>
-                  <a:srgbClr val="FFC000"/>
-                </a:solidFill>
-              </a:rPr>
-              <a:t>span</a:t>
-            </a:r>
-            <a:r>
-              <a:rPr lang="es-ES" sz="900" dirty="0">
-                <a:solidFill>
-                  <a:srgbClr val="FFC000"/>
-                </a:solidFill>
-              </a:rPr>
-              <a:t>&gt;</a:t>
-            </a:r>
-          </a:p>
-          <a:p>
-            <a:pPr marL="400050" lvl="1" indent="0">
-              <a:buNone/>
-            </a:pPr>
-            <a:r>
-              <a:rPr lang="es-ES" sz="900" dirty="0">
-                <a:solidFill>
-                  <a:srgbClr val="FFC000"/>
-                </a:solidFill>
-              </a:rPr>
-              <a:t>        &lt;/div</a:t>
-            </a:r>
-            <a:r>
-              <a:rPr lang="es-ES" sz="900" dirty="0" smtClean="0">
-                <a:solidFill>
-                  <a:srgbClr val="FFC000"/>
-                </a:solidFill>
-              </a:rPr>
-              <a:t>&gt;</a:t>
-            </a:r>
-          </a:p>
-          <a:p>
-            <a:pPr marL="400050" lvl="1" indent="0">
-              <a:buNone/>
-            </a:pPr>
-            <a:r>
-              <a:rPr lang="es-ES" sz="900" dirty="0" smtClean="0">
-                <a:solidFill>
-                  <a:srgbClr val="FFC000"/>
-                </a:solidFill>
-              </a:rPr>
-              <a:t>&lt;/</a:t>
-            </a:r>
-            <a:r>
-              <a:rPr lang="es-ES" sz="900" dirty="0" err="1" smtClean="0">
-                <a:solidFill>
-                  <a:srgbClr val="FFC000"/>
-                </a:solidFill>
-              </a:rPr>
-              <a:t>form</a:t>
-            </a:r>
-            <a:r>
-              <a:rPr lang="es-ES" sz="900" dirty="0" smtClean="0">
-                <a:solidFill>
-                  <a:srgbClr val="FFC000"/>
-                </a:solidFill>
-              </a:rPr>
-              <a:t>&gt;</a:t>
-            </a:r>
             <a:endParaRPr lang="es-ES" sz="900" dirty="0">
               <a:solidFill>
                 <a:srgbClr val="FFC000"/>
               </a:solidFill>
             </a:endParaRPr>
+          </a:p>
+          <a:p>
+            <a:pPr marL="400050" lvl="1" indent="0">
+              <a:buNone/>
+            </a:pPr>
+            <a:endParaRPr lang="es-ES" sz="900" dirty="0">
+              <a:solidFill>
+                <a:srgbClr val="FFC000"/>
+              </a:solidFill>
+            </a:endParaRPr>
+          </a:p>
+          <a:p>
+            <a:pPr marL="400050" lvl="1" indent="0">
+              <a:buNone/>
+            </a:pPr>
+            <a:r>
+              <a:rPr lang="es-ES" sz="900" dirty="0">
+                <a:solidFill>
+                  <a:srgbClr val="FFC000"/>
+                </a:solidFill>
+              </a:rPr>
+              <a:t>&lt;</a:t>
+            </a:r>
+            <a:r>
+              <a:rPr lang="es-ES" sz="900" dirty="0" err="1">
+                <a:solidFill>
+                  <a:srgbClr val="FFC000"/>
+                </a:solidFill>
+              </a:rPr>
+              <a:t>form</a:t>
+            </a:r>
+            <a:r>
+              <a:rPr lang="es-ES" sz="900" dirty="0">
+                <a:solidFill>
+                  <a:srgbClr val="FFC000"/>
+                </a:solidFill>
+              </a:rPr>
+              <a:t> </a:t>
+            </a:r>
+            <a:r>
+              <a:rPr lang="es-ES" sz="900" dirty="0" err="1">
+                <a:solidFill>
+                  <a:srgbClr val="FFC000"/>
+                </a:solidFill>
+              </a:rPr>
+              <a:t>action</a:t>
+            </a:r>
+            <a:r>
+              <a:rPr lang="es-ES" sz="900" dirty="0">
+                <a:solidFill>
+                  <a:srgbClr val="FFC000"/>
+                </a:solidFill>
+              </a:rPr>
+              <a:t>="" </a:t>
+            </a:r>
+            <a:r>
+              <a:rPr lang="es-ES" sz="900" dirty="0" err="1">
+                <a:solidFill>
+                  <a:srgbClr val="FFC000"/>
+                </a:solidFill>
+              </a:rPr>
+              <a:t>class</a:t>
+            </a:r>
+            <a:r>
+              <a:rPr lang="es-ES" sz="900" dirty="0">
+                <a:solidFill>
+                  <a:srgbClr val="FFC000"/>
+                </a:solidFill>
+              </a:rPr>
+              <a:t>="wcom-form-b4"&gt;</a:t>
+            </a:r>
+          </a:p>
+          <a:p>
+            <a:pPr marL="400050" lvl="1" indent="0">
+              <a:buNone/>
+            </a:pPr>
+            <a:r>
+              <a:rPr lang="es-ES" sz="900" dirty="0">
+                <a:solidFill>
+                  <a:srgbClr val="FFC000"/>
+                </a:solidFill>
+              </a:rPr>
+              <a:t>        &lt;div </a:t>
+            </a:r>
+            <a:r>
+              <a:rPr lang="es-ES" sz="900" dirty="0" err="1">
+                <a:solidFill>
+                  <a:srgbClr val="FFC000"/>
+                </a:solidFill>
+              </a:rPr>
+              <a:t>class</a:t>
+            </a:r>
+            <a:r>
+              <a:rPr lang="es-ES" sz="900" dirty="0">
+                <a:solidFill>
+                  <a:srgbClr val="FFC000"/>
+                </a:solidFill>
+              </a:rPr>
+              <a:t>="</a:t>
+            </a:r>
+            <a:r>
+              <a:rPr lang="es-ES" sz="900" dirty="0" err="1">
+                <a:solidFill>
+                  <a:srgbClr val="FFC000"/>
+                </a:solidFill>
+              </a:rPr>
+              <a:t>form-group</a:t>
+            </a:r>
+            <a:r>
+              <a:rPr lang="es-ES" sz="900" dirty="0">
+                <a:solidFill>
+                  <a:srgbClr val="FFC000"/>
+                </a:solidFill>
+              </a:rPr>
+              <a:t> col-12 col-sm-6"&gt;</a:t>
+            </a:r>
+          </a:p>
+          <a:p>
+            <a:pPr marL="400050" lvl="1" indent="0">
+              <a:buNone/>
+            </a:pPr>
+            <a:r>
+              <a:rPr lang="es-ES" sz="900" dirty="0">
+                <a:solidFill>
+                  <a:srgbClr val="FFC000"/>
+                </a:solidFill>
+              </a:rPr>
+              <a:t>            &lt;</a:t>
+            </a:r>
+            <a:r>
+              <a:rPr lang="es-ES" sz="900" dirty="0" err="1">
+                <a:solidFill>
+                  <a:srgbClr val="FFC000"/>
+                </a:solidFill>
+              </a:rPr>
+              <a:t>label</a:t>
+            </a:r>
+            <a:r>
+              <a:rPr lang="es-ES" sz="900" dirty="0">
+                <a:solidFill>
+                  <a:srgbClr val="FFC000"/>
+                </a:solidFill>
+              </a:rPr>
+              <a:t> </a:t>
+            </a:r>
+            <a:r>
+              <a:rPr lang="es-ES" sz="900" dirty="0" err="1">
+                <a:solidFill>
+                  <a:srgbClr val="FFC000"/>
+                </a:solidFill>
+              </a:rPr>
+              <a:t>for</a:t>
+            </a:r>
+            <a:r>
+              <a:rPr lang="es-ES" sz="900" dirty="0">
+                <a:solidFill>
+                  <a:srgbClr val="FFC000"/>
+                </a:solidFill>
+              </a:rPr>
+              <a:t>="ejemplo-</a:t>
+            </a:r>
+            <a:r>
+              <a:rPr lang="es-ES" sz="900" dirty="0" err="1">
+                <a:solidFill>
+                  <a:srgbClr val="FFC000"/>
+                </a:solidFill>
+              </a:rPr>
+              <a:t>text</a:t>
+            </a:r>
+            <a:r>
+              <a:rPr lang="es-ES" sz="900" dirty="0">
+                <a:solidFill>
+                  <a:srgbClr val="FFC000"/>
+                </a:solidFill>
+              </a:rPr>
+              <a:t>-</a:t>
+            </a:r>
+            <a:r>
+              <a:rPr lang="es-ES" sz="900" dirty="0" err="1">
+                <a:solidFill>
+                  <a:srgbClr val="FFC000"/>
+                </a:solidFill>
+              </a:rPr>
+              <a:t>area</a:t>
+            </a:r>
+            <a:r>
+              <a:rPr lang="es-ES" sz="900" dirty="0">
+                <a:solidFill>
+                  <a:srgbClr val="FFC000"/>
+                </a:solidFill>
+              </a:rPr>
+              <a:t>"&gt;Campo </a:t>
+            </a:r>
+            <a:r>
+              <a:rPr lang="es-ES" sz="900" dirty="0" err="1">
+                <a:solidFill>
+                  <a:srgbClr val="FFC000"/>
+                </a:solidFill>
+              </a:rPr>
+              <a:t>textarea</a:t>
+            </a:r>
+            <a:r>
+              <a:rPr lang="es-ES" sz="900" dirty="0">
+                <a:solidFill>
+                  <a:srgbClr val="FFC000"/>
+                </a:solidFill>
+              </a:rPr>
+              <a:t>*&lt;/</a:t>
+            </a:r>
+            <a:r>
+              <a:rPr lang="es-ES" sz="900" dirty="0" err="1">
+                <a:solidFill>
+                  <a:srgbClr val="FFC000"/>
+                </a:solidFill>
+              </a:rPr>
+              <a:t>label</a:t>
+            </a:r>
+            <a:r>
+              <a:rPr lang="es-ES" sz="900" dirty="0">
+                <a:solidFill>
+                  <a:srgbClr val="FFC000"/>
+                </a:solidFill>
+              </a:rPr>
+              <a:t>&gt;</a:t>
+            </a:r>
+          </a:p>
+          <a:p>
+            <a:pPr marL="400050" lvl="1" indent="0">
+              <a:buNone/>
+            </a:pPr>
+            <a:r>
+              <a:rPr lang="es-ES" sz="900" dirty="0">
+                <a:solidFill>
+                  <a:srgbClr val="FFC000"/>
+                </a:solidFill>
+              </a:rPr>
+              <a:t>            &lt;</a:t>
+            </a:r>
+            <a:r>
+              <a:rPr lang="es-ES" sz="900" dirty="0" err="1">
+                <a:solidFill>
+                  <a:srgbClr val="FFC000"/>
+                </a:solidFill>
+              </a:rPr>
+              <a:t>textarea</a:t>
+            </a:r>
+            <a:r>
+              <a:rPr lang="es-ES" sz="900" dirty="0">
+                <a:solidFill>
+                  <a:srgbClr val="FFC000"/>
+                </a:solidFill>
+              </a:rPr>
+              <a:t> id="ejemplo-</a:t>
+            </a:r>
+            <a:r>
+              <a:rPr lang="es-ES" sz="900" dirty="0" err="1">
+                <a:solidFill>
+                  <a:srgbClr val="FFC000"/>
+                </a:solidFill>
+              </a:rPr>
+              <a:t>text</a:t>
+            </a:r>
+            <a:r>
+              <a:rPr lang="es-ES" sz="900" dirty="0">
+                <a:solidFill>
+                  <a:srgbClr val="FFC000"/>
+                </a:solidFill>
+              </a:rPr>
+              <a:t>-</a:t>
+            </a:r>
+            <a:r>
+              <a:rPr lang="es-ES" sz="900" dirty="0" err="1">
+                <a:solidFill>
+                  <a:srgbClr val="FFC000"/>
+                </a:solidFill>
+              </a:rPr>
+              <a:t>area</a:t>
+            </a:r>
+            <a:r>
+              <a:rPr lang="es-ES" sz="900" dirty="0">
+                <a:solidFill>
+                  <a:srgbClr val="FFC000"/>
+                </a:solidFill>
+              </a:rPr>
+              <a:t>" </a:t>
+            </a:r>
+            <a:r>
+              <a:rPr lang="es-ES" sz="900" dirty="0" err="1">
+                <a:solidFill>
+                  <a:srgbClr val="FFC000"/>
+                </a:solidFill>
+              </a:rPr>
+              <a:t>class</a:t>
+            </a:r>
+            <a:r>
+              <a:rPr lang="es-ES" sz="900" dirty="0">
+                <a:solidFill>
+                  <a:srgbClr val="FFC000"/>
+                </a:solidFill>
+              </a:rPr>
+              <a:t>="</a:t>
+            </a:r>
+            <a:r>
+              <a:rPr lang="es-ES" sz="900" dirty="0" err="1">
+                <a:solidFill>
+                  <a:srgbClr val="FFC000"/>
+                </a:solidFill>
+              </a:rPr>
+              <a:t>form</a:t>
+            </a:r>
+            <a:r>
+              <a:rPr lang="es-ES" sz="900" dirty="0">
+                <a:solidFill>
+                  <a:srgbClr val="FFC000"/>
+                </a:solidFill>
+              </a:rPr>
+              <a:t>-control inputs-</a:t>
+            </a:r>
+            <a:r>
+              <a:rPr lang="es-ES" sz="900" dirty="0" err="1">
+                <a:solidFill>
+                  <a:srgbClr val="FFC000"/>
+                </a:solidFill>
+              </a:rPr>
+              <a:t>form</a:t>
+            </a:r>
+            <a:r>
+              <a:rPr lang="es-ES" sz="900" dirty="0">
+                <a:solidFill>
+                  <a:srgbClr val="FFC000"/>
+                </a:solidFill>
+              </a:rPr>
+              <a:t>" </a:t>
+            </a:r>
+            <a:r>
+              <a:rPr lang="es-ES" sz="900" dirty="0" err="1">
+                <a:solidFill>
+                  <a:srgbClr val="FFC000"/>
+                </a:solidFill>
+              </a:rPr>
+              <a:t>name</a:t>
+            </a:r>
+            <a:r>
+              <a:rPr lang="es-ES" sz="900" dirty="0">
+                <a:solidFill>
+                  <a:srgbClr val="FFC000"/>
+                </a:solidFill>
+              </a:rPr>
+              <a:t>="ejemplo-</a:t>
+            </a:r>
+            <a:r>
+              <a:rPr lang="es-ES" sz="900" dirty="0" err="1">
+                <a:solidFill>
+                  <a:srgbClr val="FFC000"/>
+                </a:solidFill>
+              </a:rPr>
+              <a:t>text</a:t>
+            </a:r>
+            <a:r>
+              <a:rPr lang="es-ES" sz="900" dirty="0">
+                <a:solidFill>
+                  <a:srgbClr val="FFC000"/>
+                </a:solidFill>
+              </a:rPr>
+              <a:t>-</a:t>
+            </a:r>
+            <a:r>
+              <a:rPr lang="es-ES" sz="900" dirty="0" err="1">
+                <a:solidFill>
+                  <a:srgbClr val="FFC000"/>
+                </a:solidFill>
+              </a:rPr>
+              <a:t>area</a:t>
+            </a:r>
+            <a:r>
+              <a:rPr lang="es-ES" sz="900" dirty="0">
+                <a:solidFill>
+                  <a:srgbClr val="FFC000"/>
+                </a:solidFill>
+              </a:rPr>
+              <a:t>"&gt;&lt;/</a:t>
+            </a:r>
+            <a:r>
+              <a:rPr lang="es-ES" sz="900" dirty="0" err="1">
+                <a:solidFill>
+                  <a:srgbClr val="FFC000"/>
+                </a:solidFill>
+              </a:rPr>
+              <a:t>textarea</a:t>
+            </a:r>
+            <a:r>
+              <a:rPr lang="es-ES" sz="900" dirty="0">
+                <a:solidFill>
+                  <a:srgbClr val="FFC000"/>
+                </a:solidFill>
+              </a:rPr>
+              <a:t>&gt;</a:t>
+            </a:r>
+          </a:p>
+          <a:p>
+            <a:pPr marL="400050" lvl="1" indent="0">
+              <a:buNone/>
+            </a:pPr>
+            <a:r>
+              <a:rPr lang="es-ES" sz="900" dirty="0">
+                <a:solidFill>
+                  <a:srgbClr val="FFC000"/>
+                </a:solidFill>
+              </a:rPr>
+              <a:t>            &lt;</a:t>
+            </a:r>
+            <a:r>
+              <a:rPr lang="es-ES" sz="900" dirty="0" err="1">
+                <a:solidFill>
+                  <a:srgbClr val="FFC000"/>
+                </a:solidFill>
+              </a:rPr>
+              <a:t>span</a:t>
+            </a:r>
+            <a:r>
+              <a:rPr lang="es-ES" sz="900" dirty="0">
+                <a:solidFill>
+                  <a:srgbClr val="FFC000"/>
+                </a:solidFill>
+              </a:rPr>
+              <a:t> </a:t>
+            </a:r>
+            <a:r>
+              <a:rPr lang="es-ES" sz="900" dirty="0" err="1">
+                <a:solidFill>
+                  <a:srgbClr val="FFC000"/>
+                </a:solidFill>
+              </a:rPr>
+              <a:t>class</a:t>
+            </a:r>
+            <a:r>
+              <a:rPr lang="es-ES" sz="900" dirty="0">
+                <a:solidFill>
+                  <a:srgbClr val="FFC000"/>
+                </a:solidFill>
+              </a:rPr>
+              <a:t>="</a:t>
+            </a:r>
+            <a:r>
+              <a:rPr lang="es-ES" sz="900" dirty="0" err="1">
+                <a:solidFill>
+                  <a:srgbClr val="FFC000"/>
+                </a:solidFill>
+              </a:rPr>
+              <a:t>help</a:t>
+            </a:r>
+            <a:r>
+              <a:rPr lang="es-ES" sz="900" dirty="0">
+                <a:solidFill>
+                  <a:srgbClr val="FFC000"/>
+                </a:solidFill>
+              </a:rPr>
+              <a:t>-block"&gt;&lt;/</a:t>
+            </a:r>
+            <a:r>
+              <a:rPr lang="es-ES" sz="900" dirty="0" err="1">
+                <a:solidFill>
+                  <a:srgbClr val="FFC000"/>
+                </a:solidFill>
+              </a:rPr>
+              <a:t>span</a:t>
+            </a:r>
+            <a:r>
+              <a:rPr lang="es-ES" sz="900" dirty="0">
+                <a:solidFill>
+                  <a:srgbClr val="FFC000"/>
+                </a:solidFill>
+              </a:rPr>
+              <a:t>&gt;</a:t>
+            </a:r>
+          </a:p>
+          <a:p>
+            <a:pPr marL="400050" lvl="1" indent="0">
+              <a:buNone/>
+            </a:pPr>
+            <a:r>
+              <a:rPr lang="es-ES" sz="900" dirty="0">
+                <a:solidFill>
+                  <a:srgbClr val="FFC000"/>
+                </a:solidFill>
+              </a:rPr>
+              <a:t>        &lt;/div&gt;</a:t>
+            </a:r>
+          </a:p>
+          <a:p>
+            <a:pPr marL="400050" lvl="1" indent="0">
+              <a:buNone/>
+            </a:pPr>
+            <a:r>
+              <a:rPr lang="es-ES" sz="900" dirty="0">
+                <a:solidFill>
+                  <a:srgbClr val="FFC000"/>
+                </a:solidFill>
+              </a:rPr>
+              <a:t>&lt;/</a:t>
+            </a:r>
+            <a:r>
+              <a:rPr lang="es-ES" sz="900" dirty="0" err="1">
+                <a:solidFill>
+                  <a:srgbClr val="FFC000"/>
+                </a:solidFill>
+              </a:rPr>
+              <a:t>form</a:t>
+            </a:r>
+            <a:r>
+              <a:rPr lang="es-ES" sz="900" dirty="0">
+                <a:solidFill>
+                  <a:srgbClr val="FFC000"/>
+                </a:solidFill>
+              </a:rPr>
+              <a:t>&gt;</a:t>
+            </a:r>
           </a:p>
         </p:txBody>
       </p:sp>
@@ -10900,13 +10615,6 @@
   <p:clrMapOvr>
     <a:masterClrMapping/>
   </p:clrMapOvr>
-  <p:timing>
-    <p:tnLst>
-      <p:par>
-        <p:cTn id="1" dur="indefinite" restart="never" nodeType="tmRoot"/>
-      </p:par>
-    </p:tnLst>
-  </p:timing>
 </p:sld>
 </file>
 
@@ -10957,22 +10665,12 @@
           </a:p>
           <a:p>
             <a:r>
-              <a:rPr lang="es-ES" dirty="0" smtClean="0"/>
+              <a:rPr lang="es-ES" dirty="0"/>
               <a:t>Date:</a:t>
             </a:r>
           </a:p>
           <a:p>
             <a:endParaRPr lang="es-ES" dirty="0"/>
-          </a:p>
-          <a:p>
-            <a:pPr marL="400050" lvl="1" indent="0">
-              <a:buNone/>
-            </a:pPr>
-            <a:endParaRPr lang="es-ES" sz="900" dirty="0" smtClean="0">
-              <a:solidFill>
-                <a:srgbClr val="FFC000"/>
-              </a:solidFill>
-            </a:endParaRPr>
           </a:p>
           <a:p>
             <a:pPr marL="400050" lvl="1" indent="0">
@@ -10988,419 +10686,416 @@
             <a:pPr marL="400050" lvl="1" indent="0">
               <a:buNone/>
             </a:pPr>
-            <a:endParaRPr lang="es-ES" sz="900" dirty="0" smtClean="0">
-              <a:solidFill>
-                <a:srgbClr val="FFC000"/>
-              </a:solidFill>
-            </a:endParaRPr>
-          </a:p>
-          <a:p>
-            <a:pPr marL="400050" lvl="1" indent="0">
-              <a:buNone/>
-            </a:pPr>
-            <a:r>
-              <a:rPr lang="es-ES" sz="900" dirty="0" smtClean="0">
-                <a:solidFill>
-                  <a:srgbClr val="FFC000"/>
-                </a:solidFill>
-              </a:rPr>
-              <a:t>&lt;</a:t>
-            </a:r>
-            <a:r>
-              <a:rPr lang="es-ES" sz="900" dirty="0" err="1">
-                <a:solidFill>
-                  <a:srgbClr val="FFC000"/>
-                </a:solidFill>
-              </a:rPr>
-              <a:t>form</a:t>
-            </a:r>
-            <a:r>
-              <a:rPr lang="es-ES" sz="900" dirty="0">
-                <a:solidFill>
-                  <a:srgbClr val="FFC000"/>
-                </a:solidFill>
-              </a:rPr>
-              <a:t> </a:t>
-            </a:r>
-            <a:r>
-              <a:rPr lang="es-ES" sz="900" dirty="0" err="1">
-                <a:solidFill>
-                  <a:srgbClr val="FFC000"/>
-                </a:solidFill>
-              </a:rPr>
-              <a:t>action</a:t>
-            </a:r>
-            <a:r>
-              <a:rPr lang="es-ES" sz="900" dirty="0">
-                <a:solidFill>
-                  <a:srgbClr val="FFC000"/>
-                </a:solidFill>
-              </a:rPr>
-              <a:t>="" </a:t>
-            </a:r>
-            <a:r>
-              <a:rPr lang="es-ES" sz="900" dirty="0" err="1">
-                <a:solidFill>
-                  <a:srgbClr val="FFC000"/>
-                </a:solidFill>
-              </a:rPr>
-              <a:t>class</a:t>
-            </a:r>
-            <a:r>
-              <a:rPr lang="es-ES" sz="900" dirty="0">
-                <a:solidFill>
-                  <a:srgbClr val="FFC000"/>
-                </a:solidFill>
-              </a:rPr>
-              <a:t>="wcom-form-b4"&gt;</a:t>
-            </a:r>
-          </a:p>
-          <a:p>
-            <a:pPr marL="400050" lvl="1" indent="0">
-              <a:buNone/>
-            </a:pPr>
-            <a:r>
-              <a:rPr lang="es-ES" sz="900" dirty="0">
-                <a:solidFill>
-                  <a:srgbClr val="FFC000"/>
-                </a:solidFill>
-              </a:rPr>
-              <a:t>        &lt;div </a:t>
-            </a:r>
-            <a:r>
-              <a:rPr lang="es-ES" sz="900" dirty="0" err="1">
-                <a:solidFill>
-                  <a:srgbClr val="FFC000"/>
-                </a:solidFill>
-              </a:rPr>
-              <a:t>class</a:t>
-            </a:r>
-            <a:r>
-              <a:rPr lang="es-ES" sz="900" dirty="0">
-                <a:solidFill>
-                  <a:srgbClr val="FFC000"/>
-                </a:solidFill>
-              </a:rPr>
-              <a:t>="</a:t>
-            </a:r>
-            <a:r>
-              <a:rPr lang="es-ES" sz="900" dirty="0" err="1">
-                <a:solidFill>
-                  <a:srgbClr val="FFC000"/>
-                </a:solidFill>
-              </a:rPr>
-              <a:t>form-group</a:t>
-            </a:r>
-            <a:r>
-              <a:rPr lang="es-ES" sz="900" dirty="0">
-                <a:solidFill>
-                  <a:srgbClr val="FFC000"/>
-                </a:solidFill>
-              </a:rPr>
-              <a:t> col-12 col-sm-6"&gt;</a:t>
-            </a:r>
-          </a:p>
-          <a:p>
-            <a:pPr marL="400050" lvl="1" indent="0">
-              <a:buNone/>
-            </a:pPr>
-            <a:r>
-              <a:rPr lang="es-ES" sz="900" dirty="0">
-                <a:solidFill>
-                  <a:srgbClr val="FFC000"/>
-                </a:solidFill>
-              </a:rPr>
-              <a:t>            &lt;</a:t>
-            </a:r>
-            <a:r>
-              <a:rPr lang="es-ES" sz="900" dirty="0" err="1">
-                <a:solidFill>
-                  <a:srgbClr val="FFC000"/>
-                </a:solidFill>
-              </a:rPr>
-              <a:t>label</a:t>
-            </a:r>
-            <a:r>
-              <a:rPr lang="es-ES" sz="900" dirty="0">
-                <a:solidFill>
-                  <a:srgbClr val="FFC000"/>
-                </a:solidFill>
-              </a:rPr>
-              <a:t> </a:t>
-            </a:r>
-            <a:r>
-              <a:rPr lang="es-ES" sz="900" dirty="0" err="1">
-                <a:solidFill>
-                  <a:srgbClr val="FFC000"/>
-                </a:solidFill>
-              </a:rPr>
-              <a:t>for</a:t>
-            </a:r>
-            <a:r>
-              <a:rPr lang="es-ES" sz="900" dirty="0">
-                <a:solidFill>
-                  <a:srgbClr val="FFC000"/>
-                </a:solidFill>
-              </a:rPr>
-              <a:t>="ejemplo-fecha"&gt;Fecha&lt;/</a:t>
-            </a:r>
-            <a:r>
-              <a:rPr lang="es-ES" sz="900" dirty="0" err="1">
-                <a:solidFill>
-                  <a:srgbClr val="FFC000"/>
-                </a:solidFill>
-              </a:rPr>
-              <a:t>label</a:t>
-            </a:r>
-            <a:r>
-              <a:rPr lang="es-ES" sz="900" dirty="0">
-                <a:solidFill>
-                  <a:srgbClr val="FFC000"/>
-                </a:solidFill>
-              </a:rPr>
-              <a:t>&gt;</a:t>
-            </a:r>
-          </a:p>
-          <a:p>
-            <a:pPr marL="400050" lvl="1" indent="0">
-              <a:buNone/>
-            </a:pPr>
-            <a:r>
-              <a:rPr lang="es-ES" sz="900" dirty="0">
-                <a:solidFill>
-                  <a:srgbClr val="FFC000"/>
-                </a:solidFill>
-              </a:rPr>
-              <a:t>            &lt;input id="ejemplo-fecha" </a:t>
-            </a:r>
-            <a:r>
-              <a:rPr lang="es-ES" sz="900" dirty="0" err="1">
-                <a:solidFill>
-                  <a:srgbClr val="FFC000"/>
-                </a:solidFill>
-              </a:rPr>
-              <a:t>type</a:t>
-            </a:r>
-            <a:r>
-              <a:rPr lang="es-ES" sz="900" dirty="0">
-                <a:solidFill>
-                  <a:srgbClr val="FFC000"/>
-                </a:solidFill>
-              </a:rPr>
-              <a:t>="</a:t>
-            </a:r>
-            <a:r>
-              <a:rPr lang="es-ES" sz="900" dirty="0" err="1">
-                <a:solidFill>
-                  <a:srgbClr val="FFC000"/>
-                </a:solidFill>
-              </a:rPr>
-              <a:t>text</a:t>
-            </a:r>
-            <a:r>
-              <a:rPr lang="es-ES" sz="900" dirty="0">
-                <a:solidFill>
-                  <a:srgbClr val="FFC000"/>
-                </a:solidFill>
-              </a:rPr>
-              <a:t>" </a:t>
-            </a:r>
-            <a:r>
-              <a:rPr lang="es-ES" sz="900" dirty="0" err="1">
-                <a:solidFill>
-                  <a:srgbClr val="FFC000"/>
-                </a:solidFill>
-              </a:rPr>
-              <a:t>class</a:t>
-            </a:r>
-            <a:r>
-              <a:rPr lang="es-ES" sz="900" dirty="0">
-                <a:solidFill>
-                  <a:srgbClr val="FFC000"/>
-                </a:solidFill>
-              </a:rPr>
-              <a:t>="</a:t>
-            </a:r>
-            <a:r>
-              <a:rPr lang="es-ES" sz="900" dirty="0" err="1">
-                <a:solidFill>
-                  <a:srgbClr val="FFC000"/>
-                </a:solidFill>
-              </a:rPr>
-              <a:t>form</a:t>
-            </a:r>
-            <a:r>
-              <a:rPr lang="es-ES" sz="900" dirty="0">
-                <a:solidFill>
-                  <a:srgbClr val="FFC000"/>
-                </a:solidFill>
-              </a:rPr>
-              <a:t>-control inputs-</a:t>
-            </a:r>
-            <a:r>
-              <a:rPr lang="es-ES" sz="900" dirty="0" err="1">
-                <a:solidFill>
-                  <a:srgbClr val="FFC000"/>
-                </a:solidFill>
-              </a:rPr>
-              <a:t>form</a:t>
-            </a:r>
-            <a:r>
-              <a:rPr lang="es-ES" sz="900" dirty="0">
-                <a:solidFill>
-                  <a:srgbClr val="FFC000"/>
-                </a:solidFill>
-              </a:rPr>
-              <a:t> fecha" </a:t>
-            </a:r>
-            <a:r>
-              <a:rPr lang="es-ES" sz="900" dirty="0" err="1">
-                <a:solidFill>
-                  <a:srgbClr val="FFC000"/>
-                </a:solidFill>
-              </a:rPr>
-              <a:t>path</a:t>
-            </a:r>
-            <a:r>
-              <a:rPr lang="es-ES" sz="900" dirty="0">
-                <a:solidFill>
-                  <a:srgbClr val="FFC000"/>
-                </a:solidFill>
-              </a:rPr>
-              <a:t>="ejemplo-fecha"/&gt;</a:t>
-            </a:r>
-          </a:p>
-          <a:p>
-            <a:pPr marL="400050" lvl="1" indent="0">
-              <a:buNone/>
-            </a:pPr>
-            <a:r>
-              <a:rPr lang="es-ES" sz="900" dirty="0">
-                <a:solidFill>
-                  <a:srgbClr val="FFC000"/>
-                </a:solidFill>
-              </a:rPr>
-              <a:t>            &lt;</a:t>
-            </a:r>
-            <a:r>
-              <a:rPr lang="es-ES" sz="900" dirty="0" err="1">
-                <a:solidFill>
-                  <a:srgbClr val="FFC000"/>
-                </a:solidFill>
-              </a:rPr>
-              <a:t>span</a:t>
-            </a:r>
-            <a:r>
-              <a:rPr lang="es-ES" sz="900" dirty="0">
-                <a:solidFill>
-                  <a:srgbClr val="FFC000"/>
-                </a:solidFill>
-              </a:rPr>
-              <a:t> </a:t>
-            </a:r>
-            <a:r>
-              <a:rPr lang="es-ES" sz="900" dirty="0" err="1">
-                <a:solidFill>
-                  <a:srgbClr val="FFC000"/>
-                </a:solidFill>
-              </a:rPr>
-              <a:t>class</a:t>
-            </a:r>
-            <a:r>
-              <a:rPr lang="es-ES" sz="900" dirty="0">
-                <a:solidFill>
-                  <a:srgbClr val="FFC000"/>
-                </a:solidFill>
-              </a:rPr>
-              <a:t>="</a:t>
-            </a:r>
-            <a:r>
-              <a:rPr lang="es-ES" sz="900" dirty="0" err="1">
-                <a:solidFill>
-                  <a:srgbClr val="FFC000"/>
-                </a:solidFill>
-              </a:rPr>
-              <a:t>help</a:t>
-            </a:r>
-            <a:r>
-              <a:rPr lang="es-ES" sz="900" dirty="0">
-                <a:solidFill>
-                  <a:srgbClr val="FFC000"/>
-                </a:solidFill>
-              </a:rPr>
-              <a:t>-block"&gt;&lt;/</a:t>
-            </a:r>
-            <a:r>
-              <a:rPr lang="es-ES" sz="900" dirty="0" err="1">
-                <a:solidFill>
-                  <a:srgbClr val="FFC000"/>
-                </a:solidFill>
-              </a:rPr>
-              <a:t>span</a:t>
-            </a:r>
-            <a:r>
-              <a:rPr lang="es-ES" sz="900" dirty="0">
-                <a:solidFill>
-                  <a:srgbClr val="FFC000"/>
-                </a:solidFill>
-              </a:rPr>
-              <a:t>&gt;</a:t>
-            </a:r>
-          </a:p>
-          <a:p>
-            <a:pPr marL="400050" lvl="1" indent="0">
-              <a:buNone/>
-            </a:pPr>
-            <a:r>
-              <a:rPr lang="es-ES" sz="900" dirty="0">
-                <a:solidFill>
-                  <a:srgbClr val="FFC000"/>
-                </a:solidFill>
-              </a:rPr>
-              <a:t>        &lt;/div</a:t>
-            </a:r>
-            <a:r>
-              <a:rPr lang="es-ES" sz="900" dirty="0" smtClean="0">
-                <a:solidFill>
-                  <a:srgbClr val="FFC000"/>
-                </a:solidFill>
-              </a:rPr>
-              <a:t>&gt;</a:t>
-            </a:r>
-          </a:p>
-          <a:p>
-            <a:pPr marL="400050" lvl="1" indent="0">
-              <a:buNone/>
-            </a:pPr>
-            <a:r>
-              <a:rPr lang="es-ES" sz="900" dirty="0" smtClean="0">
-                <a:solidFill>
-                  <a:srgbClr val="FFC000"/>
-                </a:solidFill>
-              </a:rPr>
-              <a:t>&lt;/</a:t>
-            </a:r>
-            <a:r>
-              <a:rPr lang="es-ES" sz="900" dirty="0" err="1" smtClean="0">
-                <a:solidFill>
-                  <a:srgbClr val="FFC000"/>
-                </a:solidFill>
-              </a:rPr>
-              <a:t>form</a:t>
-            </a:r>
-            <a:r>
-              <a:rPr lang="es-ES" sz="900" dirty="0" smtClean="0">
-                <a:solidFill>
-                  <a:srgbClr val="FFC000"/>
-                </a:solidFill>
-              </a:rPr>
-              <a:t>&gt;</a:t>
-            </a:r>
             <a:endParaRPr lang="es-ES" sz="900" dirty="0">
               <a:solidFill>
                 <a:srgbClr val="FFC000"/>
               </a:solidFill>
             </a:endParaRPr>
+          </a:p>
+          <a:p>
+            <a:pPr marL="400050" lvl="1" indent="0">
+              <a:buNone/>
+            </a:pPr>
+            <a:endParaRPr lang="es-ES" sz="900" dirty="0">
+              <a:solidFill>
+                <a:srgbClr val="FFC000"/>
+              </a:solidFill>
+            </a:endParaRPr>
+          </a:p>
+          <a:p>
+            <a:pPr marL="400050" lvl="1" indent="0">
+              <a:buNone/>
+            </a:pPr>
+            <a:r>
+              <a:rPr lang="es-ES" sz="900" dirty="0">
+                <a:solidFill>
+                  <a:srgbClr val="FFC000"/>
+                </a:solidFill>
+              </a:rPr>
+              <a:t>&lt;</a:t>
+            </a:r>
+            <a:r>
+              <a:rPr lang="es-ES" sz="900" dirty="0" err="1">
+                <a:solidFill>
+                  <a:srgbClr val="FFC000"/>
+                </a:solidFill>
+              </a:rPr>
+              <a:t>form</a:t>
+            </a:r>
+            <a:r>
+              <a:rPr lang="es-ES" sz="900" dirty="0">
+                <a:solidFill>
+                  <a:srgbClr val="FFC000"/>
+                </a:solidFill>
+              </a:rPr>
+              <a:t> </a:t>
+            </a:r>
+            <a:r>
+              <a:rPr lang="es-ES" sz="900" dirty="0" err="1">
+                <a:solidFill>
+                  <a:srgbClr val="FFC000"/>
+                </a:solidFill>
+              </a:rPr>
+              <a:t>action</a:t>
+            </a:r>
+            <a:r>
+              <a:rPr lang="es-ES" sz="900" dirty="0">
+                <a:solidFill>
+                  <a:srgbClr val="FFC000"/>
+                </a:solidFill>
+              </a:rPr>
+              <a:t>="" </a:t>
+            </a:r>
+            <a:r>
+              <a:rPr lang="es-ES" sz="900" dirty="0" err="1">
+                <a:solidFill>
+                  <a:srgbClr val="FFC000"/>
+                </a:solidFill>
+              </a:rPr>
+              <a:t>class</a:t>
+            </a:r>
+            <a:r>
+              <a:rPr lang="es-ES" sz="900" dirty="0">
+                <a:solidFill>
+                  <a:srgbClr val="FFC000"/>
+                </a:solidFill>
+              </a:rPr>
+              <a:t>="wcom-form-b4"&gt;</a:t>
+            </a:r>
+          </a:p>
+          <a:p>
+            <a:pPr marL="400050" lvl="1" indent="0">
+              <a:buNone/>
+            </a:pPr>
+            <a:r>
+              <a:rPr lang="es-ES" sz="900" dirty="0">
+                <a:solidFill>
+                  <a:srgbClr val="FFC000"/>
+                </a:solidFill>
+              </a:rPr>
+              <a:t>        &lt;div </a:t>
+            </a:r>
+            <a:r>
+              <a:rPr lang="es-ES" sz="900" dirty="0" err="1">
+                <a:solidFill>
+                  <a:srgbClr val="FFC000"/>
+                </a:solidFill>
+              </a:rPr>
+              <a:t>class</a:t>
+            </a:r>
+            <a:r>
+              <a:rPr lang="es-ES" sz="900" dirty="0">
+                <a:solidFill>
+                  <a:srgbClr val="FFC000"/>
+                </a:solidFill>
+              </a:rPr>
+              <a:t>="</a:t>
+            </a:r>
+            <a:r>
+              <a:rPr lang="es-ES" sz="900" dirty="0" err="1">
+                <a:solidFill>
+                  <a:srgbClr val="FFC000"/>
+                </a:solidFill>
+              </a:rPr>
+              <a:t>form-group</a:t>
+            </a:r>
+            <a:r>
+              <a:rPr lang="es-ES" sz="900" dirty="0">
+                <a:solidFill>
+                  <a:srgbClr val="FFC000"/>
+                </a:solidFill>
+              </a:rPr>
+              <a:t> col-12 col-sm-6"&gt;</a:t>
+            </a:r>
+          </a:p>
+          <a:p>
+            <a:pPr marL="400050" lvl="1" indent="0">
+              <a:buNone/>
+            </a:pPr>
+            <a:r>
+              <a:rPr lang="es-ES" sz="900" dirty="0">
+                <a:solidFill>
+                  <a:srgbClr val="FFC000"/>
+                </a:solidFill>
+              </a:rPr>
+              <a:t>            &lt;</a:t>
+            </a:r>
+            <a:r>
+              <a:rPr lang="es-ES" sz="900" dirty="0" err="1">
+                <a:solidFill>
+                  <a:srgbClr val="FFC000"/>
+                </a:solidFill>
+              </a:rPr>
+              <a:t>label</a:t>
+            </a:r>
+            <a:r>
+              <a:rPr lang="es-ES" sz="900" dirty="0">
+                <a:solidFill>
+                  <a:srgbClr val="FFC000"/>
+                </a:solidFill>
+              </a:rPr>
+              <a:t> </a:t>
+            </a:r>
+            <a:r>
+              <a:rPr lang="es-ES" sz="900" dirty="0" err="1">
+                <a:solidFill>
+                  <a:srgbClr val="FFC000"/>
+                </a:solidFill>
+              </a:rPr>
+              <a:t>for</a:t>
+            </a:r>
+            <a:r>
+              <a:rPr lang="es-ES" sz="900" dirty="0">
+                <a:solidFill>
+                  <a:srgbClr val="FFC000"/>
+                </a:solidFill>
+              </a:rPr>
+              <a:t>="ejemplo-fecha"&gt;Fecha&lt;/</a:t>
+            </a:r>
+            <a:r>
+              <a:rPr lang="es-ES" sz="900" dirty="0" err="1">
+                <a:solidFill>
+                  <a:srgbClr val="FFC000"/>
+                </a:solidFill>
+              </a:rPr>
+              <a:t>label</a:t>
+            </a:r>
+            <a:r>
+              <a:rPr lang="es-ES" sz="900" dirty="0">
+                <a:solidFill>
+                  <a:srgbClr val="FFC000"/>
+                </a:solidFill>
+              </a:rPr>
+              <a:t>&gt;</a:t>
+            </a:r>
+          </a:p>
+          <a:p>
+            <a:pPr marL="400050" lvl="1" indent="0">
+              <a:buNone/>
+            </a:pPr>
+            <a:r>
+              <a:rPr lang="es-ES" sz="900" dirty="0">
+                <a:solidFill>
+                  <a:srgbClr val="FFC000"/>
+                </a:solidFill>
+              </a:rPr>
+              <a:t>            &lt;input id="ejemplo-fecha" </a:t>
+            </a:r>
+            <a:r>
+              <a:rPr lang="es-ES" sz="900" dirty="0" err="1">
+                <a:solidFill>
+                  <a:srgbClr val="FFC000"/>
+                </a:solidFill>
+              </a:rPr>
+              <a:t>type</a:t>
+            </a:r>
+            <a:r>
+              <a:rPr lang="es-ES" sz="900" dirty="0">
+                <a:solidFill>
+                  <a:srgbClr val="FFC000"/>
+                </a:solidFill>
+              </a:rPr>
+              <a:t>="</a:t>
+            </a:r>
+            <a:r>
+              <a:rPr lang="es-ES" sz="900" dirty="0" err="1">
+                <a:solidFill>
+                  <a:srgbClr val="FFC000"/>
+                </a:solidFill>
+              </a:rPr>
+              <a:t>text</a:t>
+            </a:r>
+            <a:r>
+              <a:rPr lang="es-ES" sz="900" dirty="0">
+                <a:solidFill>
+                  <a:srgbClr val="FFC000"/>
+                </a:solidFill>
+              </a:rPr>
+              <a:t>" </a:t>
+            </a:r>
+            <a:r>
+              <a:rPr lang="es-ES" sz="900" dirty="0" err="1">
+                <a:solidFill>
+                  <a:srgbClr val="FFC000"/>
+                </a:solidFill>
+              </a:rPr>
+              <a:t>class</a:t>
+            </a:r>
+            <a:r>
+              <a:rPr lang="es-ES" sz="900" dirty="0">
+                <a:solidFill>
+                  <a:srgbClr val="FFC000"/>
+                </a:solidFill>
+              </a:rPr>
+              <a:t>="</a:t>
+            </a:r>
+            <a:r>
+              <a:rPr lang="es-ES" sz="900" dirty="0" err="1">
+                <a:solidFill>
+                  <a:srgbClr val="FFC000"/>
+                </a:solidFill>
+              </a:rPr>
+              <a:t>form</a:t>
+            </a:r>
+            <a:r>
+              <a:rPr lang="es-ES" sz="900" dirty="0">
+                <a:solidFill>
+                  <a:srgbClr val="FFC000"/>
+                </a:solidFill>
+              </a:rPr>
+              <a:t>-control inputs-</a:t>
+            </a:r>
+            <a:r>
+              <a:rPr lang="es-ES" sz="900" dirty="0" err="1">
+                <a:solidFill>
+                  <a:srgbClr val="FFC000"/>
+                </a:solidFill>
+              </a:rPr>
+              <a:t>form</a:t>
+            </a:r>
+            <a:r>
+              <a:rPr lang="es-ES" sz="900" dirty="0">
+                <a:solidFill>
+                  <a:srgbClr val="FFC000"/>
+                </a:solidFill>
+              </a:rPr>
+              <a:t> fecha" </a:t>
+            </a:r>
+            <a:r>
+              <a:rPr lang="es-ES" sz="900" dirty="0" err="1">
+                <a:solidFill>
+                  <a:srgbClr val="FFC000"/>
+                </a:solidFill>
+              </a:rPr>
+              <a:t>path</a:t>
+            </a:r>
+            <a:r>
+              <a:rPr lang="es-ES" sz="900" dirty="0">
+                <a:solidFill>
+                  <a:srgbClr val="FFC000"/>
+                </a:solidFill>
+              </a:rPr>
+              <a:t>="ejemplo-fecha"/&gt;</a:t>
+            </a:r>
+          </a:p>
+          <a:p>
+            <a:pPr marL="400050" lvl="1" indent="0">
+              <a:buNone/>
+            </a:pPr>
+            <a:r>
+              <a:rPr lang="es-ES" sz="900" dirty="0">
+                <a:solidFill>
+                  <a:srgbClr val="FFC000"/>
+                </a:solidFill>
+              </a:rPr>
+              <a:t>            &lt;</a:t>
+            </a:r>
+            <a:r>
+              <a:rPr lang="es-ES" sz="900" dirty="0" err="1">
+                <a:solidFill>
+                  <a:srgbClr val="FFC000"/>
+                </a:solidFill>
+              </a:rPr>
+              <a:t>span</a:t>
+            </a:r>
+            <a:r>
+              <a:rPr lang="es-ES" sz="900" dirty="0">
+                <a:solidFill>
+                  <a:srgbClr val="FFC000"/>
+                </a:solidFill>
+              </a:rPr>
+              <a:t> </a:t>
+            </a:r>
+            <a:r>
+              <a:rPr lang="es-ES" sz="900" dirty="0" err="1">
+                <a:solidFill>
+                  <a:srgbClr val="FFC000"/>
+                </a:solidFill>
+              </a:rPr>
+              <a:t>class</a:t>
+            </a:r>
+            <a:r>
+              <a:rPr lang="es-ES" sz="900" dirty="0">
+                <a:solidFill>
+                  <a:srgbClr val="FFC000"/>
+                </a:solidFill>
+              </a:rPr>
+              <a:t>="</a:t>
+            </a:r>
+            <a:r>
+              <a:rPr lang="es-ES" sz="900" dirty="0" err="1">
+                <a:solidFill>
+                  <a:srgbClr val="FFC000"/>
+                </a:solidFill>
+              </a:rPr>
+              <a:t>help</a:t>
+            </a:r>
+            <a:r>
+              <a:rPr lang="es-ES" sz="900" dirty="0">
+                <a:solidFill>
+                  <a:srgbClr val="FFC000"/>
+                </a:solidFill>
+              </a:rPr>
+              <a:t>-block"&gt;&lt;/</a:t>
+            </a:r>
+            <a:r>
+              <a:rPr lang="es-ES" sz="900" dirty="0" err="1">
+                <a:solidFill>
+                  <a:srgbClr val="FFC000"/>
+                </a:solidFill>
+              </a:rPr>
+              <a:t>span</a:t>
+            </a:r>
+            <a:r>
+              <a:rPr lang="es-ES" sz="900" dirty="0">
+                <a:solidFill>
+                  <a:srgbClr val="FFC000"/>
+                </a:solidFill>
+              </a:rPr>
+              <a:t>&gt;</a:t>
+            </a:r>
+          </a:p>
+          <a:p>
+            <a:pPr marL="400050" lvl="1" indent="0">
+              <a:buNone/>
+            </a:pPr>
+            <a:r>
+              <a:rPr lang="es-ES" sz="900" dirty="0">
+                <a:solidFill>
+                  <a:srgbClr val="FFC000"/>
+                </a:solidFill>
+              </a:rPr>
+              <a:t>        &lt;/div&gt;</a:t>
+            </a:r>
+          </a:p>
+          <a:p>
+            <a:pPr marL="400050" lvl="1" indent="0">
+              <a:buNone/>
+            </a:pPr>
+            <a:r>
+              <a:rPr lang="es-ES" sz="900" dirty="0">
+                <a:solidFill>
+                  <a:srgbClr val="FFC000"/>
+                </a:solidFill>
+              </a:rPr>
+              <a:t>&lt;/</a:t>
+            </a:r>
+            <a:r>
+              <a:rPr lang="es-ES" sz="900" dirty="0" err="1">
+                <a:solidFill>
+                  <a:srgbClr val="FFC000"/>
+                </a:solidFill>
+              </a:rPr>
+              <a:t>form</a:t>
+            </a:r>
+            <a:r>
+              <a:rPr lang="es-ES" sz="900" dirty="0">
+                <a:solidFill>
+                  <a:srgbClr val="FFC000"/>
+                </a:solidFill>
+              </a:rPr>
+              <a:t>&gt;</a:t>
+            </a:r>
           </a:p>
         </p:txBody>
       </p:sp>
@@ -11438,13 +11133,6 @@
   <p:clrMapOvr>
     <a:masterClrMapping/>
   </p:clrMapOvr>
-  <p:timing>
-    <p:tnLst>
-      <p:par>
-        <p:cTn id="1" dur="indefinite" restart="never" nodeType="tmRoot"/>
-      </p:par>
-    </p:tnLst>
-  </p:timing>
 </p:sld>
 </file>
 
@@ -11497,26 +11185,16 @@
           </a:p>
           <a:p>
             <a:r>
-              <a:rPr lang="es-ES" dirty="0" err="1" smtClean="0"/>
+              <a:rPr lang="es-ES" dirty="0" err="1"/>
               <a:t>Checks</a:t>
             </a:r>
             <a:r>
-              <a:rPr lang="es-ES" dirty="0" smtClean="0"/>
+              <a:rPr lang="es-ES" dirty="0"/>
               <a:t> y botones:</a:t>
             </a:r>
           </a:p>
           <a:p>
             <a:endParaRPr lang="es-ES" dirty="0"/>
-          </a:p>
-          <a:p>
-            <a:pPr marL="400050" lvl="1" indent="0">
-              <a:buNone/>
-            </a:pPr>
-            <a:endParaRPr lang="es-ES" sz="900" dirty="0" smtClean="0">
-              <a:solidFill>
-                <a:srgbClr val="FFC000"/>
-              </a:solidFill>
-            </a:endParaRPr>
           </a:p>
           <a:p>
             <a:pPr marL="400050" lvl="1" indent="0">
@@ -11532,823 +11210,820 @@
             <a:pPr marL="400050" lvl="1" indent="0">
               <a:buNone/>
             </a:pPr>
-            <a:r>
-              <a:rPr lang="es-ES" sz="900" dirty="0" smtClean="0">
-                <a:solidFill>
-                  <a:srgbClr val="FFC000"/>
-                </a:solidFill>
-              </a:rPr>
-              <a:t>&lt;</a:t>
-            </a:r>
-            <a:r>
-              <a:rPr lang="es-ES" sz="900" dirty="0" err="1">
-                <a:solidFill>
-                  <a:srgbClr val="FFC000"/>
-                </a:solidFill>
-              </a:rPr>
-              <a:t>form</a:t>
-            </a:r>
-            <a:r>
-              <a:rPr lang="es-ES" sz="900" dirty="0">
-                <a:solidFill>
-                  <a:srgbClr val="FFC000"/>
-                </a:solidFill>
-              </a:rPr>
-              <a:t> </a:t>
-            </a:r>
-            <a:r>
-              <a:rPr lang="es-ES" sz="900" dirty="0" err="1">
-                <a:solidFill>
-                  <a:srgbClr val="FFC000"/>
-                </a:solidFill>
-              </a:rPr>
-              <a:t>action</a:t>
-            </a:r>
-            <a:r>
-              <a:rPr lang="es-ES" sz="900" dirty="0">
-                <a:solidFill>
-                  <a:srgbClr val="FFC000"/>
-                </a:solidFill>
-              </a:rPr>
-              <a:t>="" </a:t>
-            </a:r>
-            <a:r>
-              <a:rPr lang="es-ES" sz="900" dirty="0" err="1">
-                <a:solidFill>
-                  <a:srgbClr val="FFC000"/>
-                </a:solidFill>
-              </a:rPr>
-              <a:t>class</a:t>
-            </a:r>
-            <a:r>
-              <a:rPr lang="es-ES" sz="900" dirty="0">
-                <a:solidFill>
-                  <a:srgbClr val="FFC000"/>
-                </a:solidFill>
-              </a:rPr>
-              <a:t>="wcom-form-b4"&gt;</a:t>
-            </a:r>
-          </a:p>
-          <a:p>
-            <a:pPr marL="400050" lvl="1" indent="0">
-              <a:buNone/>
-            </a:pPr>
-            <a:r>
-              <a:rPr lang="es-ES" sz="900" dirty="0">
-                <a:solidFill>
-                  <a:srgbClr val="FFC000"/>
-                </a:solidFill>
-              </a:rPr>
-              <a:t>        &lt;div </a:t>
-            </a:r>
-            <a:r>
-              <a:rPr lang="es-ES" sz="900" dirty="0" err="1">
-                <a:solidFill>
-                  <a:srgbClr val="FFC000"/>
-                </a:solidFill>
-              </a:rPr>
-              <a:t>class</a:t>
-            </a:r>
-            <a:r>
-              <a:rPr lang="es-ES" sz="900" dirty="0">
-                <a:solidFill>
-                  <a:srgbClr val="FFC000"/>
-                </a:solidFill>
-              </a:rPr>
-              <a:t>="</a:t>
-            </a:r>
-            <a:r>
-              <a:rPr lang="es-ES" sz="900" dirty="0" err="1">
-                <a:solidFill>
-                  <a:srgbClr val="FFC000"/>
-                </a:solidFill>
-              </a:rPr>
-              <a:t>form-group</a:t>
-            </a:r>
-            <a:r>
-              <a:rPr lang="es-ES" sz="900" dirty="0">
-                <a:solidFill>
-                  <a:srgbClr val="FFC000"/>
-                </a:solidFill>
-              </a:rPr>
-              <a:t> col-12 </a:t>
-            </a:r>
-            <a:r>
-              <a:rPr lang="es-ES" sz="900" dirty="0" err="1">
-                <a:solidFill>
-                  <a:srgbClr val="FFC000"/>
-                </a:solidFill>
-              </a:rPr>
-              <a:t>checkbox</a:t>
-            </a:r>
-            <a:r>
-              <a:rPr lang="es-ES" sz="900" dirty="0">
-                <a:solidFill>
-                  <a:srgbClr val="FFC000"/>
-                </a:solidFill>
-              </a:rPr>
-              <a:t> </a:t>
-            </a:r>
-            <a:r>
-              <a:rPr lang="es-ES" sz="900" dirty="0" err="1">
-                <a:solidFill>
-                  <a:srgbClr val="FFC000"/>
-                </a:solidFill>
-              </a:rPr>
-              <a:t>checkbox-inline</a:t>
-            </a:r>
-            <a:r>
-              <a:rPr lang="es-ES" sz="900" dirty="0">
-                <a:solidFill>
-                  <a:srgbClr val="FFC000"/>
-                </a:solidFill>
-              </a:rPr>
-              <a:t> tipo1"&gt;</a:t>
-            </a:r>
-          </a:p>
-          <a:p>
-            <a:pPr marL="400050" lvl="1" indent="0">
-              <a:buNone/>
-            </a:pPr>
-            <a:r>
-              <a:rPr lang="es-ES" sz="900" dirty="0">
-                <a:solidFill>
-                  <a:srgbClr val="FFC000"/>
-                </a:solidFill>
-              </a:rPr>
-              <a:t>            &lt;input id="ejemplo-check-tipo-1" </a:t>
-            </a:r>
-            <a:r>
-              <a:rPr lang="es-ES" sz="900" dirty="0" err="1">
-                <a:solidFill>
-                  <a:srgbClr val="FFC000"/>
-                </a:solidFill>
-              </a:rPr>
-              <a:t>name</a:t>
-            </a:r>
-            <a:r>
-              <a:rPr lang="es-ES" sz="900" dirty="0">
-                <a:solidFill>
-                  <a:srgbClr val="FFC000"/>
-                </a:solidFill>
-              </a:rPr>
-              <a:t>="ejemplo-check-tipo-1" </a:t>
-            </a:r>
-            <a:r>
-              <a:rPr lang="es-ES" sz="900" dirty="0" err="1">
-                <a:solidFill>
-                  <a:srgbClr val="FFC000"/>
-                </a:solidFill>
-              </a:rPr>
-              <a:t>type</a:t>
-            </a:r>
-            <a:r>
-              <a:rPr lang="es-ES" sz="900" dirty="0">
-                <a:solidFill>
-                  <a:srgbClr val="FFC000"/>
-                </a:solidFill>
-              </a:rPr>
-              <a:t>="</a:t>
-            </a:r>
-            <a:r>
-              <a:rPr lang="es-ES" sz="900" dirty="0" err="1">
-                <a:solidFill>
-                  <a:srgbClr val="FFC000"/>
-                </a:solidFill>
-              </a:rPr>
-              <a:t>checkbox</a:t>
-            </a:r>
-            <a:r>
-              <a:rPr lang="es-ES" sz="900" dirty="0">
-                <a:solidFill>
-                  <a:srgbClr val="FFC000"/>
-                </a:solidFill>
-              </a:rPr>
-              <a:t>" </a:t>
-            </a:r>
-            <a:r>
-              <a:rPr lang="es-ES" sz="900" dirty="0" err="1">
-                <a:solidFill>
-                  <a:srgbClr val="FFC000"/>
-                </a:solidFill>
-              </a:rPr>
-              <a:t>value</a:t>
-            </a:r>
-            <a:r>
-              <a:rPr lang="es-ES" sz="900" dirty="0">
-                <a:solidFill>
-                  <a:srgbClr val="FFC000"/>
-                </a:solidFill>
-              </a:rPr>
-              <a:t>="0"&gt;</a:t>
-            </a:r>
-          </a:p>
-          <a:p>
-            <a:pPr marL="400050" lvl="1" indent="0">
-              <a:buNone/>
-            </a:pPr>
-            <a:r>
-              <a:rPr lang="es-ES" sz="900" dirty="0">
-                <a:solidFill>
-                  <a:srgbClr val="FFC000"/>
-                </a:solidFill>
-              </a:rPr>
-              <a:t>            &lt;</a:t>
-            </a:r>
-            <a:r>
-              <a:rPr lang="es-ES" sz="900" dirty="0" err="1">
-                <a:solidFill>
-                  <a:srgbClr val="FFC000"/>
-                </a:solidFill>
-              </a:rPr>
-              <a:t>label</a:t>
-            </a:r>
-            <a:r>
-              <a:rPr lang="es-ES" sz="900" dirty="0">
-                <a:solidFill>
-                  <a:srgbClr val="FFC000"/>
-                </a:solidFill>
-              </a:rPr>
-              <a:t> </a:t>
-            </a:r>
-            <a:r>
-              <a:rPr lang="es-ES" sz="900" dirty="0" err="1">
-                <a:solidFill>
-                  <a:srgbClr val="FFC000"/>
-                </a:solidFill>
-              </a:rPr>
-              <a:t>for</a:t>
-            </a:r>
-            <a:r>
-              <a:rPr lang="es-ES" sz="900" dirty="0">
-                <a:solidFill>
-                  <a:srgbClr val="FFC000"/>
-                </a:solidFill>
-              </a:rPr>
-              <a:t>="ejemplo-check-tipo-1"&gt;Texto sin enlace(</a:t>
-            </a:r>
-            <a:r>
-              <a:rPr lang="es-ES" sz="900" dirty="0" err="1">
-                <a:solidFill>
-                  <a:srgbClr val="FFC000"/>
-                </a:solidFill>
-              </a:rPr>
-              <a:t>maquetacion</a:t>
-            </a:r>
-            <a:r>
-              <a:rPr lang="es-ES" sz="900" dirty="0">
-                <a:solidFill>
-                  <a:srgbClr val="FFC000"/>
-                </a:solidFill>
-              </a:rPr>
-              <a:t> "tipo1")&lt;/</a:t>
-            </a:r>
-            <a:r>
-              <a:rPr lang="es-ES" sz="900" dirty="0" err="1">
-                <a:solidFill>
-                  <a:srgbClr val="FFC000"/>
-                </a:solidFill>
-              </a:rPr>
-              <a:t>label</a:t>
-            </a:r>
-            <a:r>
-              <a:rPr lang="es-ES" sz="900" dirty="0">
-                <a:solidFill>
-                  <a:srgbClr val="FFC000"/>
-                </a:solidFill>
-              </a:rPr>
-              <a:t>&gt;</a:t>
-            </a:r>
-          </a:p>
-          <a:p>
-            <a:pPr marL="400050" lvl="1" indent="0">
-              <a:buNone/>
-            </a:pPr>
-            <a:r>
-              <a:rPr lang="es-ES" sz="900" dirty="0">
-                <a:solidFill>
-                  <a:srgbClr val="FFC000"/>
-                </a:solidFill>
-              </a:rPr>
-              <a:t>        &lt;/div&gt;</a:t>
-            </a:r>
-          </a:p>
-          <a:p>
-            <a:pPr marL="400050" lvl="1" indent="0">
-              <a:buNone/>
-            </a:pPr>
-            <a:r>
-              <a:rPr lang="es-ES" sz="900" dirty="0">
-                <a:solidFill>
-                  <a:srgbClr val="FFC000"/>
-                </a:solidFill>
-              </a:rPr>
-              <a:t>        &lt;div </a:t>
-            </a:r>
-            <a:r>
-              <a:rPr lang="es-ES" sz="900" dirty="0" err="1">
-                <a:solidFill>
-                  <a:srgbClr val="FFC000"/>
-                </a:solidFill>
-              </a:rPr>
-              <a:t>class</a:t>
-            </a:r>
-            <a:r>
-              <a:rPr lang="es-ES" sz="900" dirty="0">
-                <a:solidFill>
-                  <a:srgbClr val="FFC000"/>
-                </a:solidFill>
-              </a:rPr>
-              <a:t>="</a:t>
-            </a:r>
-            <a:r>
-              <a:rPr lang="es-ES" sz="900" dirty="0" err="1">
-                <a:solidFill>
-                  <a:srgbClr val="FFC000"/>
-                </a:solidFill>
-              </a:rPr>
-              <a:t>form-group</a:t>
-            </a:r>
-            <a:r>
-              <a:rPr lang="es-ES" sz="900" dirty="0">
-                <a:solidFill>
-                  <a:srgbClr val="FFC000"/>
-                </a:solidFill>
-              </a:rPr>
-              <a:t> col-12 </a:t>
-            </a:r>
-            <a:r>
-              <a:rPr lang="es-ES" sz="900" dirty="0" err="1">
-                <a:solidFill>
-                  <a:srgbClr val="FFC000"/>
-                </a:solidFill>
-              </a:rPr>
-              <a:t>checkbox</a:t>
-            </a:r>
-            <a:r>
-              <a:rPr lang="es-ES" sz="900" dirty="0">
-                <a:solidFill>
-                  <a:srgbClr val="FFC000"/>
-                </a:solidFill>
-              </a:rPr>
-              <a:t> </a:t>
-            </a:r>
-            <a:r>
-              <a:rPr lang="es-ES" sz="900" dirty="0" err="1">
-                <a:solidFill>
-                  <a:srgbClr val="FFC000"/>
-                </a:solidFill>
-              </a:rPr>
-              <a:t>checkbox-inline</a:t>
-            </a:r>
-            <a:r>
-              <a:rPr lang="es-ES" sz="900" dirty="0">
-                <a:solidFill>
-                  <a:srgbClr val="FFC000"/>
-                </a:solidFill>
-              </a:rPr>
-              <a:t> tipo2"&gt;</a:t>
-            </a:r>
-          </a:p>
-          <a:p>
-            <a:pPr marL="400050" lvl="1" indent="0">
-              <a:buNone/>
-            </a:pPr>
-            <a:r>
-              <a:rPr lang="es-ES" sz="900" dirty="0">
-                <a:solidFill>
-                  <a:srgbClr val="FFC000"/>
-                </a:solidFill>
-              </a:rPr>
-              <a:t>            &lt;input id="ejemplo-check-tipo-2" </a:t>
-            </a:r>
-            <a:r>
-              <a:rPr lang="es-ES" sz="900" dirty="0" err="1">
-                <a:solidFill>
-                  <a:srgbClr val="FFC000"/>
-                </a:solidFill>
-              </a:rPr>
-              <a:t>name</a:t>
-            </a:r>
-            <a:r>
-              <a:rPr lang="es-ES" sz="900" dirty="0">
-                <a:solidFill>
-                  <a:srgbClr val="FFC000"/>
-                </a:solidFill>
-              </a:rPr>
-              <a:t>="ejemplo-check-tipo-2" </a:t>
-            </a:r>
-            <a:r>
-              <a:rPr lang="es-ES" sz="900" dirty="0" err="1">
-                <a:solidFill>
-                  <a:srgbClr val="FFC000"/>
-                </a:solidFill>
-              </a:rPr>
-              <a:t>type</a:t>
-            </a:r>
-            <a:r>
-              <a:rPr lang="es-ES" sz="900" dirty="0">
-                <a:solidFill>
-                  <a:srgbClr val="FFC000"/>
-                </a:solidFill>
-              </a:rPr>
-              <a:t>="</a:t>
-            </a:r>
-            <a:r>
-              <a:rPr lang="es-ES" sz="900" dirty="0" err="1">
-                <a:solidFill>
-                  <a:srgbClr val="FFC000"/>
-                </a:solidFill>
-              </a:rPr>
-              <a:t>checkbox</a:t>
-            </a:r>
-            <a:r>
-              <a:rPr lang="es-ES" sz="900" dirty="0">
-                <a:solidFill>
-                  <a:srgbClr val="FFC000"/>
-                </a:solidFill>
-              </a:rPr>
-              <a:t>" </a:t>
-            </a:r>
-            <a:r>
-              <a:rPr lang="es-ES" sz="900" dirty="0" err="1">
-                <a:solidFill>
-                  <a:srgbClr val="FFC000"/>
-                </a:solidFill>
-              </a:rPr>
-              <a:t>value</a:t>
-            </a:r>
-            <a:r>
-              <a:rPr lang="es-ES" sz="900" dirty="0">
-                <a:solidFill>
-                  <a:srgbClr val="FFC000"/>
-                </a:solidFill>
-              </a:rPr>
-              <a:t>="0"&gt;</a:t>
-            </a:r>
-          </a:p>
-          <a:p>
-            <a:pPr marL="400050" lvl="1" indent="0">
-              <a:buNone/>
-            </a:pPr>
-            <a:r>
-              <a:rPr lang="es-ES" sz="900" dirty="0">
-                <a:solidFill>
-                  <a:srgbClr val="FFC000"/>
-                </a:solidFill>
-              </a:rPr>
-              <a:t>            &lt;</a:t>
-            </a:r>
-            <a:r>
-              <a:rPr lang="es-ES" sz="900" dirty="0" err="1">
-                <a:solidFill>
-                  <a:srgbClr val="FFC000"/>
-                </a:solidFill>
-              </a:rPr>
-              <a:t>label</a:t>
-            </a:r>
-            <a:r>
-              <a:rPr lang="es-ES" sz="900" dirty="0">
-                <a:solidFill>
-                  <a:srgbClr val="FFC000"/>
-                </a:solidFill>
-              </a:rPr>
-              <a:t> </a:t>
-            </a:r>
-            <a:r>
-              <a:rPr lang="es-ES" sz="900" dirty="0" err="1">
-                <a:solidFill>
-                  <a:srgbClr val="FFC000"/>
-                </a:solidFill>
-              </a:rPr>
-              <a:t>for</a:t>
-            </a:r>
-            <a:r>
-              <a:rPr lang="es-ES" sz="900" dirty="0">
-                <a:solidFill>
-                  <a:srgbClr val="FFC000"/>
-                </a:solidFill>
-              </a:rPr>
-              <a:t>="ejemplo-check-tipo-2"&gt;Texto con &lt;a </a:t>
-            </a:r>
-            <a:r>
-              <a:rPr lang="es-ES" sz="900" dirty="0" err="1">
-                <a:solidFill>
-                  <a:srgbClr val="FFC000"/>
-                </a:solidFill>
-              </a:rPr>
-              <a:t>href</a:t>
-            </a:r>
-            <a:r>
-              <a:rPr lang="es-ES" sz="900" dirty="0">
-                <a:solidFill>
-                  <a:srgbClr val="FFC000"/>
-                </a:solidFill>
-              </a:rPr>
-              <a:t>="#" target="_</a:t>
-            </a:r>
-            <a:r>
-              <a:rPr lang="es-ES" sz="900" dirty="0" err="1">
-                <a:solidFill>
-                  <a:srgbClr val="FFC000"/>
-                </a:solidFill>
-              </a:rPr>
-              <a:t>blank</a:t>
-            </a:r>
-            <a:r>
-              <a:rPr lang="es-ES" sz="900" dirty="0">
-                <a:solidFill>
-                  <a:srgbClr val="FFC000"/>
-                </a:solidFill>
-              </a:rPr>
-              <a:t>"&gt;enlace&lt;/a&gt;(</a:t>
-            </a:r>
-            <a:r>
-              <a:rPr lang="es-ES" sz="900" dirty="0" err="1">
-                <a:solidFill>
-                  <a:srgbClr val="FFC000"/>
-                </a:solidFill>
-              </a:rPr>
-              <a:t>maquetacion</a:t>
-            </a:r>
-            <a:r>
-              <a:rPr lang="es-ES" sz="900" dirty="0">
-                <a:solidFill>
-                  <a:srgbClr val="FFC000"/>
-                </a:solidFill>
-              </a:rPr>
-              <a:t> "tipo2")&lt;/</a:t>
-            </a:r>
-            <a:r>
-              <a:rPr lang="es-ES" sz="900" dirty="0" err="1">
-                <a:solidFill>
-                  <a:srgbClr val="FFC000"/>
-                </a:solidFill>
-              </a:rPr>
-              <a:t>label</a:t>
-            </a:r>
-            <a:r>
-              <a:rPr lang="es-ES" sz="900" dirty="0">
-                <a:solidFill>
-                  <a:srgbClr val="FFC000"/>
-                </a:solidFill>
-              </a:rPr>
-              <a:t>&gt;</a:t>
-            </a:r>
-          </a:p>
-          <a:p>
-            <a:pPr marL="400050" lvl="1" indent="0">
-              <a:buNone/>
-            </a:pPr>
-            <a:r>
-              <a:rPr lang="es-ES" sz="900" dirty="0">
-                <a:solidFill>
-                  <a:srgbClr val="FFC000"/>
-                </a:solidFill>
-              </a:rPr>
-              <a:t>        &lt;/div&gt;</a:t>
-            </a:r>
-          </a:p>
-          <a:p>
-            <a:pPr marL="400050" lvl="1" indent="0">
-              <a:buNone/>
-            </a:pPr>
-            <a:r>
-              <a:rPr lang="es-ES" sz="900" dirty="0">
-                <a:solidFill>
-                  <a:srgbClr val="FFC000"/>
-                </a:solidFill>
-              </a:rPr>
-              <a:t>        &lt;a </a:t>
-            </a:r>
-            <a:r>
-              <a:rPr lang="es-ES" sz="900" dirty="0" err="1">
-                <a:solidFill>
-                  <a:srgbClr val="FFC000"/>
-                </a:solidFill>
-              </a:rPr>
-              <a:t>href</a:t>
-            </a:r>
-            <a:r>
-              <a:rPr lang="es-ES" sz="900" dirty="0">
-                <a:solidFill>
-                  <a:srgbClr val="FFC000"/>
-                </a:solidFill>
-              </a:rPr>
-              <a:t>="#" id="" </a:t>
-            </a:r>
-            <a:r>
-              <a:rPr lang="es-ES" sz="900" dirty="0" err="1">
-                <a:solidFill>
-                  <a:srgbClr val="FFC000"/>
-                </a:solidFill>
-              </a:rPr>
-              <a:t>class</a:t>
-            </a:r>
-            <a:r>
-              <a:rPr lang="es-ES" sz="900" dirty="0">
-                <a:solidFill>
-                  <a:srgbClr val="FFC000"/>
-                </a:solidFill>
-              </a:rPr>
-              <a:t>="</a:t>
-            </a:r>
-            <a:r>
-              <a:rPr lang="es-ES" sz="900" dirty="0" err="1">
-                <a:solidFill>
-                  <a:srgbClr val="FFC000"/>
-                </a:solidFill>
-              </a:rPr>
-              <a:t>btn</a:t>
-            </a:r>
-            <a:r>
-              <a:rPr lang="es-ES" sz="900" dirty="0">
-                <a:solidFill>
-                  <a:srgbClr val="FFC000"/>
-                </a:solidFill>
-              </a:rPr>
-              <a:t> </a:t>
-            </a:r>
-            <a:r>
-              <a:rPr lang="es-ES" sz="900" dirty="0" err="1">
-                <a:solidFill>
-                  <a:srgbClr val="FFC000"/>
-                </a:solidFill>
-              </a:rPr>
-              <a:t>btn-generic</a:t>
-            </a:r>
-            <a:r>
-              <a:rPr lang="es-ES" sz="900" dirty="0">
-                <a:solidFill>
-                  <a:srgbClr val="FFC000"/>
-                </a:solidFill>
-              </a:rPr>
-              <a:t> </a:t>
-            </a:r>
-            <a:r>
-              <a:rPr lang="es-ES" sz="900" dirty="0" err="1">
-                <a:solidFill>
-                  <a:srgbClr val="FFC000"/>
-                </a:solidFill>
-              </a:rPr>
-              <a:t>btn-generic-orange-trans</a:t>
-            </a:r>
-            <a:r>
-              <a:rPr lang="es-ES" sz="900" dirty="0">
-                <a:solidFill>
-                  <a:srgbClr val="FFC000"/>
-                </a:solidFill>
-              </a:rPr>
-              <a:t> </a:t>
-            </a:r>
-            <a:r>
-              <a:rPr lang="es-ES" sz="900" dirty="0" err="1">
-                <a:solidFill>
-                  <a:srgbClr val="FFC000"/>
-                </a:solidFill>
-              </a:rPr>
-              <a:t>btn</a:t>
-            </a:r>
-            <a:r>
-              <a:rPr lang="es-ES" sz="900" dirty="0">
-                <a:solidFill>
-                  <a:srgbClr val="FFC000"/>
-                </a:solidFill>
-              </a:rPr>
-              <a:t>-sin-flecha"&gt;</a:t>
-            </a:r>
-          </a:p>
-          <a:p>
-            <a:pPr marL="400050" lvl="1" indent="0">
-              <a:buNone/>
-            </a:pPr>
-            <a:r>
-              <a:rPr lang="es-ES" sz="900" dirty="0">
-                <a:solidFill>
-                  <a:srgbClr val="FFC000"/>
-                </a:solidFill>
-              </a:rPr>
-              <a:t>            &lt;</a:t>
-            </a:r>
-            <a:r>
-              <a:rPr lang="es-ES" sz="900" dirty="0" err="1">
-                <a:solidFill>
-                  <a:srgbClr val="FFC000"/>
-                </a:solidFill>
-              </a:rPr>
-              <a:t>span</a:t>
-            </a:r>
-            <a:r>
-              <a:rPr lang="es-ES" sz="900" dirty="0">
-                <a:solidFill>
-                  <a:srgbClr val="FFC000"/>
-                </a:solidFill>
-              </a:rPr>
-              <a:t>&gt;</a:t>
-            </a:r>
-            <a:r>
-              <a:rPr lang="es-ES" sz="900" dirty="0" err="1">
-                <a:solidFill>
-                  <a:srgbClr val="FFC000"/>
-                </a:solidFill>
-              </a:rPr>
-              <a:t>btn</a:t>
-            </a:r>
-            <a:r>
-              <a:rPr lang="es-ES" sz="900" dirty="0">
-                <a:solidFill>
-                  <a:srgbClr val="FFC000"/>
-                </a:solidFill>
-              </a:rPr>
-              <a:t> </a:t>
-            </a:r>
-            <a:r>
-              <a:rPr lang="es-ES" sz="900" dirty="0" err="1">
-                <a:solidFill>
-                  <a:srgbClr val="FFC000"/>
-                </a:solidFill>
-              </a:rPr>
-              <a:t>trans</a:t>
-            </a:r>
-            <a:r>
-              <a:rPr lang="es-ES" sz="900" dirty="0">
-                <a:solidFill>
-                  <a:srgbClr val="FFC000"/>
-                </a:solidFill>
-              </a:rPr>
-              <a:t>&lt;/</a:t>
-            </a:r>
-            <a:r>
-              <a:rPr lang="es-ES" sz="900" dirty="0" err="1">
-                <a:solidFill>
-                  <a:srgbClr val="FFC000"/>
-                </a:solidFill>
-              </a:rPr>
-              <a:t>span</a:t>
-            </a:r>
-            <a:r>
-              <a:rPr lang="es-ES" sz="900" dirty="0">
-                <a:solidFill>
-                  <a:srgbClr val="FFC000"/>
-                </a:solidFill>
-              </a:rPr>
-              <a:t>&gt;</a:t>
-            </a:r>
-          </a:p>
-          <a:p>
-            <a:pPr marL="400050" lvl="1" indent="0">
-              <a:buNone/>
-            </a:pPr>
-            <a:r>
-              <a:rPr lang="es-ES" sz="900" dirty="0">
-                <a:solidFill>
-                  <a:srgbClr val="FFC000"/>
-                </a:solidFill>
-              </a:rPr>
-              <a:t>        &lt;/a</a:t>
-            </a:r>
-            <a:r>
-              <a:rPr lang="es-ES" sz="900" dirty="0" smtClean="0">
-                <a:solidFill>
-                  <a:srgbClr val="FFC000"/>
-                </a:solidFill>
-              </a:rPr>
-              <a:t>&gt;</a:t>
-            </a:r>
-          </a:p>
-          <a:p>
-            <a:pPr marL="400050" lvl="1" indent="0">
-              <a:buNone/>
-            </a:pPr>
-            <a:r>
-              <a:rPr lang="es-ES" sz="900" dirty="0" smtClean="0">
-                <a:solidFill>
-                  <a:srgbClr val="FFC000"/>
-                </a:solidFill>
-              </a:rPr>
-              <a:t>&lt;/</a:t>
-            </a:r>
-            <a:r>
-              <a:rPr lang="es-ES" sz="900" dirty="0" err="1" smtClean="0">
-                <a:solidFill>
-                  <a:srgbClr val="FFC000"/>
-                </a:solidFill>
-              </a:rPr>
-              <a:t>form</a:t>
-            </a:r>
-            <a:r>
-              <a:rPr lang="es-ES" sz="900" dirty="0" smtClean="0">
-                <a:solidFill>
-                  <a:srgbClr val="FFC000"/>
-                </a:solidFill>
-              </a:rPr>
-              <a:t>&gt;</a:t>
-            </a:r>
             <a:endParaRPr lang="es-ES" sz="900" dirty="0">
               <a:solidFill>
                 <a:srgbClr val="FFC000"/>
               </a:solidFill>
             </a:endParaRPr>
+          </a:p>
+          <a:p>
+            <a:pPr marL="400050" lvl="1" indent="0">
+              <a:buNone/>
+            </a:pPr>
+            <a:r>
+              <a:rPr lang="es-ES" sz="900" dirty="0">
+                <a:solidFill>
+                  <a:srgbClr val="FFC000"/>
+                </a:solidFill>
+              </a:rPr>
+              <a:t>&lt;</a:t>
+            </a:r>
+            <a:r>
+              <a:rPr lang="es-ES" sz="900" dirty="0" err="1">
+                <a:solidFill>
+                  <a:srgbClr val="FFC000"/>
+                </a:solidFill>
+              </a:rPr>
+              <a:t>form</a:t>
+            </a:r>
+            <a:r>
+              <a:rPr lang="es-ES" sz="900" dirty="0">
+                <a:solidFill>
+                  <a:srgbClr val="FFC000"/>
+                </a:solidFill>
+              </a:rPr>
+              <a:t> </a:t>
+            </a:r>
+            <a:r>
+              <a:rPr lang="es-ES" sz="900" dirty="0" err="1">
+                <a:solidFill>
+                  <a:srgbClr val="FFC000"/>
+                </a:solidFill>
+              </a:rPr>
+              <a:t>action</a:t>
+            </a:r>
+            <a:r>
+              <a:rPr lang="es-ES" sz="900" dirty="0">
+                <a:solidFill>
+                  <a:srgbClr val="FFC000"/>
+                </a:solidFill>
+              </a:rPr>
+              <a:t>="" </a:t>
+            </a:r>
+            <a:r>
+              <a:rPr lang="es-ES" sz="900" dirty="0" err="1">
+                <a:solidFill>
+                  <a:srgbClr val="FFC000"/>
+                </a:solidFill>
+              </a:rPr>
+              <a:t>class</a:t>
+            </a:r>
+            <a:r>
+              <a:rPr lang="es-ES" sz="900" dirty="0">
+                <a:solidFill>
+                  <a:srgbClr val="FFC000"/>
+                </a:solidFill>
+              </a:rPr>
+              <a:t>="wcom-form-b4"&gt;</a:t>
+            </a:r>
+          </a:p>
+          <a:p>
+            <a:pPr marL="400050" lvl="1" indent="0">
+              <a:buNone/>
+            </a:pPr>
+            <a:r>
+              <a:rPr lang="es-ES" sz="900" dirty="0">
+                <a:solidFill>
+                  <a:srgbClr val="FFC000"/>
+                </a:solidFill>
+              </a:rPr>
+              <a:t>        &lt;div </a:t>
+            </a:r>
+            <a:r>
+              <a:rPr lang="es-ES" sz="900" dirty="0" err="1">
+                <a:solidFill>
+                  <a:srgbClr val="FFC000"/>
+                </a:solidFill>
+              </a:rPr>
+              <a:t>class</a:t>
+            </a:r>
+            <a:r>
+              <a:rPr lang="es-ES" sz="900" dirty="0">
+                <a:solidFill>
+                  <a:srgbClr val="FFC000"/>
+                </a:solidFill>
+              </a:rPr>
+              <a:t>="</a:t>
+            </a:r>
+            <a:r>
+              <a:rPr lang="es-ES" sz="900" dirty="0" err="1">
+                <a:solidFill>
+                  <a:srgbClr val="FFC000"/>
+                </a:solidFill>
+              </a:rPr>
+              <a:t>form-group</a:t>
+            </a:r>
+            <a:r>
+              <a:rPr lang="es-ES" sz="900" dirty="0">
+                <a:solidFill>
+                  <a:srgbClr val="FFC000"/>
+                </a:solidFill>
+              </a:rPr>
+              <a:t> col-12 </a:t>
+            </a:r>
+            <a:r>
+              <a:rPr lang="es-ES" sz="900" dirty="0" err="1">
+                <a:solidFill>
+                  <a:srgbClr val="FFC000"/>
+                </a:solidFill>
+              </a:rPr>
+              <a:t>checkbox</a:t>
+            </a:r>
+            <a:r>
+              <a:rPr lang="es-ES" sz="900" dirty="0">
+                <a:solidFill>
+                  <a:srgbClr val="FFC000"/>
+                </a:solidFill>
+              </a:rPr>
+              <a:t> </a:t>
+            </a:r>
+            <a:r>
+              <a:rPr lang="es-ES" sz="900" dirty="0" err="1">
+                <a:solidFill>
+                  <a:srgbClr val="FFC000"/>
+                </a:solidFill>
+              </a:rPr>
+              <a:t>checkbox-inline</a:t>
+            </a:r>
+            <a:r>
+              <a:rPr lang="es-ES" sz="900" dirty="0">
+                <a:solidFill>
+                  <a:srgbClr val="FFC000"/>
+                </a:solidFill>
+              </a:rPr>
+              <a:t> tipo1"&gt;</a:t>
+            </a:r>
+          </a:p>
+          <a:p>
+            <a:pPr marL="400050" lvl="1" indent="0">
+              <a:buNone/>
+            </a:pPr>
+            <a:r>
+              <a:rPr lang="es-ES" sz="900" dirty="0">
+                <a:solidFill>
+                  <a:srgbClr val="FFC000"/>
+                </a:solidFill>
+              </a:rPr>
+              <a:t>            &lt;input id="ejemplo-check-tipo-1" </a:t>
+            </a:r>
+            <a:r>
+              <a:rPr lang="es-ES" sz="900" dirty="0" err="1">
+                <a:solidFill>
+                  <a:srgbClr val="FFC000"/>
+                </a:solidFill>
+              </a:rPr>
+              <a:t>name</a:t>
+            </a:r>
+            <a:r>
+              <a:rPr lang="es-ES" sz="900" dirty="0">
+                <a:solidFill>
+                  <a:srgbClr val="FFC000"/>
+                </a:solidFill>
+              </a:rPr>
+              <a:t>="ejemplo-check-tipo-1" </a:t>
+            </a:r>
+            <a:r>
+              <a:rPr lang="es-ES" sz="900" dirty="0" err="1">
+                <a:solidFill>
+                  <a:srgbClr val="FFC000"/>
+                </a:solidFill>
+              </a:rPr>
+              <a:t>type</a:t>
+            </a:r>
+            <a:r>
+              <a:rPr lang="es-ES" sz="900" dirty="0">
+                <a:solidFill>
+                  <a:srgbClr val="FFC000"/>
+                </a:solidFill>
+              </a:rPr>
+              <a:t>="</a:t>
+            </a:r>
+            <a:r>
+              <a:rPr lang="es-ES" sz="900" dirty="0" err="1">
+                <a:solidFill>
+                  <a:srgbClr val="FFC000"/>
+                </a:solidFill>
+              </a:rPr>
+              <a:t>checkbox</a:t>
+            </a:r>
+            <a:r>
+              <a:rPr lang="es-ES" sz="900" dirty="0">
+                <a:solidFill>
+                  <a:srgbClr val="FFC000"/>
+                </a:solidFill>
+              </a:rPr>
+              <a:t>" </a:t>
+            </a:r>
+            <a:r>
+              <a:rPr lang="es-ES" sz="900" dirty="0" err="1">
+                <a:solidFill>
+                  <a:srgbClr val="FFC000"/>
+                </a:solidFill>
+              </a:rPr>
+              <a:t>value</a:t>
+            </a:r>
+            <a:r>
+              <a:rPr lang="es-ES" sz="900" dirty="0">
+                <a:solidFill>
+                  <a:srgbClr val="FFC000"/>
+                </a:solidFill>
+              </a:rPr>
+              <a:t>="0"&gt;</a:t>
+            </a:r>
+          </a:p>
+          <a:p>
+            <a:pPr marL="400050" lvl="1" indent="0">
+              <a:buNone/>
+            </a:pPr>
+            <a:r>
+              <a:rPr lang="es-ES" sz="900" dirty="0">
+                <a:solidFill>
+                  <a:srgbClr val="FFC000"/>
+                </a:solidFill>
+              </a:rPr>
+              <a:t>            &lt;</a:t>
+            </a:r>
+            <a:r>
+              <a:rPr lang="es-ES" sz="900" dirty="0" err="1">
+                <a:solidFill>
+                  <a:srgbClr val="FFC000"/>
+                </a:solidFill>
+              </a:rPr>
+              <a:t>label</a:t>
+            </a:r>
+            <a:r>
+              <a:rPr lang="es-ES" sz="900" dirty="0">
+                <a:solidFill>
+                  <a:srgbClr val="FFC000"/>
+                </a:solidFill>
+              </a:rPr>
+              <a:t> </a:t>
+            </a:r>
+            <a:r>
+              <a:rPr lang="es-ES" sz="900" dirty="0" err="1">
+                <a:solidFill>
+                  <a:srgbClr val="FFC000"/>
+                </a:solidFill>
+              </a:rPr>
+              <a:t>for</a:t>
+            </a:r>
+            <a:r>
+              <a:rPr lang="es-ES" sz="900" dirty="0">
+                <a:solidFill>
+                  <a:srgbClr val="FFC000"/>
+                </a:solidFill>
+              </a:rPr>
+              <a:t>="ejemplo-check-tipo-1"&gt;Texto sin enlace(</a:t>
+            </a:r>
+            <a:r>
+              <a:rPr lang="es-ES" sz="900" dirty="0" err="1">
+                <a:solidFill>
+                  <a:srgbClr val="FFC000"/>
+                </a:solidFill>
+              </a:rPr>
+              <a:t>maquetacion</a:t>
+            </a:r>
+            <a:r>
+              <a:rPr lang="es-ES" sz="900" dirty="0">
+                <a:solidFill>
+                  <a:srgbClr val="FFC000"/>
+                </a:solidFill>
+              </a:rPr>
+              <a:t> "tipo1")&lt;/</a:t>
+            </a:r>
+            <a:r>
+              <a:rPr lang="es-ES" sz="900" dirty="0" err="1">
+                <a:solidFill>
+                  <a:srgbClr val="FFC000"/>
+                </a:solidFill>
+              </a:rPr>
+              <a:t>label</a:t>
+            </a:r>
+            <a:r>
+              <a:rPr lang="es-ES" sz="900" dirty="0">
+                <a:solidFill>
+                  <a:srgbClr val="FFC000"/>
+                </a:solidFill>
+              </a:rPr>
+              <a:t>&gt;</a:t>
+            </a:r>
+          </a:p>
+          <a:p>
+            <a:pPr marL="400050" lvl="1" indent="0">
+              <a:buNone/>
+            </a:pPr>
+            <a:r>
+              <a:rPr lang="es-ES" sz="900" dirty="0">
+                <a:solidFill>
+                  <a:srgbClr val="FFC000"/>
+                </a:solidFill>
+              </a:rPr>
+              <a:t>        &lt;/div&gt;</a:t>
+            </a:r>
+          </a:p>
+          <a:p>
+            <a:pPr marL="400050" lvl="1" indent="0">
+              <a:buNone/>
+            </a:pPr>
+            <a:r>
+              <a:rPr lang="es-ES" sz="900" dirty="0">
+                <a:solidFill>
+                  <a:srgbClr val="FFC000"/>
+                </a:solidFill>
+              </a:rPr>
+              <a:t>        &lt;div </a:t>
+            </a:r>
+            <a:r>
+              <a:rPr lang="es-ES" sz="900" dirty="0" err="1">
+                <a:solidFill>
+                  <a:srgbClr val="FFC000"/>
+                </a:solidFill>
+              </a:rPr>
+              <a:t>class</a:t>
+            </a:r>
+            <a:r>
+              <a:rPr lang="es-ES" sz="900" dirty="0">
+                <a:solidFill>
+                  <a:srgbClr val="FFC000"/>
+                </a:solidFill>
+              </a:rPr>
+              <a:t>="</a:t>
+            </a:r>
+            <a:r>
+              <a:rPr lang="es-ES" sz="900" dirty="0" err="1">
+                <a:solidFill>
+                  <a:srgbClr val="FFC000"/>
+                </a:solidFill>
+              </a:rPr>
+              <a:t>form-group</a:t>
+            </a:r>
+            <a:r>
+              <a:rPr lang="es-ES" sz="900" dirty="0">
+                <a:solidFill>
+                  <a:srgbClr val="FFC000"/>
+                </a:solidFill>
+              </a:rPr>
+              <a:t> col-12 </a:t>
+            </a:r>
+            <a:r>
+              <a:rPr lang="es-ES" sz="900" dirty="0" err="1">
+                <a:solidFill>
+                  <a:srgbClr val="FFC000"/>
+                </a:solidFill>
+              </a:rPr>
+              <a:t>checkbox</a:t>
+            </a:r>
+            <a:r>
+              <a:rPr lang="es-ES" sz="900" dirty="0">
+                <a:solidFill>
+                  <a:srgbClr val="FFC000"/>
+                </a:solidFill>
+              </a:rPr>
+              <a:t> </a:t>
+            </a:r>
+            <a:r>
+              <a:rPr lang="es-ES" sz="900" dirty="0" err="1">
+                <a:solidFill>
+                  <a:srgbClr val="FFC000"/>
+                </a:solidFill>
+              </a:rPr>
+              <a:t>checkbox-inline</a:t>
+            </a:r>
+            <a:r>
+              <a:rPr lang="es-ES" sz="900" dirty="0">
+                <a:solidFill>
+                  <a:srgbClr val="FFC000"/>
+                </a:solidFill>
+              </a:rPr>
+              <a:t> tipo2"&gt;</a:t>
+            </a:r>
+          </a:p>
+          <a:p>
+            <a:pPr marL="400050" lvl="1" indent="0">
+              <a:buNone/>
+            </a:pPr>
+            <a:r>
+              <a:rPr lang="es-ES" sz="900" dirty="0">
+                <a:solidFill>
+                  <a:srgbClr val="FFC000"/>
+                </a:solidFill>
+              </a:rPr>
+              <a:t>            &lt;input id="ejemplo-check-tipo-2" </a:t>
+            </a:r>
+            <a:r>
+              <a:rPr lang="es-ES" sz="900" dirty="0" err="1">
+                <a:solidFill>
+                  <a:srgbClr val="FFC000"/>
+                </a:solidFill>
+              </a:rPr>
+              <a:t>name</a:t>
+            </a:r>
+            <a:r>
+              <a:rPr lang="es-ES" sz="900" dirty="0">
+                <a:solidFill>
+                  <a:srgbClr val="FFC000"/>
+                </a:solidFill>
+              </a:rPr>
+              <a:t>="ejemplo-check-tipo-2" </a:t>
+            </a:r>
+            <a:r>
+              <a:rPr lang="es-ES" sz="900" dirty="0" err="1">
+                <a:solidFill>
+                  <a:srgbClr val="FFC000"/>
+                </a:solidFill>
+              </a:rPr>
+              <a:t>type</a:t>
+            </a:r>
+            <a:r>
+              <a:rPr lang="es-ES" sz="900" dirty="0">
+                <a:solidFill>
+                  <a:srgbClr val="FFC000"/>
+                </a:solidFill>
+              </a:rPr>
+              <a:t>="</a:t>
+            </a:r>
+            <a:r>
+              <a:rPr lang="es-ES" sz="900" dirty="0" err="1">
+                <a:solidFill>
+                  <a:srgbClr val="FFC000"/>
+                </a:solidFill>
+              </a:rPr>
+              <a:t>checkbox</a:t>
+            </a:r>
+            <a:r>
+              <a:rPr lang="es-ES" sz="900" dirty="0">
+                <a:solidFill>
+                  <a:srgbClr val="FFC000"/>
+                </a:solidFill>
+              </a:rPr>
+              <a:t>" </a:t>
+            </a:r>
+            <a:r>
+              <a:rPr lang="es-ES" sz="900" dirty="0" err="1">
+                <a:solidFill>
+                  <a:srgbClr val="FFC000"/>
+                </a:solidFill>
+              </a:rPr>
+              <a:t>value</a:t>
+            </a:r>
+            <a:r>
+              <a:rPr lang="es-ES" sz="900" dirty="0">
+                <a:solidFill>
+                  <a:srgbClr val="FFC000"/>
+                </a:solidFill>
+              </a:rPr>
+              <a:t>="0"&gt;</a:t>
+            </a:r>
+          </a:p>
+          <a:p>
+            <a:pPr marL="400050" lvl="1" indent="0">
+              <a:buNone/>
+            </a:pPr>
+            <a:r>
+              <a:rPr lang="es-ES" sz="900" dirty="0">
+                <a:solidFill>
+                  <a:srgbClr val="FFC000"/>
+                </a:solidFill>
+              </a:rPr>
+              <a:t>            &lt;</a:t>
+            </a:r>
+            <a:r>
+              <a:rPr lang="es-ES" sz="900" dirty="0" err="1">
+                <a:solidFill>
+                  <a:srgbClr val="FFC000"/>
+                </a:solidFill>
+              </a:rPr>
+              <a:t>label</a:t>
+            </a:r>
+            <a:r>
+              <a:rPr lang="es-ES" sz="900" dirty="0">
+                <a:solidFill>
+                  <a:srgbClr val="FFC000"/>
+                </a:solidFill>
+              </a:rPr>
+              <a:t> </a:t>
+            </a:r>
+            <a:r>
+              <a:rPr lang="es-ES" sz="900" dirty="0" err="1">
+                <a:solidFill>
+                  <a:srgbClr val="FFC000"/>
+                </a:solidFill>
+              </a:rPr>
+              <a:t>for</a:t>
+            </a:r>
+            <a:r>
+              <a:rPr lang="es-ES" sz="900" dirty="0">
+                <a:solidFill>
+                  <a:srgbClr val="FFC000"/>
+                </a:solidFill>
+              </a:rPr>
+              <a:t>="ejemplo-check-tipo-2"&gt;Texto con &lt;a </a:t>
+            </a:r>
+            <a:r>
+              <a:rPr lang="es-ES" sz="900" dirty="0" err="1">
+                <a:solidFill>
+                  <a:srgbClr val="FFC000"/>
+                </a:solidFill>
+              </a:rPr>
+              <a:t>href</a:t>
+            </a:r>
+            <a:r>
+              <a:rPr lang="es-ES" sz="900" dirty="0">
+                <a:solidFill>
+                  <a:srgbClr val="FFC000"/>
+                </a:solidFill>
+              </a:rPr>
+              <a:t>="#" target="_</a:t>
+            </a:r>
+            <a:r>
+              <a:rPr lang="es-ES" sz="900" dirty="0" err="1">
+                <a:solidFill>
+                  <a:srgbClr val="FFC000"/>
+                </a:solidFill>
+              </a:rPr>
+              <a:t>blank</a:t>
+            </a:r>
+            <a:r>
+              <a:rPr lang="es-ES" sz="900" dirty="0">
+                <a:solidFill>
+                  <a:srgbClr val="FFC000"/>
+                </a:solidFill>
+              </a:rPr>
+              <a:t>"&gt;enlace&lt;/a&gt;(</a:t>
+            </a:r>
+            <a:r>
+              <a:rPr lang="es-ES" sz="900" dirty="0" err="1">
+                <a:solidFill>
+                  <a:srgbClr val="FFC000"/>
+                </a:solidFill>
+              </a:rPr>
+              <a:t>maquetacion</a:t>
+            </a:r>
+            <a:r>
+              <a:rPr lang="es-ES" sz="900" dirty="0">
+                <a:solidFill>
+                  <a:srgbClr val="FFC000"/>
+                </a:solidFill>
+              </a:rPr>
+              <a:t> "tipo2")&lt;/</a:t>
+            </a:r>
+            <a:r>
+              <a:rPr lang="es-ES" sz="900" dirty="0" err="1">
+                <a:solidFill>
+                  <a:srgbClr val="FFC000"/>
+                </a:solidFill>
+              </a:rPr>
+              <a:t>label</a:t>
+            </a:r>
+            <a:r>
+              <a:rPr lang="es-ES" sz="900" dirty="0">
+                <a:solidFill>
+                  <a:srgbClr val="FFC000"/>
+                </a:solidFill>
+              </a:rPr>
+              <a:t>&gt;</a:t>
+            </a:r>
+          </a:p>
+          <a:p>
+            <a:pPr marL="400050" lvl="1" indent="0">
+              <a:buNone/>
+            </a:pPr>
+            <a:r>
+              <a:rPr lang="es-ES" sz="900" dirty="0">
+                <a:solidFill>
+                  <a:srgbClr val="FFC000"/>
+                </a:solidFill>
+              </a:rPr>
+              <a:t>        &lt;/div&gt;</a:t>
+            </a:r>
+          </a:p>
+          <a:p>
+            <a:pPr marL="400050" lvl="1" indent="0">
+              <a:buNone/>
+            </a:pPr>
+            <a:r>
+              <a:rPr lang="es-ES" sz="900" dirty="0">
+                <a:solidFill>
+                  <a:srgbClr val="FFC000"/>
+                </a:solidFill>
+              </a:rPr>
+              <a:t>        &lt;a </a:t>
+            </a:r>
+            <a:r>
+              <a:rPr lang="es-ES" sz="900" dirty="0" err="1">
+                <a:solidFill>
+                  <a:srgbClr val="FFC000"/>
+                </a:solidFill>
+              </a:rPr>
+              <a:t>href</a:t>
+            </a:r>
+            <a:r>
+              <a:rPr lang="es-ES" sz="900" dirty="0">
+                <a:solidFill>
+                  <a:srgbClr val="FFC000"/>
+                </a:solidFill>
+              </a:rPr>
+              <a:t>="#" id="" </a:t>
+            </a:r>
+            <a:r>
+              <a:rPr lang="es-ES" sz="900" dirty="0" err="1">
+                <a:solidFill>
+                  <a:srgbClr val="FFC000"/>
+                </a:solidFill>
+              </a:rPr>
+              <a:t>class</a:t>
+            </a:r>
+            <a:r>
+              <a:rPr lang="es-ES" sz="900" dirty="0">
+                <a:solidFill>
+                  <a:srgbClr val="FFC000"/>
+                </a:solidFill>
+              </a:rPr>
+              <a:t>="</a:t>
+            </a:r>
+            <a:r>
+              <a:rPr lang="es-ES" sz="900" dirty="0" err="1">
+                <a:solidFill>
+                  <a:srgbClr val="FFC000"/>
+                </a:solidFill>
+              </a:rPr>
+              <a:t>btn</a:t>
+            </a:r>
+            <a:r>
+              <a:rPr lang="es-ES" sz="900" dirty="0">
+                <a:solidFill>
+                  <a:srgbClr val="FFC000"/>
+                </a:solidFill>
+              </a:rPr>
+              <a:t> </a:t>
+            </a:r>
+            <a:r>
+              <a:rPr lang="es-ES" sz="900" dirty="0" err="1">
+                <a:solidFill>
+                  <a:srgbClr val="FFC000"/>
+                </a:solidFill>
+              </a:rPr>
+              <a:t>btn-generic</a:t>
+            </a:r>
+            <a:r>
+              <a:rPr lang="es-ES" sz="900" dirty="0">
+                <a:solidFill>
+                  <a:srgbClr val="FFC000"/>
+                </a:solidFill>
+              </a:rPr>
+              <a:t> </a:t>
+            </a:r>
+            <a:r>
+              <a:rPr lang="es-ES" sz="900" dirty="0" err="1">
+                <a:solidFill>
+                  <a:srgbClr val="FFC000"/>
+                </a:solidFill>
+              </a:rPr>
+              <a:t>btn-generic-orange-trans</a:t>
+            </a:r>
+            <a:r>
+              <a:rPr lang="es-ES" sz="900" dirty="0">
+                <a:solidFill>
+                  <a:srgbClr val="FFC000"/>
+                </a:solidFill>
+              </a:rPr>
+              <a:t> </a:t>
+            </a:r>
+            <a:r>
+              <a:rPr lang="es-ES" sz="900" dirty="0" err="1">
+                <a:solidFill>
+                  <a:srgbClr val="FFC000"/>
+                </a:solidFill>
+              </a:rPr>
+              <a:t>btn</a:t>
+            </a:r>
+            <a:r>
+              <a:rPr lang="es-ES" sz="900" dirty="0">
+                <a:solidFill>
+                  <a:srgbClr val="FFC000"/>
+                </a:solidFill>
+              </a:rPr>
+              <a:t>-sin-flecha"&gt;</a:t>
+            </a:r>
+          </a:p>
+          <a:p>
+            <a:pPr marL="400050" lvl="1" indent="0">
+              <a:buNone/>
+            </a:pPr>
+            <a:r>
+              <a:rPr lang="es-ES" sz="900" dirty="0">
+                <a:solidFill>
+                  <a:srgbClr val="FFC000"/>
+                </a:solidFill>
+              </a:rPr>
+              <a:t>            &lt;</a:t>
+            </a:r>
+            <a:r>
+              <a:rPr lang="es-ES" sz="900" dirty="0" err="1">
+                <a:solidFill>
+                  <a:srgbClr val="FFC000"/>
+                </a:solidFill>
+              </a:rPr>
+              <a:t>span</a:t>
+            </a:r>
+            <a:r>
+              <a:rPr lang="es-ES" sz="900" dirty="0">
+                <a:solidFill>
+                  <a:srgbClr val="FFC000"/>
+                </a:solidFill>
+              </a:rPr>
+              <a:t>&gt;</a:t>
+            </a:r>
+            <a:r>
+              <a:rPr lang="es-ES" sz="900" dirty="0" err="1">
+                <a:solidFill>
+                  <a:srgbClr val="FFC000"/>
+                </a:solidFill>
+              </a:rPr>
+              <a:t>btn</a:t>
+            </a:r>
+            <a:r>
+              <a:rPr lang="es-ES" sz="900" dirty="0">
+                <a:solidFill>
+                  <a:srgbClr val="FFC000"/>
+                </a:solidFill>
+              </a:rPr>
+              <a:t> </a:t>
+            </a:r>
+            <a:r>
+              <a:rPr lang="es-ES" sz="900" dirty="0" err="1">
+                <a:solidFill>
+                  <a:srgbClr val="FFC000"/>
+                </a:solidFill>
+              </a:rPr>
+              <a:t>trans</a:t>
+            </a:r>
+            <a:r>
+              <a:rPr lang="es-ES" sz="900" dirty="0">
+                <a:solidFill>
+                  <a:srgbClr val="FFC000"/>
+                </a:solidFill>
+              </a:rPr>
+              <a:t>&lt;/</a:t>
+            </a:r>
+            <a:r>
+              <a:rPr lang="es-ES" sz="900" dirty="0" err="1">
+                <a:solidFill>
+                  <a:srgbClr val="FFC000"/>
+                </a:solidFill>
+              </a:rPr>
+              <a:t>span</a:t>
+            </a:r>
+            <a:r>
+              <a:rPr lang="es-ES" sz="900" dirty="0">
+                <a:solidFill>
+                  <a:srgbClr val="FFC000"/>
+                </a:solidFill>
+              </a:rPr>
+              <a:t>&gt;</a:t>
+            </a:r>
+          </a:p>
+          <a:p>
+            <a:pPr marL="400050" lvl="1" indent="0">
+              <a:buNone/>
+            </a:pPr>
+            <a:r>
+              <a:rPr lang="es-ES" sz="900" dirty="0">
+                <a:solidFill>
+                  <a:srgbClr val="FFC000"/>
+                </a:solidFill>
+              </a:rPr>
+              <a:t>        &lt;/a&gt;</a:t>
+            </a:r>
+          </a:p>
+          <a:p>
+            <a:pPr marL="400050" lvl="1" indent="0">
+              <a:buNone/>
+            </a:pPr>
+            <a:r>
+              <a:rPr lang="es-ES" sz="900" dirty="0">
+                <a:solidFill>
+                  <a:srgbClr val="FFC000"/>
+                </a:solidFill>
+              </a:rPr>
+              <a:t>&lt;/</a:t>
+            </a:r>
+            <a:r>
+              <a:rPr lang="es-ES" sz="900" dirty="0" err="1">
+                <a:solidFill>
+                  <a:srgbClr val="FFC000"/>
+                </a:solidFill>
+              </a:rPr>
+              <a:t>form</a:t>
+            </a:r>
+            <a:r>
+              <a:rPr lang="es-ES" sz="900" dirty="0">
+                <a:solidFill>
+                  <a:srgbClr val="FFC000"/>
+                </a:solidFill>
+              </a:rPr>
+              <a:t>&gt;</a:t>
+            </a:r>
           </a:p>
         </p:txBody>
       </p:sp>
@@ -12386,13 +12061,6 @@
   <p:clrMapOvr>
     <a:masterClrMapping/>
   </p:clrMapOvr>
-  <p:timing>
-    <p:tnLst>
-      <p:par>
-        <p:cTn id="1" dur="indefinite" restart="never" nodeType="tmRoot"/>
-      </p:par>
-    </p:tnLst>
-  </p:timing>
 </p:sld>
 </file>
 
@@ -12439,7 +12107,7 @@
               <a:buNone/>
             </a:pPr>
             <a:r>
-              <a:rPr lang="es-ES" sz="3600" dirty="0" smtClean="0">
+              <a:rPr lang="es-ES" sz="3600" dirty="0">
                 <a:solidFill>
                   <a:schemeClr val="accent1"/>
                 </a:solidFill>
@@ -12449,7 +12117,7 @@
               </a:rPr>
               <a:t>Modales</a:t>
             </a:r>
-            <a:endParaRPr lang="es-ES" dirty="0" smtClean="0"/>
+            <a:endParaRPr lang="es-ES" dirty="0"/>
           </a:p>
           <a:p>
             <a:pPr marL="0" indent="0">
@@ -12467,22 +12135,21 @@
               <a:rPr lang="es-ES" dirty="0"/>
               <a:t> es una ventana que se abre en la página web por encima del contenido activo y que luego podemos cerrar</a:t>
             </a:r>
+          </a:p>
+          <a:p>
             <a:endParaRPr lang="es-ES" dirty="0"/>
           </a:p>
           <a:p>
             <a:endParaRPr lang="es-ES" dirty="0"/>
           </a:p>
           <a:p>
-            <a:endParaRPr lang="es-ES" dirty="0" smtClean="0"/>
-          </a:p>
-          <a:p>
-            <a:endParaRPr lang="es-ES" dirty="0" smtClean="0"/>
+            <a:endParaRPr lang="es-ES" dirty="0"/>
           </a:p>
           <a:p>
             <a:pPr marL="400050" lvl="1" indent="0">
               <a:buNone/>
             </a:pPr>
-            <a:endParaRPr lang="es-ES" sz="900" dirty="0" smtClean="0">
+            <a:endParaRPr lang="es-ES" sz="900" dirty="0">
               <a:solidFill>
                 <a:srgbClr val="FFC000"/>
               </a:solidFill>
@@ -12493,20 +12160,12 @@
               <a:buNone/>
             </a:pPr>
             <a:r>
-              <a:rPr lang="es-ES" sz="900" dirty="0" smtClean="0">
-                <a:solidFill>
-                  <a:srgbClr val="FFC000"/>
-                </a:solidFill>
-              </a:rPr>
-              <a:t>&lt;</a:t>
-            </a:r>
-            <a:r>
-              <a:rPr lang="es-ES" sz="900" dirty="0">
-                <a:solidFill>
-                  <a:srgbClr val="FFC000"/>
-                </a:solidFill>
-              </a:rPr>
-              <a:t>div </a:t>
+              <a:rPr lang="es-ES" sz="900" dirty="0">
+                <a:solidFill>
+                  <a:srgbClr val="FFC000"/>
+                </a:solidFill>
+              </a:rPr>
+              <a:t>&lt;div </a:t>
             </a:r>
             <a:r>
               <a:rPr lang="es-ES" sz="900" dirty="0" err="1">
@@ -12647,23 +12306,7 @@
                   <a:srgbClr val="FFC000"/>
                 </a:solidFill>
               </a:rPr>
-              <a:t>	</a:t>
-            </a:r>
-            <a:r>
-              <a:rPr lang="es-ES" sz="900" dirty="0" smtClean="0">
-                <a:solidFill>
-                  <a:srgbClr val="FFC000"/>
-                </a:solidFill>
-              </a:rPr>
-              <a:t>	&lt;</a:t>
-            </a:r>
-            <a:r>
-              <a:rPr lang="es-ES" sz="900" dirty="0">
-                <a:solidFill>
-                  <a:srgbClr val="FFC000"/>
-                </a:solidFill>
-              </a:rPr>
-              <a:t>div </a:t>
+              <a:t>		&lt;div </a:t>
             </a:r>
             <a:r>
               <a:rPr lang="es-ES" sz="900" dirty="0" err="1">
@@ -12756,23 +12399,7 @@
                   <a:srgbClr val="FFC000"/>
                 </a:solidFill>
               </a:rPr>
-              <a:t>		</a:t>
-            </a:r>
-            <a:r>
-              <a:rPr lang="es-ES" sz="900" dirty="0" smtClean="0">
-                <a:solidFill>
-                  <a:srgbClr val="FFC000"/>
-                </a:solidFill>
-              </a:rPr>
-              <a:t>	&lt;</a:t>
-            </a:r>
-            <a:r>
-              <a:rPr lang="es-ES" sz="900" dirty="0">
-                <a:solidFill>
-                  <a:srgbClr val="FFC000"/>
-                </a:solidFill>
-              </a:rPr>
-              <a:t>div </a:t>
+              <a:t>			&lt;div </a:t>
             </a:r>
             <a:r>
               <a:rPr lang="es-ES" sz="900" dirty="0" err="1">
@@ -12817,23 +12444,7 @@
                   <a:srgbClr val="FFC000"/>
                 </a:solidFill>
               </a:rPr>
-              <a:t>			</a:t>
-            </a:r>
-            <a:r>
-              <a:rPr lang="es-ES" sz="900" dirty="0" smtClean="0">
-                <a:solidFill>
-                  <a:srgbClr val="FFC000"/>
-                </a:solidFill>
-              </a:rPr>
-              <a:t>	&lt;</a:t>
-            </a:r>
-            <a:r>
-              <a:rPr lang="es-ES" sz="900" dirty="0">
-                <a:solidFill>
-                  <a:srgbClr val="FFC000"/>
-                </a:solidFill>
-              </a:rPr>
-              <a:t>div </a:t>
+              <a:t>				&lt;div </a:t>
             </a:r>
             <a:r>
               <a:rPr lang="es-ES" sz="900" dirty="0" err="1">
@@ -12878,15 +12489,7 @@
                   <a:srgbClr val="FFC000"/>
                 </a:solidFill>
               </a:rPr>
-              <a:t>				</a:t>
-            </a:r>
-            <a:r>
-              <a:rPr lang="es-ES" sz="900" dirty="0" smtClean="0">
-                <a:solidFill>
-                  <a:srgbClr val="FFC000"/>
-                </a:solidFill>
-              </a:rPr>
-              <a:t>	&lt;</a:t>
+              <a:t>					&lt;</a:t>
             </a:r>
             <a:r>
               <a:rPr lang="es-ES" sz="900" dirty="0" err="1">
@@ -13027,15 +12630,7 @@
                   <a:srgbClr val="FFC000"/>
                 </a:solidFill>
               </a:rPr>
-              <a:t>					</a:t>
-            </a:r>
-            <a:r>
-              <a:rPr lang="es-ES" sz="900" dirty="0" smtClean="0">
-                <a:solidFill>
-                  <a:srgbClr val="FFC000"/>
-                </a:solidFill>
-              </a:rPr>
-              <a:t>&lt;</a:t>
+              <a:t>					&lt;</a:t>
             </a:r>
             <a:r>
               <a:rPr lang="es-ES" sz="900" dirty="0" err="1">
@@ -13096,15 +12691,7 @@
                   <a:srgbClr val="FFC000"/>
                 </a:solidFill>
               </a:rPr>
-              <a:t>					</a:t>
-            </a:r>
-            <a:r>
-              <a:rPr lang="es-ES" sz="900" dirty="0" smtClean="0">
-                <a:solidFill>
-                  <a:srgbClr val="FFC000"/>
-                </a:solidFill>
-              </a:rPr>
-              <a:t>&lt;/</a:t>
+              <a:t>					&lt;/</a:t>
             </a:r>
             <a:r>
               <a:rPr lang="es-ES" sz="900" dirty="0" err="1">
@@ -13133,23 +12720,7 @@
                   <a:srgbClr val="FFC000"/>
                 </a:solidFill>
               </a:rPr>
-              <a:t>					</a:t>
-            </a:r>
-            <a:r>
-              <a:rPr lang="es-ES" sz="900" dirty="0" smtClean="0">
-                <a:solidFill>
-                  <a:srgbClr val="FFC000"/>
-                </a:solidFill>
-              </a:rPr>
-              <a:t>&lt;</a:t>
-            </a:r>
-            <a:r>
-              <a:rPr lang="es-ES" sz="900" dirty="0">
-                <a:solidFill>
-                  <a:srgbClr val="FFC000"/>
-                </a:solidFill>
-              </a:rPr>
-              <a:t>h3 </a:t>
+              <a:t>					&lt;h3 </a:t>
             </a:r>
             <a:r>
               <a:rPr lang="es-ES" sz="900" dirty="0" err="1">
@@ -13178,23 +12749,7 @@
                   <a:srgbClr val="FFC000"/>
                 </a:solidFill>
               </a:rPr>
-              <a:t>					</a:t>
-            </a:r>
-            <a:r>
-              <a:rPr lang="es-ES" sz="900" dirty="0" smtClean="0">
-                <a:solidFill>
-                  <a:srgbClr val="FFC000"/>
-                </a:solidFill>
-              </a:rPr>
-              <a:t>&lt;</a:t>
-            </a:r>
-            <a:r>
-              <a:rPr lang="es-ES" sz="900" dirty="0">
-                <a:solidFill>
-                  <a:srgbClr val="FFC000"/>
-                </a:solidFill>
-              </a:rPr>
-              <a:t>p </a:t>
+              <a:t>					&lt;p </a:t>
             </a:r>
             <a:r>
               <a:rPr lang="es-ES" sz="900" dirty="0" err="1">
@@ -13239,23 +12794,7 @@
                   <a:srgbClr val="FFC000"/>
                 </a:solidFill>
               </a:rPr>
-              <a:t>				</a:t>
-            </a:r>
-            <a:r>
-              <a:rPr lang="es-ES" sz="900" dirty="0" smtClean="0">
-                <a:solidFill>
-                  <a:srgbClr val="FFC000"/>
-                </a:solidFill>
-              </a:rPr>
-              <a:t>&lt;/</a:t>
-            </a:r>
-            <a:r>
-              <a:rPr lang="es-ES" sz="900" dirty="0">
-                <a:solidFill>
-                  <a:srgbClr val="FFC000"/>
-                </a:solidFill>
-              </a:rPr>
-              <a:t>div&gt;</a:t>
+              <a:t>				&lt;/div&gt;</a:t>
             </a:r>
           </a:p>
           <a:p>
@@ -13268,23 +12807,7 @@
                   <a:srgbClr val="FFC000"/>
                 </a:solidFill>
               </a:rPr>
-              <a:t>			</a:t>
-            </a:r>
-            <a:r>
-              <a:rPr lang="es-ES" sz="900" dirty="0" smtClean="0">
-                <a:solidFill>
-                  <a:srgbClr val="FFC000"/>
-                </a:solidFill>
-              </a:rPr>
-              <a:t>&lt;/</a:t>
-            </a:r>
-            <a:r>
-              <a:rPr lang="es-ES" sz="900" dirty="0">
-                <a:solidFill>
-                  <a:srgbClr val="FFC000"/>
-                </a:solidFill>
-              </a:rPr>
-              <a:t>div&gt;</a:t>
+              <a:t>			&lt;/div&gt;</a:t>
             </a:r>
           </a:p>
           <a:p>
@@ -13297,23 +12820,7 @@
                   <a:srgbClr val="FFC000"/>
                 </a:solidFill>
               </a:rPr>
-              <a:t>		</a:t>
-            </a:r>
-            <a:r>
-              <a:rPr lang="es-ES" sz="900" dirty="0" smtClean="0">
-                <a:solidFill>
-                  <a:srgbClr val="FFC000"/>
-                </a:solidFill>
-              </a:rPr>
-              <a:t>&lt;/</a:t>
-            </a:r>
-            <a:r>
-              <a:rPr lang="es-ES" sz="900" dirty="0">
-                <a:solidFill>
-                  <a:srgbClr val="FFC000"/>
-                </a:solidFill>
-              </a:rPr>
-              <a:t>div&gt;</a:t>
+              <a:t>		&lt;/div&gt;</a:t>
             </a:r>
           </a:p>
           <a:p>
@@ -13326,23 +12833,7 @@
                   <a:srgbClr val="FFC000"/>
                 </a:solidFill>
               </a:rPr>
-              <a:t>	</a:t>
-            </a:r>
-            <a:r>
-              <a:rPr lang="es-ES" sz="900" dirty="0" smtClean="0">
-                <a:solidFill>
-                  <a:srgbClr val="FFC000"/>
-                </a:solidFill>
-              </a:rPr>
-              <a:t>&lt;/</a:t>
-            </a:r>
-            <a:r>
-              <a:rPr lang="es-ES" sz="900" dirty="0">
-                <a:solidFill>
-                  <a:srgbClr val="FFC000"/>
-                </a:solidFill>
-              </a:rPr>
-              <a:t>div&gt;</a:t>
+              <a:t>	&lt;/div&gt;</a:t>
             </a:r>
             <a:endParaRPr lang="es-ES" dirty="0"/>
           </a:p>
@@ -13406,13 +12897,6 @@
   <p:clrMapOvr>
     <a:masterClrMapping/>
   </p:clrMapOvr>
-  <p:timing>
-    <p:tnLst>
-      <p:par>
-        <p:cTn id="1" dur="indefinite" restart="never" nodeType="tmRoot"/>
-      </p:par>
-    </p:tnLst>
-  </p:timing>
 </p:sld>
 </file>
 
@@ -13457,7 +12941,7 @@
               <a:buNone/>
             </a:pPr>
             <a:r>
-              <a:rPr lang="es-ES" sz="3600" dirty="0" smtClean="0">
+              <a:rPr lang="es-ES" sz="3600" dirty="0">
                 <a:solidFill>
                   <a:schemeClr val="accent1"/>
                 </a:solidFill>
@@ -13467,7 +12951,7 @@
               </a:rPr>
               <a:t>Botones</a:t>
             </a:r>
-            <a:endParaRPr lang="es-ES" dirty="0" smtClean="0"/>
+            <a:endParaRPr lang="es-ES" dirty="0"/>
           </a:p>
           <a:p>
             <a:pPr marL="0" indent="0">
@@ -13477,7 +12961,6 @@
               <a:rPr lang="es-ES" dirty="0"/>
               <a:t>Un botón nos permite realizar una acción con el formulario que lo contenga.</a:t>
             </a:r>
-            <a:endParaRPr lang="es-ES" dirty="0" smtClean="0"/>
           </a:p>
           <a:p>
             <a:endParaRPr lang="es-ES" dirty="0"/>
@@ -13735,11 +13218,6 @@
               </a:rPr>
               <a:t>&lt;/a&gt;</a:t>
             </a:r>
-            <a:endParaRPr lang="es-ES" sz="900" dirty="0">
-              <a:solidFill>
-                <a:srgbClr val="FFC000"/>
-              </a:solidFill>
-            </a:endParaRPr>
           </a:p>
         </p:txBody>
       </p:sp>
@@ -14448,13 +13926,6 @@
   <p:clrMapOvr>
     <a:masterClrMapping/>
   </p:clrMapOvr>
-  <p:timing>
-    <p:tnLst>
-      <p:par>
-        <p:cTn id="1" dur="indefinite" restart="never" nodeType="tmRoot"/>
-      </p:par>
-    </p:tnLst>
-  </p:timing>
 </p:sld>
 </file>
 
@@ -14497,10 +13968,9 @@
           <a:p>
             <a:pPr algn="ctr"/>
             <a:r>
-              <a:rPr lang="es-ES" sz="4000" dirty="0" smtClean="0"/>
+              <a:rPr lang="es-ES" sz="4000" dirty="0"/>
               <a:t>Ejercicio </a:t>
             </a:r>
-            <a:endParaRPr lang="es-ES" sz="4000" dirty="0"/>
           </a:p>
         </p:txBody>
       </p:sp>
@@ -14514,13 +13984,6 @@
   <p:clrMapOvr>
     <a:masterClrMapping/>
   </p:clrMapOvr>
-  <p:timing>
-    <p:tnLst>
-      <p:par>
-        <p:cTn id="1" dur="indefinite" restart="never" nodeType="tmRoot"/>
-      </p:par>
-    </p:tnLst>
-  </p:timing>
 </p:sld>
 </file>
 
@@ -14557,10 +14020,9 @@
           <a:lstStyle/>
           <a:p>
             <a:r>
-              <a:rPr lang="es-ES" dirty="0" smtClean="0"/>
+              <a:rPr lang="es-ES" dirty="0"/>
               <a:t>Introducción</a:t>
             </a:r>
-            <a:endParaRPr lang="es-ES" dirty="0"/>
           </a:p>
         </p:txBody>
       </p:sp>
@@ -14583,12 +14045,8 @@
           <a:p>
             <a:pPr algn="just"/>
             <a:r>
-              <a:rPr lang="es-ES" sz="2400" dirty="0" smtClean="0"/>
-              <a:t>La</a:t>
-            </a:r>
-            <a:r>
               <a:rPr lang="es-ES" sz="2400" dirty="0"/>
-              <a:t> </a:t>
+              <a:t>La </a:t>
             </a:r>
             <a:r>
               <a:rPr lang="es-ES" sz="2400" b="1" dirty="0"/>
@@ -14638,7 +14096,6 @@
               <a:rPr lang="es-ES" sz="2400" dirty="0"/>
               <a:t> puedan interpretarlos y reproducirlos correctamente en diferentes dispositivos.</a:t>
             </a:r>
-            <a:endParaRPr lang="es-ES" sz="2400" dirty="0"/>
           </a:p>
         </p:txBody>
       </p:sp>
@@ -14652,13 +14109,6 @@
   <p:clrMapOvr>
     <a:masterClrMapping/>
   </p:clrMapOvr>
-  <p:timing>
-    <p:tnLst>
-      <p:par>
-        <p:cTn id="1" dur="indefinite" restart="never" nodeType="tmRoot"/>
-      </p:par>
-    </p:tnLst>
-  </p:timing>
 </p:sld>
 </file>
 
@@ -14700,12 +14150,12 @@
           <a:lstStyle/>
           <a:p>
             <a:r>
-              <a:rPr lang="es-ES" sz="2800" dirty="0" smtClean="0"/>
+              <a:rPr lang="es-ES" sz="2800" dirty="0"/>
               <a:t>A partir de la definición anterior trataremos de ver los elementos de la siguiente manera:</a:t>
             </a:r>
           </a:p>
           <a:p>
-            <a:endParaRPr lang="es-ES" dirty="0" smtClean="0"/>
+            <a:endParaRPr lang="es-ES" dirty="0"/>
           </a:p>
           <a:p>
             <a:pPr marL="0" indent="0">
@@ -14716,39 +14166,39 @@
           <a:p>
             <a:pPr lvl="1"/>
             <a:r>
-              <a:rPr lang="es-ES" sz="3600" dirty="0" smtClean="0"/>
+              <a:rPr lang="es-ES" sz="3600" dirty="0"/>
               <a:t>Esqueleto </a:t>
             </a:r>
             <a:r>
-              <a:rPr lang="es-ES" sz="3600" dirty="0" smtClean="0">
+              <a:rPr lang="es-ES" sz="3600" dirty="0">
                 <a:sym typeface="Wingdings" panose="05000000000000000000" pitchFamily="2" charset="2"/>
               </a:rPr>
               <a:t>HTML</a:t>
             </a:r>
-            <a:endParaRPr lang="es-ES" sz="3600" dirty="0" smtClean="0"/>
+            <a:endParaRPr lang="es-ES" sz="3600" dirty="0"/>
           </a:p>
           <a:p>
             <a:pPr lvl="1"/>
             <a:r>
-              <a:rPr lang="es-ES" sz="3600" dirty="0" smtClean="0"/>
+              <a:rPr lang="es-ES" sz="3600" dirty="0"/>
               <a:t>Diseño </a:t>
             </a:r>
             <a:r>
-              <a:rPr lang="es-ES" sz="3600" dirty="0" smtClean="0">
+              <a:rPr lang="es-ES" sz="3600" dirty="0">
                 <a:sym typeface="Wingdings" panose="05000000000000000000" pitchFamily="2" charset="2"/>
               </a:rPr>
               <a:t> CSS</a:t>
             </a:r>
-            <a:endParaRPr lang="es-ES" sz="3600" dirty="0" smtClean="0"/>
+            <a:endParaRPr lang="es-ES" sz="3600" dirty="0"/>
           </a:p>
           <a:p>
             <a:pPr lvl="1"/>
             <a:r>
-              <a:rPr lang="es-ES" sz="3600" dirty="0" smtClean="0"/>
+              <a:rPr lang="es-ES" sz="3600" dirty="0"/>
               <a:t>Dinamismo </a:t>
             </a:r>
             <a:r>
-              <a:rPr lang="es-ES" sz="3600" dirty="0" smtClean="0">
+              <a:rPr lang="es-ES" sz="3600" dirty="0">
                 <a:sym typeface="Wingdings" panose="05000000000000000000" pitchFamily="2" charset="2"/>
               </a:rPr>
               <a:t> JS</a:t>
@@ -14767,13 +14217,6 @@
   <p:clrMapOvr>
     <a:masterClrMapping/>
   </p:clrMapOvr>
-  <p:timing>
-    <p:tnLst>
-      <p:par>
-        <p:cTn id="1" dur="indefinite" restart="never" nodeType="tmRoot"/>
-      </p:par>
-    </p:tnLst>
-  </p:timing>
 </p:sld>
 </file>
 
@@ -14810,10 +14253,9 @@
           <a:lstStyle/>
           <a:p>
             <a:r>
-              <a:rPr lang="es-ES" dirty="0" smtClean="0"/>
+              <a:rPr lang="es-ES" dirty="0"/>
               <a:t>Estándares</a:t>
             </a:r>
-            <a:endParaRPr lang="es-ES" dirty="0"/>
           </a:p>
         </p:txBody>
       </p:sp>
@@ -14841,57 +14283,57 @@
           <a:p>
             <a:pPr algn="just"/>
             <a:r>
-              <a:rPr lang="es-ES" sz="2400" dirty="0" smtClean="0"/>
+              <a:rPr lang="es-ES" sz="2400" dirty="0"/>
               <a:t>Web comercial está compuesto por cerca de 40 personas (analistas, desarrolladores, </a:t>
             </a:r>
             <a:r>
-              <a:rPr lang="es-ES" sz="2400" dirty="0" err="1" smtClean="0"/>
+              <a:rPr lang="es-ES" sz="2400" dirty="0" err="1"/>
               <a:t>tester</a:t>
             </a:r>
             <a:r>
-              <a:rPr lang="es-ES" sz="2400" dirty="0" smtClean="0"/>
+              <a:rPr lang="es-ES" sz="2400" dirty="0"/>
               <a:t>…) y es un proyecto que tiene una vida de muchos años y que ha pasado por varias empresas. Está compuesto por multitud de páginas y por ello la uniformidad es vital de modo que se toman los siguientes estándares:</a:t>
             </a:r>
           </a:p>
           <a:p>
-            <a:endParaRPr lang="es-ES" sz="2400" dirty="0" smtClean="0"/>
+            <a:endParaRPr lang="es-ES" sz="2400" dirty="0"/>
           </a:p>
           <a:p>
             <a:pPr lvl="1"/>
             <a:r>
-              <a:rPr lang="es-ES" sz="2200" dirty="0" err="1" smtClean="0"/>
+              <a:rPr lang="es-ES" sz="2200" dirty="0" err="1"/>
               <a:t>Bootstrap</a:t>
             </a:r>
             <a:r>
-              <a:rPr lang="es-ES" sz="2200" dirty="0" smtClean="0"/>
+              <a:rPr lang="es-ES" sz="2200" dirty="0"/>
               <a:t> 4</a:t>
             </a:r>
           </a:p>
           <a:p>
             <a:pPr lvl="1"/>
             <a:r>
-              <a:rPr lang="es-ES" sz="2200" dirty="0" smtClean="0"/>
+              <a:rPr lang="es-ES" sz="2200" dirty="0"/>
               <a:t>HTML5</a:t>
             </a:r>
           </a:p>
           <a:p>
             <a:pPr lvl="1"/>
             <a:r>
-              <a:rPr lang="es-ES" sz="2200" dirty="0" smtClean="0"/>
+              <a:rPr lang="es-ES" sz="2200" dirty="0"/>
               <a:t>CSS3</a:t>
             </a:r>
           </a:p>
           <a:p>
             <a:pPr lvl="1"/>
             <a:r>
-              <a:rPr lang="es-ES" sz="2200" dirty="0" smtClean="0"/>
+              <a:rPr lang="es-ES" sz="2200" dirty="0"/>
               <a:t>JS con </a:t>
             </a:r>
             <a:r>
-              <a:rPr lang="es-ES" sz="2200" dirty="0" err="1" smtClean="0"/>
+              <a:rPr lang="es-ES" sz="2200" dirty="0" err="1"/>
               <a:t>jQuery</a:t>
             </a:r>
-            <a:endParaRPr lang="es-ES" sz="2200" dirty="0" smtClean="0"/>
+            <a:endParaRPr lang="es-ES" sz="2200" dirty="0"/>
           </a:p>
           <a:p>
             <a:endParaRPr lang="es-ES" dirty="0"/>
@@ -14908,13 +14350,6 @@
   <p:clrMapOvr>
     <a:masterClrMapping/>
   </p:clrMapOvr>
-  <p:timing>
-    <p:tnLst>
-      <p:par>
-        <p:cTn id="1" dur="indefinite" restart="never" nodeType="tmRoot"/>
-      </p:par>
-    </p:tnLst>
-  </p:timing>
 </p:sld>
 </file>
 
@@ -14951,10 +14386,9 @@
           <a:lstStyle/>
           <a:p>
             <a:r>
-              <a:rPr lang="es-ES" dirty="0" smtClean="0"/>
+              <a:rPr lang="es-ES" dirty="0"/>
               <a:t>Decoradores</a:t>
             </a:r>
-            <a:endParaRPr lang="es-ES" dirty="0"/>
           </a:p>
         </p:txBody>
       </p:sp>
@@ -14982,35 +14416,35 @@
           <a:p>
             <a:pPr algn="just"/>
             <a:r>
-              <a:rPr lang="es-ES" sz="2600" dirty="0" smtClean="0"/>
+              <a:rPr lang="es-ES" sz="2600" dirty="0"/>
               <a:t>Identificaremos un decorador como un </a:t>
             </a:r>
             <a:r>
-              <a:rPr lang="es-ES" sz="2600" b="1" dirty="0" smtClean="0"/>
+              <a:rPr lang="es-ES" sz="2600" b="1" dirty="0"/>
               <a:t>MOLDE</a:t>
             </a:r>
             <a:r>
-              <a:rPr lang="es-ES" sz="2600" dirty="0" smtClean="0"/>
+              <a:rPr lang="es-ES" sz="2600" dirty="0"/>
               <a:t> para la construcción de una página web. Hace años teníamos varios decoradores, uno por necesidad de negocio para adaptar el comportamiento a cada tipo de página.</a:t>
             </a:r>
           </a:p>
           <a:p>
             <a:pPr algn="just"/>
             <a:r>
-              <a:rPr lang="es-ES" sz="2600" dirty="0" smtClean="0"/>
+              <a:rPr lang="es-ES" sz="2600" dirty="0"/>
               <a:t>Posteriormente y con la migración a Boostrap4 nos dimos cuenta de que la mejor opción era derivar a un decorador genérico y parametrizar las necesidades con opciones. De modo que a día de hoy los mas usados serían:</a:t>
             </a:r>
           </a:p>
           <a:p>
-            <a:endParaRPr lang="es-ES" sz="2400" dirty="0" smtClean="0"/>
+            <a:endParaRPr lang="es-ES" sz="2400" dirty="0"/>
           </a:p>
           <a:p>
             <a:pPr lvl="1"/>
             <a:r>
-              <a:rPr lang="es-ES" sz="2200" dirty="0" err="1" smtClean="0"/>
+              <a:rPr lang="es-ES" sz="2200" dirty="0" err="1"/>
               <a:t>decGeneric</a:t>
             </a:r>
-            <a:endParaRPr lang="es-ES" sz="2200" dirty="0" smtClean="0"/>
+            <a:endParaRPr lang="es-ES" sz="2200" dirty="0"/>
           </a:p>
           <a:p>
             <a:pPr lvl="1"/>
@@ -15023,10 +14457,10 @@
           <a:p>
             <a:pPr lvl="1"/>
             <a:r>
-              <a:rPr lang="es-ES" sz="2200" dirty="0" err="1" smtClean="0"/>
+              <a:rPr lang="es-ES" sz="2200" dirty="0" err="1"/>
               <a:t>decURL</a:t>
             </a:r>
-            <a:endParaRPr lang="es-ES" sz="2200" dirty="0" smtClean="0"/>
+            <a:endParaRPr lang="es-ES" sz="2200" dirty="0"/>
           </a:p>
         </p:txBody>
       </p:sp>
@@ -15040,13 +14474,6 @@
   <p:clrMapOvr>
     <a:masterClrMapping/>
   </p:clrMapOvr>
-  <p:timing>
-    <p:tnLst>
-      <p:par>
-        <p:cTn id="1" dur="indefinite" restart="never" nodeType="tmRoot"/>
-      </p:par>
-    </p:tnLst>
-  </p:timing>
 </p:sld>
 </file>
 
@@ -15088,24 +14515,24 @@
           <a:lstStyle/>
           <a:p>
             <a:r>
-              <a:rPr lang="es-ES" u="sng" dirty="0" err="1" smtClean="0"/>
+              <a:rPr lang="es-ES" u="sng" dirty="0" err="1"/>
               <a:t>decGeneric</a:t>
             </a:r>
             <a:r>
-              <a:rPr lang="es-ES" dirty="0" smtClean="0"/>
+              <a:rPr lang="es-ES" dirty="0"/>
               <a:t>: disponible en todos los países de la web comercial, permite la maquetación de una web en Boostrap4. </a:t>
             </a:r>
             <a:r>
-              <a:rPr lang="es-ES" dirty="0" err="1" smtClean="0"/>
+              <a:rPr lang="es-ES" dirty="0" err="1"/>
               <a:t>Ej</a:t>
             </a:r>
             <a:r>
-              <a:rPr lang="es-ES" dirty="0" smtClean="0"/>
+              <a:rPr lang="es-ES" dirty="0"/>
               <a:t>:</a:t>
             </a:r>
           </a:p>
           <a:p>
-            <a:endParaRPr lang="es-ES" dirty="0" smtClean="0"/>
+            <a:endParaRPr lang="es-ES" dirty="0"/>
           </a:p>
         </p:txBody>
       </p:sp>
@@ -15143,13 +14570,6 @@
   <p:clrMapOvr>
     <a:masterClrMapping/>
   </p:clrMapOvr>
-  <p:timing>
-    <p:tnLst>
-      <p:par>
-        <p:cTn id="1" dur="indefinite" restart="never" nodeType="tmRoot"/>
-      </p:par>
-    </p:tnLst>
-  </p:timing>
 </p:sld>
 </file>
 
@@ -15219,22 +14639,21 @@
           <a:lstStyle/>
           <a:p>
             <a:r>
-              <a:rPr lang="es-ES" dirty="0" err="1" smtClean="0"/>
+              <a:rPr lang="es-ES" dirty="0" err="1"/>
               <a:t>Parametros</a:t>
             </a:r>
             <a:r>
-              <a:rPr lang="es-ES" dirty="0" smtClean="0"/>
+              <a:rPr lang="es-ES" dirty="0"/>
               <a:t> de GWB para esa entrada: se eligen los módulos a cargar, la activación o no del chat, </a:t>
             </a:r>
             <a:r>
-              <a:rPr lang="es-ES" dirty="0" err="1" smtClean="0"/>
+              <a:rPr lang="es-ES" dirty="0" err="1"/>
               <a:t>metadescripciones</a:t>
             </a:r>
             <a:r>
-              <a:rPr lang="es-ES" dirty="0" smtClean="0"/>
+              <a:rPr lang="es-ES" dirty="0"/>
               <a:t>…</a:t>
             </a:r>
-            <a:endParaRPr lang="es-ES" dirty="0"/>
           </a:p>
         </p:txBody>
       </p:sp>
@@ -15350,13 +14769,6 @@
   <p:clrMapOvr>
     <a:masterClrMapping/>
   </p:clrMapOvr>
-  <p:timing>
-    <p:tnLst>
-      <p:par>
-        <p:cTn id="1" dur="indefinite" restart="never" nodeType="tmRoot"/>
-      </p:par>
-    </p:tnLst>
-  </p:timing>
 </p:sld>
 </file>
 
@@ -15398,19 +14810,19 @@
           <a:lstStyle/>
           <a:p>
             <a:r>
-              <a:rPr lang="es-ES" u="sng" dirty="0" err="1" smtClean="0"/>
+              <a:rPr lang="es-ES" u="sng" dirty="0" err="1"/>
               <a:t>decGenericLateral</a:t>
             </a:r>
             <a:r>
-              <a:rPr lang="es-ES" dirty="0" smtClean="0"/>
+              <a:rPr lang="es-ES" dirty="0"/>
               <a:t>: usado para el proyecto MAC SIMPLIFICADA, tiene las mismas características que el </a:t>
             </a:r>
             <a:r>
-              <a:rPr lang="es-ES" dirty="0" err="1" smtClean="0"/>
+              <a:rPr lang="es-ES" dirty="0" err="1"/>
               <a:t>decGeneric</a:t>
             </a:r>
             <a:r>
-              <a:rPr lang="es-ES" dirty="0" smtClean="0"/>
+              <a:rPr lang="es-ES" dirty="0"/>
               <a:t> pero presenta el menú en el lateral.</a:t>
             </a:r>
           </a:p>
@@ -15499,13 +14911,6 @@
   <p:clrMapOvr>
     <a:masterClrMapping/>
   </p:clrMapOvr>
-  <p:timing>
-    <p:tnLst>
-      <p:par>
-        <p:cTn id="1" dur="indefinite" restart="never" nodeType="tmRoot"/>
-      </p:par>
-    </p:tnLst>
-  </p:timing>
 </p:sld>
 </file>
 

--- a/Teoria/HTML.pptx
+++ b/Teoria/HTML.pptx
@@ -229,11 +229,42 @@
 <pc:chgInfo xmlns:a="http://schemas.openxmlformats.org/drawingml/2006/main" xmlns:r="http://schemas.openxmlformats.org/officeDocument/2006/relationships" xmlns:ac="http://schemas.microsoft.com/office/drawing/2013/main/command" xmlns:pc="http://schemas.microsoft.com/office/powerpoint/2013/main/command">
   <pc:docChgLst>
     <pc:chgData name="Sergio Sacristan Santero" userId="955dd7f0-91eb-4aab-8e1c-7d6c143bf99a" providerId="ADAL" clId="{76A71EE1-0E28-46C1-93EC-AA02E7255FE1}"/>
-    <pc:docChg chg="modSld">
-      <pc:chgData name="Sergio Sacristan Santero" userId="955dd7f0-91eb-4aab-8e1c-7d6c143bf99a" providerId="ADAL" clId="{76A71EE1-0E28-46C1-93EC-AA02E7255FE1}" dt="2022-03-21T09:06:06.563" v="10" actId="20577"/>
+    <pc:docChg chg="undo custSel modSld">
+      <pc:chgData name="Sergio Sacristan Santero" userId="955dd7f0-91eb-4aab-8e1c-7d6c143bf99a" providerId="ADAL" clId="{76A71EE1-0E28-46C1-93EC-AA02E7255FE1}" dt="2022-03-21T14:01:57.124" v="24" actId="1076"/>
       <pc:docMkLst>
         <pc:docMk/>
       </pc:docMkLst>
+      <pc:sldChg chg="addSp delSp modSp mod">
+        <pc:chgData name="Sergio Sacristan Santero" userId="955dd7f0-91eb-4aab-8e1c-7d6c143bf99a" providerId="ADAL" clId="{76A71EE1-0E28-46C1-93EC-AA02E7255FE1}" dt="2022-03-21T14:01:57.124" v="24" actId="1076"/>
+        <pc:sldMkLst>
+          <pc:docMk/>
+          <pc:sldMk cId="2968506021" sldId="256"/>
+        </pc:sldMkLst>
+        <pc:spChg chg="mod">
+          <ac:chgData name="Sergio Sacristan Santero" userId="955dd7f0-91eb-4aab-8e1c-7d6c143bf99a" providerId="ADAL" clId="{76A71EE1-0E28-46C1-93EC-AA02E7255FE1}" dt="2022-03-21T14:01:45.733" v="20" actId="20577"/>
+          <ac:spMkLst>
+            <pc:docMk/>
+            <pc:sldMk cId="2968506021" sldId="256"/>
+            <ac:spMk id="3" creationId="{00000000-0000-0000-0000-000000000000}"/>
+          </ac:spMkLst>
+        </pc:spChg>
+        <pc:spChg chg="add del">
+          <ac:chgData name="Sergio Sacristan Santero" userId="955dd7f0-91eb-4aab-8e1c-7d6c143bf99a" providerId="ADAL" clId="{76A71EE1-0E28-46C1-93EC-AA02E7255FE1}" dt="2022-03-21T14:01:50.711" v="22" actId="22"/>
+          <ac:spMkLst>
+            <pc:docMk/>
+            <pc:sldMk cId="2968506021" sldId="256"/>
+            <ac:spMk id="5" creationId="{F7C43DA0-09C4-48D8-A9D9-16874A8CD14A}"/>
+          </ac:spMkLst>
+        </pc:spChg>
+        <pc:picChg chg="add mod">
+          <ac:chgData name="Sergio Sacristan Santero" userId="955dd7f0-91eb-4aab-8e1c-7d6c143bf99a" providerId="ADAL" clId="{76A71EE1-0E28-46C1-93EC-AA02E7255FE1}" dt="2022-03-21T14:01:57.124" v="24" actId="1076"/>
+          <ac:picMkLst>
+            <pc:docMk/>
+            <pc:sldMk cId="2968506021" sldId="256"/>
+            <ac:picMk id="7" creationId="{078BC3DD-1F05-4506-9F24-116E84694EAF}"/>
+          </ac:picMkLst>
+        </pc:picChg>
+      </pc:sldChg>
       <pc:sldChg chg="modSp mod">
         <pc:chgData name="Sergio Sacristan Santero" userId="955dd7f0-91eb-4aab-8e1c-7d6c143bf99a" providerId="ADAL" clId="{76A71EE1-0E28-46C1-93EC-AA02E7255FE1}" dt="2022-03-21T09:06:06.563" v="10" actId="20577"/>
         <pc:sldMkLst>
@@ -5937,11 +5968,41 @@
           <a:p>
             <a:r>
               <a:rPr lang="es-ES" dirty="0"/>
-              <a:t>Web Comercial</a:t>
-            </a:r>
-          </a:p>
-        </p:txBody>
-      </p:sp>
+              <a:t>Web Comercial Iberdrola</a:t>
+            </a:r>
+          </a:p>
+        </p:txBody>
+      </p:sp>
+      <p:pic>
+        <p:nvPicPr>
+          <p:cNvPr id="7" name="Imagen 6">
+            <a:extLst>
+              <a:ext uri="{FF2B5EF4-FFF2-40B4-BE49-F238E27FC236}">
+                <a16:creationId xmlns:a16="http://schemas.microsoft.com/office/drawing/2014/main" id="{078BC3DD-1F05-4506-9F24-116E84694EAF}"/>
+              </a:ext>
+            </a:extLst>
+          </p:cNvPr>
+          <p:cNvPicPr>
+            <a:picLocks noChangeAspect="1"/>
+          </p:cNvPicPr>
+          <p:nvPr/>
+        </p:nvPicPr>
+        <p:blipFill>
+          <a:blip r:embed="rId2"/>
+          <a:stretch>
+            <a:fillRect/>
+          </a:stretch>
+        </p:blipFill>
+        <p:spPr>
+          <a:xfrm>
+            <a:off x="4347547" y="5042686"/>
+            <a:ext cx="2085975" cy="942975"/>
+          </a:xfrm>
+          <a:prstGeom prst="rect">
+            <a:avLst/>
+          </a:prstGeom>
+        </p:spPr>
+      </p:pic>
     </p:spTree>
     <p:extLst>
       <p:ext uri="{BB962C8B-B14F-4D97-AF65-F5344CB8AC3E}">
